--- a/Plakat_Kulikov.pptx
+++ b/Plakat_Kulikov.pptx
@@ -6,17 +6,16 @@
   </p:sldMasterIdLst>
   <p:sldIdLst>
     <p:sldId id="274" r:id="rId2"/>
-    <p:sldId id="257" r:id="rId3"/>
-    <p:sldId id="271" r:id="rId4"/>
-    <p:sldId id="258" r:id="rId5"/>
-    <p:sldId id="272" r:id="rId6"/>
-    <p:sldId id="259" r:id="rId7"/>
-    <p:sldId id="261" r:id="rId8"/>
-    <p:sldId id="265" r:id="rId9"/>
-    <p:sldId id="266" r:id="rId10"/>
-    <p:sldId id="267" r:id="rId11"/>
-    <p:sldId id="268" r:id="rId12"/>
-    <p:sldId id="273" r:id="rId13"/>
+    <p:sldId id="283" r:id="rId3"/>
+    <p:sldId id="284" r:id="rId4"/>
+    <p:sldId id="275" r:id="rId5"/>
+    <p:sldId id="276" r:id="rId6"/>
+    <p:sldId id="277" r:id="rId7"/>
+    <p:sldId id="278" r:id="rId8"/>
+    <p:sldId id="279" r:id="rId9"/>
+    <p:sldId id="280" r:id="rId10"/>
+    <p:sldId id="281" r:id="rId11"/>
+    <p:sldId id="282" r:id="rId12"/>
   </p:sldIdLst>
   <p:sldSz cx="12192000" cy="6858000"/>
   <p:notesSz cx="6858000" cy="9144000"/>
@@ -117,7 +116,7 @@
   </p:defaultTextStyle>
   <p:extLst>
     <p:ext uri="{EFAFB233-063F-42B5-8137-9DF3F51BA10A}">
-      <p15:sldGuideLst xmlns:p15="http://schemas.microsoft.com/office/powerpoint/2012/main" xmlns=""/>
+      <p15:sldGuideLst xmlns="" xmlns:p15="http://schemas.microsoft.com/office/powerpoint/2012/main"/>
     </p:ext>
   </p:extLst>
 </p:presentation>
@@ -503,7 +502,7 @@
             <a:fld id="{ECBF9312-44B4-4211-9B92-90372EFA7E5A}" type="datetimeFigureOut">
               <a:rPr lang="ru-RU" smtClean="0"/>
               <a:pPr/>
-              <a:t>30.05.2018</a:t>
+              <a:t>10.06.2019</a:t>
             </a:fld>
             <a:endParaRPr lang="ru-RU"/>
           </a:p>
@@ -670,7 +669,7 @@
             <a:fld id="{ECBF9312-44B4-4211-9B92-90372EFA7E5A}" type="datetimeFigureOut">
               <a:rPr lang="ru-RU" smtClean="0"/>
               <a:pPr/>
-              <a:t>30.05.2018</a:t>
+              <a:t>10.06.2019</a:t>
             </a:fld>
             <a:endParaRPr lang="ru-RU"/>
           </a:p>
@@ -847,7 +846,7 @@
             <a:fld id="{ECBF9312-44B4-4211-9B92-90372EFA7E5A}" type="datetimeFigureOut">
               <a:rPr lang="ru-RU" smtClean="0"/>
               <a:pPr/>
-              <a:t>30.05.2018</a:t>
+              <a:t>10.06.2019</a:t>
             </a:fld>
             <a:endParaRPr lang="ru-RU"/>
           </a:p>
@@ -1018,7 +1017,7 @@
             <a:fld id="{ECBF9312-44B4-4211-9B92-90372EFA7E5A}" type="datetimeFigureOut">
               <a:rPr lang="ru-RU" smtClean="0"/>
               <a:pPr/>
-              <a:t>30.05.2018</a:t>
+              <a:t>10.06.2019</a:t>
             </a:fld>
             <a:endParaRPr lang="ru-RU"/>
           </a:p>
@@ -1470,7 +1469,7 @@
             <a:fld id="{ECBF9312-44B4-4211-9B92-90372EFA7E5A}" type="datetimeFigureOut">
               <a:rPr lang="ru-RU" smtClean="0"/>
               <a:pPr/>
-              <a:t>30.05.2018</a:t>
+              <a:t>10.06.2019</a:t>
             </a:fld>
             <a:endParaRPr lang="ru-RU"/>
           </a:p>
@@ -1736,7 +1735,7 @@
             <a:fld id="{ECBF9312-44B4-4211-9B92-90372EFA7E5A}" type="datetimeFigureOut">
               <a:rPr lang="ru-RU" smtClean="0"/>
               <a:pPr/>
-              <a:t>30.05.2018</a:t>
+              <a:t>10.06.2019</a:t>
             </a:fld>
             <a:endParaRPr lang="ru-RU"/>
           </a:p>
@@ -2112,7 +2111,7 @@
             <a:fld id="{ECBF9312-44B4-4211-9B92-90372EFA7E5A}" type="datetimeFigureOut">
               <a:rPr lang="ru-RU" smtClean="0"/>
               <a:pPr/>
-              <a:t>30.05.2018</a:t>
+              <a:t>10.06.2019</a:t>
             </a:fld>
             <a:endParaRPr lang="ru-RU"/>
           </a:p>
@@ -2236,7 +2235,7 @@
             <a:fld id="{ECBF9312-44B4-4211-9B92-90372EFA7E5A}" type="datetimeFigureOut">
               <a:rPr lang="ru-RU" smtClean="0"/>
               <a:pPr/>
-              <a:t>30.05.2018</a:t>
+              <a:t>10.06.2019</a:t>
             </a:fld>
             <a:endParaRPr lang="ru-RU"/>
           </a:p>
@@ -2328,7 +2327,7 @@
             <a:fld id="{ECBF9312-44B4-4211-9B92-90372EFA7E5A}" type="datetimeFigureOut">
               <a:rPr lang="ru-RU" smtClean="0"/>
               <a:pPr/>
-              <a:t>30.05.2018</a:t>
+              <a:t>10.06.2019</a:t>
             </a:fld>
             <a:endParaRPr lang="ru-RU"/>
           </a:p>
@@ -2579,7 +2578,7 @@
             <a:fld id="{ECBF9312-44B4-4211-9B92-90372EFA7E5A}" type="datetimeFigureOut">
               <a:rPr lang="ru-RU" smtClean="0"/>
               <a:pPr/>
-              <a:t>30.05.2018</a:t>
+              <a:t>10.06.2019</a:t>
             </a:fld>
             <a:endParaRPr lang="ru-RU"/>
           </a:p>
@@ -2840,7 +2839,7 @@
             <a:fld id="{ECBF9312-44B4-4211-9B92-90372EFA7E5A}" type="datetimeFigureOut">
               <a:rPr lang="ru-RU" smtClean="0"/>
               <a:pPr/>
-              <a:t>30.05.2018</a:t>
+              <a:t>10.06.2019</a:t>
             </a:fld>
             <a:endParaRPr lang="ru-RU"/>
           </a:p>
@@ -3255,7 +3254,7 @@
             <a:fld id="{ECBF9312-44B4-4211-9B92-90372EFA7E5A}" type="datetimeFigureOut">
               <a:rPr lang="ru-RU" smtClean="0"/>
               <a:pPr/>
-              <a:t>30.05.2018</a:t>
+              <a:t>10.06.2019</a:t>
             </a:fld>
             <a:endParaRPr lang="ru-RU"/>
           </a:p>
@@ -3933,7 +3932,18 @@
                 <a:ea typeface="Microsoft JhengHei Light" panose="020B0304030504040204" pitchFamily="34" charset="-120"/>
                 <a:cs typeface="Times New Roman" panose="02020603050405020304" pitchFamily="18" charset="0"/>
               </a:rPr>
-              <a:t>2018</a:t>
+              <a:t>201</a:t>
+            </a:r>
+            <a:r>
+              <a:rPr lang="en-US" sz="1800" dirty="0" smtClean="0">
+                <a:solidFill>
+                  <a:schemeClr val="tx1"/>
+                </a:solidFill>
+                <a:latin typeface="Microsoft JhengHei Light" panose="020B0304030504040204" pitchFamily="34" charset="-120"/>
+                <a:ea typeface="Microsoft JhengHei Light" panose="020B0304030504040204" pitchFamily="34" charset="-120"/>
+                <a:cs typeface="Times New Roman" panose="02020603050405020304" pitchFamily="18" charset="0"/>
+              </a:rPr>
+              <a:t>9</a:t>
             </a:r>
             <a:endParaRPr lang="ru-RU" dirty="0"/>
           </a:p>
@@ -4164,11 +4174,8 @@
                   </a:outerShdw>
                 </a:effectLst>
               </a:rPr>
-              <a:t> «БЕЗОПАСНОСТЬ ОПЕРАЦИОННЫХ СИСТЕМ»</a:t>
-            </a:r>
-          </a:p>
-          <a:p>
-            <a:pPr algn="ctr"/>
+              <a:t> </a:t>
+            </a:r>
             <a:r>
               <a:rPr lang="ru-RU" sz="2400" dirty="0" smtClean="0">
                 <a:effectLst>
@@ -4179,11 +4186,23 @@
                   </a:outerShdw>
                 </a:effectLst>
               </a:rPr>
-              <a:t>ПО ТЕМЕ: «РАЗРАБОТКА СЕРВИСА ОБМЕНА СООБЩЕНИЯМИ </a:t>
-            </a:r>
-          </a:p>
-          <a:p>
-            <a:pPr algn="ctr"/>
+              <a:t>«</a:t>
+            </a:r>
+            <a:r>
+              <a:rPr lang="ru-RU" sz="2400" dirty="0" smtClean="0">
+                <a:solidFill>
+                  <a:schemeClr val="accent6"/>
+                </a:solidFill>
+                <a:effectLst>
+                  <a:outerShdw blurRad="38100" dist="38100" dir="2700000" algn="tl">
+                    <a:srgbClr val="000000">
+                      <a:alpha val="43137"/>
+                    </a:srgbClr>
+                  </a:outerShdw>
+                </a:effectLst>
+              </a:rPr>
+              <a:t>ПРИКЛАДНЫЕ АЛГОРИТМЫ</a:t>
+            </a:r>
             <a:r>
               <a:rPr lang="ru-RU" sz="2400" dirty="0" smtClean="0">
                 <a:effectLst>
@@ -4194,7 +4213,123 @@
                   </a:outerShdw>
                 </a:effectLst>
               </a:rPr>
-              <a:t>В ЗАЩИЩЁННОМ ИСПОЛНЕНИИ»</a:t>
+              <a:t>»</a:t>
+            </a:r>
+            <a:endParaRPr lang="ru-RU" sz="2400" dirty="0" smtClean="0">
+              <a:effectLst>
+                <a:outerShdw blurRad="38100" dist="38100" dir="2700000" algn="tl">
+                  <a:srgbClr val="000000">
+                    <a:alpha val="43137"/>
+                  </a:srgbClr>
+                </a:outerShdw>
+              </a:effectLst>
+            </a:endParaRPr>
+          </a:p>
+          <a:p>
+            <a:pPr algn="ctr"/>
+            <a:r>
+              <a:rPr lang="ru-RU" sz="2400" dirty="0" smtClean="0">
+                <a:effectLst>
+                  <a:outerShdw blurRad="38100" dist="38100" dir="2700000" algn="tl">
+                    <a:srgbClr val="000000">
+                      <a:alpha val="43137"/>
+                    </a:srgbClr>
+                  </a:outerShdw>
+                </a:effectLst>
+              </a:rPr>
+              <a:t>ПО ТЕМЕ: </a:t>
+            </a:r>
+            <a:r>
+              <a:rPr lang="ru-RU" sz="2400" dirty="0" smtClean="0">
+                <a:effectLst>
+                  <a:outerShdw blurRad="38100" dist="38100" dir="2700000" algn="tl">
+                    <a:srgbClr val="000000">
+                      <a:alpha val="43137"/>
+                    </a:srgbClr>
+                  </a:outerShdw>
+                </a:effectLst>
+              </a:rPr>
+              <a:t>«</a:t>
+            </a:r>
+            <a:r>
+              <a:rPr lang="ru-RU" sz="2400" dirty="0" smtClean="0">
+                <a:solidFill>
+                  <a:schemeClr val="accent6"/>
+                </a:solidFill>
+                <a:effectLst>
+                  <a:outerShdw blurRad="38100" dist="38100" dir="2700000" algn="tl">
+                    <a:srgbClr val="000000">
+                      <a:alpha val="43137"/>
+                    </a:srgbClr>
+                  </a:outerShdw>
+                </a:effectLst>
+                <a:latin typeface="Times New Roman" panose="02020603050405020304" pitchFamily="18" charset="0"/>
+                <a:cs typeface="Times New Roman" panose="02020603050405020304" pitchFamily="18" charset="0"/>
+              </a:rPr>
+              <a:t>Разработка компилятора подмножества </a:t>
+            </a:r>
+            <a:endParaRPr lang="en-US" sz="2400" dirty="0" smtClean="0">
+              <a:solidFill>
+                <a:schemeClr val="accent6"/>
+              </a:solidFill>
+              <a:effectLst>
+                <a:outerShdw blurRad="38100" dist="38100" dir="2700000" algn="tl">
+                  <a:srgbClr val="000000">
+                    <a:alpha val="43137"/>
+                  </a:srgbClr>
+                </a:outerShdw>
+              </a:effectLst>
+              <a:latin typeface="Times New Roman" panose="02020603050405020304" pitchFamily="18" charset="0"/>
+              <a:cs typeface="Times New Roman" panose="02020603050405020304" pitchFamily="18" charset="0"/>
+            </a:endParaRPr>
+          </a:p>
+          <a:p>
+            <a:pPr algn="ctr"/>
+            <a:r>
+              <a:rPr lang="ru-RU" sz="2400" dirty="0" smtClean="0">
+                <a:solidFill>
+                  <a:schemeClr val="accent6"/>
+                </a:solidFill>
+                <a:effectLst>
+                  <a:outerShdw blurRad="38100" dist="38100" dir="2700000" algn="tl">
+                    <a:srgbClr val="000000">
+                      <a:alpha val="43137"/>
+                    </a:srgbClr>
+                  </a:outerShdw>
+                </a:effectLst>
+                <a:latin typeface="Times New Roman" panose="02020603050405020304" pitchFamily="18" charset="0"/>
+                <a:cs typeface="Times New Roman" panose="02020603050405020304" pitchFamily="18" charset="0"/>
+              </a:rPr>
+              <a:t>процедурно-ориентированного </a:t>
+            </a:r>
+            <a:r>
+              <a:rPr lang="ru-RU" sz="2400" dirty="0" smtClean="0">
+                <a:solidFill>
+                  <a:schemeClr val="accent6"/>
+                </a:solidFill>
+                <a:effectLst>
+                  <a:outerShdw blurRad="38100" dist="38100" dir="2700000" algn="tl">
+                    <a:srgbClr val="000000">
+                      <a:alpha val="43137"/>
+                    </a:srgbClr>
+                  </a:outerShdw>
+                </a:effectLst>
+                <a:latin typeface="Times New Roman" panose="02020603050405020304" pitchFamily="18" charset="0"/>
+                <a:cs typeface="Times New Roman" panose="02020603050405020304" pitchFamily="18" charset="0"/>
+              </a:rPr>
+              <a:t>языка</a:t>
+            </a:r>
+            <a:r>
+              <a:rPr lang="ru-RU" sz="2400" dirty="0" smtClean="0">
+                <a:effectLst>
+                  <a:outerShdw blurRad="38100" dist="38100" dir="2700000" algn="tl">
+                    <a:srgbClr val="000000">
+                      <a:alpha val="43137"/>
+                    </a:srgbClr>
+                  </a:outerShdw>
+                </a:effectLst>
+              </a:rPr>
+              <a:t>»</a:t>
             </a:r>
             <a:endParaRPr lang="ru-RU" sz="2400" dirty="0">
               <a:effectLst>
@@ -4220,7 +4355,7 @@
           <a:blip r:embed="rId2" cstate="print">
             <a:extLst>
               <a:ext uri="{BEBA8EAE-BF5A-486C-A8C5-ECC9F3942E4B}">
-                <a14:imgProps xmlns:a14="http://schemas.microsoft.com/office/drawing/2010/main" xmlns="">
+                <a14:imgProps xmlns="" xmlns:a14="http://schemas.microsoft.com/office/drawing/2010/main">
                   <a14:imgLayer r:embed="rId3">
                     <a14:imgEffect>
                       <a14:sharpenSoften amount="100000"/>
@@ -4250,7 +4385,7 @@
     </p:spTree>
     <p:extLst>
       <p:ext uri="{BB962C8B-B14F-4D97-AF65-F5344CB8AC3E}">
-        <p14:creationId xmlns:p14="http://schemas.microsoft.com/office/powerpoint/2010/main" xmlns="" val="1926724595"/>
+        <p14:creationId xmlns="" xmlns:p14="http://schemas.microsoft.com/office/powerpoint/2010/main" val="1926724595"/>
       </p:ext>
     </p:extLst>
   </p:cSld>
@@ -4286,265 +4421,43 @@
       </p:grpSpPr>
       <p:sp>
         <p:nvSpPr>
-          <p:cNvPr id="5" name="Прямоугольник 4"/>
-          <p:cNvSpPr/>
-          <p:nvPr/>
-        </p:nvSpPr>
-        <p:spPr>
-          <a:xfrm>
-            <a:off x="-1" y="892629"/>
-            <a:ext cx="6953251" cy="3416320"/>
-          </a:xfrm>
-          <a:prstGeom prst="rect">
-            <a:avLst/>
-          </a:prstGeom>
-        </p:spPr>
-        <p:txBody>
-          <a:bodyPr wrap="square">
-            <a:spAutoFit/>
-          </a:bodyPr>
-          <a:lstStyle/>
-          <a:p>
-            <a:r>
-              <a:rPr lang="ru-RU" dirty="0" smtClean="0">
-                <a:solidFill>
-                  <a:schemeClr val="bg1"/>
-                </a:solidFill>
-              </a:rPr>
-              <a:t>	Так как пароль отправляется на сервер (это очевидно, так как на сервере отображается эта информация), то нужно найти участок кода, где клиент отправляет пароль, а затем принимает что-то взамен, чтобы понять, верный ли пароль. </a:t>
-            </a:r>
-          </a:p>
-          <a:p>
-            <a:r>
-              <a:rPr lang="ru-RU" dirty="0" smtClean="0">
-                <a:solidFill>
-                  <a:schemeClr val="bg1"/>
-                </a:solidFill>
-              </a:rPr>
-              <a:t>	Команда </a:t>
-            </a:r>
-            <a:r>
-              <a:rPr lang="en-US" dirty="0" smtClean="0">
-                <a:solidFill>
-                  <a:schemeClr val="bg1"/>
-                </a:solidFill>
-              </a:rPr>
-              <a:t>send </a:t>
-            </a:r>
-            <a:r>
-              <a:rPr lang="ru-RU" dirty="0" smtClean="0">
-                <a:solidFill>
-                  <a:schemeClr val="bg1"/>
-                </a:solidFill>
-              </a:rPr>
-              <a:t>на сервере отправляет два сообщения пользователю, каждое из которых обращается к стеку, который содержит в себе два нуля. Именно из-за этих нулей клиент понимает, что его пароль неверный и завершает свою работу.</a:t>
-            </a:r>
-          </a:p>
-          <a:p>
-            <a:r>
-              <a:rPr lang="ru-RU" dirty="0" smtClean="0">
-                <a:solidFill>
-                  <a:schemeClr val="bg1"/>
-                </a:solidFill>
-              </a:rPr>
-              <a:t>	Что ж, найдем тот момент, когда сервер пишет, что пароль не правильный и посмотрим, по какому переходу это случается.</a:t>
-            </a:r>
-          </a:p>
-          <a:p>
-            <a:endParaRPr lang="ru-RU" dirty="0" smtClean="0">
-              <a:solidFill>
-                <a:schemeClr val="bg1"/>
-              </a:solidFill>
-            </a:endParaRPr>
-          </a:p>
-          <a:p>
-            <a:r>
-              <a:rPr lang="ru-RU" dirty="0" smtClean="0">
-                <a:solidFill>
-                  <a:schemeClr val="bg1"/>
-                </a:solidFill>
-              </a:rPr>
-              <a:t>	</a:t>
-            </a:r>
-            <a:endParaRPr lang="ru-RU" dirty="0">
-              <a:solidFill>
-                <a:schemeClr val="bg1"/>
-              </a:solidFill>
-            </a:endParaRPr>
-          </a:p>
-        </p:txBody>
-      </p:sp>
-      <p:pic>
-        <p:nvPicPr>
-          <p:cNvPr id="6" name="Рисунок 5"/>
-          <p:cNvPicPr/>
-          <p:nvPr/>
-        </p:nvPicPr>
-        <p:blipFill>
-          <a:blip r:embed="rId2" cstate="print"/>
-          <a:srcRect/>
-          <a:stretch>
-            <a:fillRect/>
-          </a:stretch>
-        </p:blipFill>
-        <p:spPr bwMode="auto">
-          <a:xfrm>
-            <a:off x="7182514" y="779101"/>
-            <a:ext cx="4130517" cy="2211749"/>
-          </a:xfrm>
-          <a:prstGeom prst="rect">
-            <a:avLst/>
-          </a:prstGeom>
-          <a:noFill/>
-          <a:ln w="28575">
-            <a:solidFill>
-              <a:schemeClr val="bg1"/>
-            </a:solidFill>
-            <a:miter lim="800000"/>
-            <a:headEnd/>
-            <a:tailEnd/>
-          </a:ln>
-        </p:spPr>
-      </p:pic>
-      <p:pic>
-        <p:nvPicPr>
-          <p:cNvPr id="8" name="Рисунок 7"/>
-          <p:cNvPicPr/>
-          <p:nvPr/>
-        </p:nvPicPr>
-        <p:blipFill>
-          <a:blip r:embed="rId3" cstate="print"/>
-          <a:srcRect/>
-          <a:stretch>
-            <a:fillRect/>
-          </a:stretch>
-        </p:blipFill>
-        <p:spPr bwMode="auto">
-          <a:xfrm>
-            <a:off x="7200900" y="3391108"/>
-            <a:ext cx="4033607" cy="2522117"/>
-          </a:xfrm>
-          <a:prstGeom prst="rect">
-            <a:avLst/>
-          </a:prstGeom>
-          <a:noFill/>
-          <a:ln w="28575">
-            <a:solidFill>
-              <a:schemeClr val="bg1"/>
-            </a:solidFill>
-            <a:miter lim="800000"/>
-            <a:headEnd/>
-            <a:tailEnd/>
-          </a:ln>
-        </p:spPr>
-      </p:pic>
-      <p:pic>
-        <p:nvPicPr>
-          <p:cNvPr id="9" name="Рисунок 8"/>
-          <p:cNvPicPr/>
-          <p:nvPr/>
-        </p:nvPicPr>
-        <p:blipFill>
-          <a:blip r:embed="rId4" cstate="print"/>
-          <a:srcRect/>
-          <a:stretch>
-            <a:fillRect/>
-          </a:stretch>
-        </p:blipFill>
-        <p:spPr bwMode="auto">
-          <a:xfrm>
-            <a:off x="838200" y="3879214"/>
-            <a:ext cx="4667250" cy="928133"/>
-          </a:xfrm>
-          <a:prstGeom prst="rect">
-            <a:avLst/>
-          </a:prstGeom>
-          <a:noFill/>
-          <a:ln w="28575">
-            <a:solidFill>
-              <a:schemeClr val="bg1"/>
-            </a:solidFill>
-            <a:miter lim="800000"/>
-            <a:headEnd/>
-            <a:tailEnd/>
-          </a:ln>
-        </p:spPr>
-      </p:pic>
-      <p:pic>
-        <p:nvPicPr>
-          <p:cNvPr id="10" name="Рисунок 9"/>
-          <p:cNvPicPr/>
-          <p:nvPr/>
-        </p:nvPicPr>
-        <p:blipFill>
-          <a:blip r:embed="rId5" cstate="print"/>
-          <a:srcRect/>
-          <a:stretch>
-            <a:fillRect/>
-          </a:stretch>
-        </p:blipFill>
-        <p:spPr bwMode="auto">
-          <a:xfrm>
-            <a:off x="495300" y="5034775"/>
-            <a:ext cx="5137252" cy="1004075"/>
-          </a:xfrm>
-          <a:prstGeom prst="rect">
-            <a:avLst/>
-          </a:prstGeom>
-          <a:noFill/>
-          <a:ln w="28575">
-            <a:solidFill>
-              <a:schemeClr val="bg1"/>
-            </a:solidFill>
-            <a:miter lim="800000"/>
-            <a:headEnd/>
-            <a:tailEnd/>
-          </a:ln>
-        </p:spPr>
-      </p:pic>
-      <p:sp>
-        <p:nvSpPr>
-          <p:cNvPr id="13" name="Прямоугольник 12"/>
-          <p:cNvSpPr/>
-          <p:nvPr/>
-        </p:nvSpPr>
-        <p:spPr>
-          <a:xfrm>
-            <a:off x="0" y="6057901"/>
-            <a:ext cx="11029950" cy="646331"/>
-          </a:xfrm>
-          <a:prstGeom prst="rect">
-            <a:avLst/>
-          </a:prstGeom>
-        </p:spPr>
-        <p:txBody>
-          <a:bodyPr wrap="square">
-            <a:spAutoFit/>
-          </a:bodyPr>
-          <a:lstStyle/>
-          <a:p>
-            <a:r>
-              <a:rPr lang="ru-RU" dirty="0" smtClean="0">
-                <a:solidFill>
-                  <a:schemeClr val="bg1"/>
-                </a:solidFill>
-              </a:rPr>
-              <a:t>После этого прыжка есть ещё один, который не выполняется, скорее всего эта ветка ведет к тому, чтобы разрешить доступ пользователю на сервер.</a:t>
-            </a:r>
-            <a:endParaRPr lang="ru-RU" dirty="0">
-              <a:solidFill>
-                <a:schemeClr val="bg1"/>
-              </a:solidFill>
-            </a:endParaRPr>
+          <p:cNvPr id="2" name="Заголовок 1"/>
+          <p:cNvSpPr>
+            <a:spLocks noGrp="1"/>
+          </p:cNvSpPr>
+          <p:nvPr>
+            <p:ph type="ctrTitle"/>
+          </p:nvPr>
+        </p:nvSpPr>
+        <p:spPr/>
+        <p:txBody>
+          <a:bodyPr/>
+          <a:lstStyle/>
+          <a:p>
+            <a:endParaRPr lang="ru-RU"/>
+          </a:p>
+        </p:txBody>
+      </p:sp>
+      <p:sp>
+        <p:nvSpPr>
+          <p:cNvPr id="3" name="Подзаголовок 2"/>
+          <p:cNvSpPr>
+            <a:spLocks noGrp="1"/>
+          </p:cNvSpPr>
+          <p:nvPr>
+            <p:ph type="subTitle" idx="1"/>
+          </p:nvPr>
+        </p:nvSpPr>
+        <p:spPr/>
+        <p:txBody>
+          <a:bodyPr/>
+          <a:lstStyle/>
+          <a:p>
+            <a:endParaRPr lang="ru-RU"/>
           </a:p>
         </p:txBody>
       </p:sp>
     </p:spTree>
-    <p:extLst>
-      <p:ext uri="{BB962C8B-B14F-4D97-AF65-F5344CB8AC3E}">
-        <p14:creationId xmlns:p14="http://schemas.microsoft.com/office/powerpoint/2010/main" xmlns="" val="1531337978"/>
-      </p:ext>
-    </p:extLst>
   </p:cSld>
   <p:clrMapOvr>
     <a:masterClrMapping/>
@@ -4571,637 +4484,39 @@
       </p:grpSpPr>
       <p:sp>
         <p:nvSpPr>
-          <p:cNvPr id="14" name="TextBox 13"/>
-          <p:cNvSpPr txBox="1"/>
-          <p:nvPr/>
-        </p:nvSpPr>
-        <p:spPr>
-          <a:xfrm>
-            <a:off x="0" y="588433"/>
-            <a:ext cx="8438336" cy="369332"/>
-          </a:xfrm>
-          <a:prstGeom prst="rect">
-            <a:avLst/>
-          </a:prstGeom>
-          <a:noFill/>
-        </p:spPr>
-        <p:txBody>
-          <a:bodyPr wrap="none" rtlCol="0">
-            <a:spAutoFit/>
-          </a:bodyPr>
-          <a:lstStyle/>
-          <a:p>
-            <a:r>
-              <a:rPr lang="ru-RU" dirty="0" smtClean="0">
-                <a:solidFill>
-                  <a:schemeClr val="bg1"/>
-                </a:solidFill>
-              </a:rPr>
-              <a:t>Попробуем отправить клиенту не 0, как в стеке, а что-то другое, например единицу. </a:t>
-            </a:r>
-            <a:endParaRPr lang="ru-RU" dirty="0">
-              <a:solidFill>
-                <a:schemeClr val="bg1"/>
-              </a:solidFill>
-            </a:endParaRPr>
-          </a:p>
-        </p:txBody>
-      </p:sp>
-      <p:pic>
-        <p:nvPicPr>
-          <p:cNvPr id="17" name="Рисунок 16"/>
-          <p:cNvPicPr/>
-          <p:nvPr/>
-        </p:nvPicPr>
-        <p:blipFill>
-          <a:blip r:embed="rId2" cstate="print"/>
-          <a:srcRect/>
-          <a:stretch>
-            <a:fillRect/>
-          </a:stretch>
-        </p:blipFill>
-        <p:spPr bwMode="auto">
-          <a:xfrm>
-            <a:off x="254362" y="1050165"/>
-            <a:ext cx="5060588" cy="2069000"/>
-          </a:xfrm>
-          <a:prstGeom prst="rect">
-            <a:avLst/>
-          </a:prstGeom>
-          <a:noFill/>
-          <a:ln w="28575">
-            <a:solidFill>
-              <a:schemeClr val="bg1"/>
-            </a:solidFill>
-            <a:miter lim="800000"/>
-            <a:headEnd/>
-            <a:tailEnd/>
-          </a:ln>
-        </p:spPr>
-      </p:pic>
-      <p:sp>
-        <p:nvSpPr>
-          <p:cNvPr id="18" name="Прямоугольник 17"/>
-          <p:cNvSpPr/>
-          <p:nvPr/>
-        </p:nvSpPr>
-        <p:spPr>
-          <a:xfrm>
-            <a:off x="5369163" y="1053584"/>
-            <a:ext cx="6479937" cy="923330"/>
-          </a:xfrm>
-          <a:prstGeom prst="rect">
-            <a:avLst/>
-          </a:prstGeom>
-        </p:spPr>
-        <p:txBody>
-          <a:bodyPr wrap="square">
-            <a:spAutoFit/>
-          </a:bodyPr>
-          <a:lstStyle/>
-          <a:p>
-            <a:r>
-              <a:rPr lang="ru-RU" dirty="0" smtClean="0">
-                <a:solidFill>
-                  <a:schemeClr val="bg1"/>
-                </a:solidFill>
-              </a:rPr>
-              <a:t>Как оговаривалось ранее ещё нужно убрать прыжок на </a:t>
-            </a:r>
-            <a:r>
-              <a:rPr lang="en-US" dirty="0" smtClean="0">
-                <a:solidFill>
-                  <a:schemeClr val="bg1"/>
-                </a:solidFill>
-              </a:rPr>
-              <a:t>Error Password</a:t>
-            </a:r>
-            <a:r>
-              <a:rPr lang="ru-RU" dirty="0" smtClean="0">
-                <a:solidFill>
-                  <a:schemeClr val="bg1"/>
-                </a:solidFill>
-              </a:rPr>
-              <a:t> и заменить следующий </a:t>
-            </a:r>
-            <a:r>
-              <a:rPr lang="en-US" dirty="0" smtClean="0">
-                <a:solidFill>
-                  <a:schemeClr val="bg1"/>
-                </a:solidFill>
-              </a:rPr>
-              <a:t>JNZ</a:t>
-            </a:r>
-            <a:r>
-              <a:rPr lang="ru-RU" dirty="0" smtClean="0">
-                <a:solidFill>
-                  <a:schemeClr val="bg1"/>
-                </a:solidFill>
-              </a:rPr>
-              <a:t> на </a:t>
-            </a:r>
-            <a:r>
-              <a:rPr lang="en-US" dirty="0" smtClean="0">
-                <a:solidFill>
-                  <a:schemeClr val="bg1"/>
-                </a:solidFill>
-              </a:rPr>
-              <a:t>JE, </a:t>
-            </a:r>
-            <a:r>
-              <a:rPr lang="ru-RU" dirty="0" smtClean="0">
-                <a:solidFill>
-                  <a:schemeClr val="bg1"/>
-                </a:solidFill>
-              </a:rPr>
-              <a:t>чтобы прыжок точно произошел.</a:t>
-            </a:r>
-            <a:endParaRPr lang="ru-RU" dirty="0">
-              <a:solidFill>
-                <a:schemeClr val="bg1"/>
-              </a:solidFill>
-            </a:endParaRPr>
-          </a:p>
-        </p:txBody>
-      </p:sp>
-      <p:pic>
-        <p:nvPicPr>
-          <p:cNvPr id="20" name="Рисунок 19"/>
-          <p:cNvPicPr/>
-          <p:nvPr/>
-        </p:nvPicPr>
-        <p:blipFill>
-          <a:blip r:embed="rId3" cstate="print"/>
-          <a:srcRect/>
-          <a:stretch>
-            <a:fillRect/>
-          </a:stretch>
-        </p:blipFill>
-        <p:spPr bwMode="auto">
-          <a:xfrm>
-            <a:off x="5561572" y="2160336"/>
-            <a:ext cx="5586713" cy="1535364"/>
-          </a:xfrm>
-          <a:prstGeom prst="rect">
-            <a:avLst/>
-          </a:prstGeom>
-          <a:noFill/>
-          <a:ln w="28575">
-            <a:solidFill>
-              <a:schemeClr val="bg1"/>
-            </a:solidFill>
-            <a:miter lim="800000"/>
-            <a:headEnd/>
-            <a:tailEnd/>
-          </a:ln>
-        </p:spPr>
-      </p:pic>
-      <p:sp>
-        <p:nvSpPr>
-          <p:cNvPr id="21" name="Прямоугольник 20"/>
-          <p:cNvSpPr/>
-          <p:nvPr/>
-        </p:nvSpPr>
-        <p:spPr>
-          <a:xfrm>
-            <a:off x="0" y="3282434"/>
-            <a:ext cx="5486400" cy="646331"/>
-          </a:xfrm>
-          <a:prstGeom prst="rect">
-            <a:avLst/>
-          </a:prstGeom>
-        </p:spPr>
-        <p:txBody>
-          <a:bodyPr wrap="square">
-            <a:spAutoFit/>
-          </a:bodyPr>
-          <a:lstStyle/>
-          <a:p>
-            <a:r>
-              <a:rPr lang="ru-RU" dirty="0" smtClean="0">
-                <a:solidFill>
-                  <a:schemeClr val="bg1"/>
-                </a:solidFill>
-              </a:rPr>
-              <a:t>При попытке подключиться к серверу, пользователь, вводя любой пароль, уже не отключается, а уходит в</a:t>
-            </a:r>
-            <a:endParaRPr lang="ru-RU" dirty="0">
-              <a:solidFill>
-                <a:schemeClr val="bg1"/>
-              </a:solidFill>
-            </a:endParaRPr>
-          </a:p>
-        </p:txBody>
-      </p:sp>
-      <p:sp>
-        <p:nvSpPr>
-          <p:cNvPr id="22" name="Прямоугольник 21"/>
-          <p:cNvSpPr/>
-          <p:nvPr/>
-        </p:nvSpPr>
-        <p:spPr>
-          <a:xfrm>
-            <a:off x="0" y="3886885"/>
-            <a:ext cx="11372850" cy="923330"/>
-          </a:xfrm>
-          <a:prstGeom prst="rect">
-            <a:avLst/>
-          </a:prstGeom>
-        </p:spPr>
-        <p:txBody>
-          <a:bodyPr wrap="square">
-            <a:spAutoFit/>
-          </a:bodyPr>
-          <a:lstStyle/>
-          <a:p>
-            <a:r>
-              <a:rPr lang="ru-RU" dirty="0" smtClean="0">
-                <a:solidFill>
-                  <a:schemeClr val="bg1"/>
-                </a:solidFill>
-              </a:rPr>
-              <a:t>ожидание получения сообщения. А затем закрывается по истечению таймера. Всё дело в том, что сервер не отправляет нашу измененную единицу, тогда заменим её на другой стек, например на </a:t>
-            </a:r>
-            <a:r>
-              <a:rPr lang="en-US" dirty="0" smtClean="0">
-                <a:solidFill>
-                  <a:schemeClr val="bg1"/>
-                </a:solidFill>
-              </a:rPr>
-              <a:t>EBX</a:t>
-            </a:r>
-            <a:r>
-              <a:rPr lang="ru-RU" dirty="0" smtClean="0">
-                <a:solidFill>
-                  <a:schemeClr val="bg1"/>
-                </a:solidFill>
-              </a:rPr>
-              <a:t>, в котором бы не было нулей.</a:t>
-            </a:r>
-            <a:endParaRPr lang="ru-RU" dirty="0">
-              <a:solidFill>
-                <a:schemeClr val="bg1"/>
-              </a:solidFill>
-            </a:endParaRPr>
-          </a:p>
-        </p:txBody>
-      </p:sp>
-      <p:pic>
-        <p:nvPicPr>
-          <p:cNvPr id="23" name="Рисунок 22"/>
-          <p:cNvPicPr/>
-          <p:nvPr/>
-        </p:nvPicPr>
-        <p:blipFill>
-          <a:blip r:embed="rId4" cstate="print"/>
-          <a:srcRect/>
-          <a:stretch>
-            <a:fillRect/>
-          </a:stretch>
-        </p:blipFill>
-        <p:spPr bwMode="auto">
-          <a:xfrm>
-            <a:off x="2615742" y="4537031"/>
-            <a:ext cx="5392324" cy="2054269"/>
-          </a:xfrm>
-          <a:prstGeom prst="rect">
-            <a:avLst/>
-          </a:prstGeom>
-          <a:noFill/>
-          <a:ln w="28575">
-            <a:solidFill>
-              <a:schemeClr val="bg1"/>
-            </a:solidFill>
-            <a:miter lim="800000"/>
-            <a:headEnd/>
-            <a:tailEnd/>
-          </a:ln>
-        </p:spPr>
-      </p:pic>
-    </p:spTree>
-    <p:extLst>
-      <p:ext uri="{BB962C8B-B14F-4D97-AF65-F5344CB8AC3E}">
-        <p14:creationId xmlns:p14="http://schemas.microsoft.com/office/powerpoint/2010/main" xmlns="" val="4040578483"/>
-      </p:ext>
-    </p:extLst>
-  </p:cSld>
-  <p:clrMapOvr>
-    <a:masterClrMapping/>
-  </p:clrMapOvr>
-</p:sld>
-</file>
-
-<file path=ppt/slides/slide12.xml><?xml version="1.0" encoding="utf-8"?>
-<p:sld xmlns:a="http://schemas.openxmlformats.org/drawingml/2006/main" xmlns:r="http://schemas.openxmlformats.org/officeDocument/2006/relationships" xmlns:p="http://schemas.openxmlformats.org/presentationml/2006/main">
-  <p:cSld>
-    <p:spTree>
-      <p:nvGrpSpPr>
-        <p:cNvPr id="1" name=""/>
-        <p:cNvGrpSpPr/>
-        <p:nvPr/>
-      </p:nvGrpSpPr>
-      <p:grpSpPr>
-        <a:xfrm>
-          <a:off x="0" y="0"/>
-          <a:ext cx="0" cy="0"/>
-          <a:chOff x="0" y="0"/>
-          <a:chExt cx="0" cy="0"/>
-        </a:xfrm>
-      </p:grpSpPr>
-      <p:sp>
-        <p:nvSpPr>
-          <p:cNvPr id="6" name="Прямоугольник 5"/>
-          <p:cNvSpPr/>
-          <p:nvPr/>
-        </p:nvSpPr>
-        <p:spPr>
-          <a:xfrm>
-            <a:off x="-2" y="0"/>
-            <a:ext cx="7837715" cy="2308324"/>
-          </a:xfrm>
-          <a:prstGeom prst="rect">
-            <a:avLst/>
-          </a:prstGeom>
-        </p:spPr>
-        <p:txBody>
-          <a:bodyPr wrap="square">
-            <a:spAutoFit/>
-          </a:bodyPr>
-          <a:lstStyle/>
-          <a:p>
-            <a:r>
-              <a:rPr lang="ru-RU" dirty="0" smtClean="0">
-                <a:solidFill>
-                  <a:schemeClr val="bg1"/>
-                </a:solidFill>
-              </a:rPr>
-              <a:t>Если попробовать подключиться к такому серверу, то клиент сможет это сделать. И вот вроде бы всё, всё работает, но нет.</a:t>
-            </a:r>
-          </a:p>
-          <a:p>
-            <a:r>
-              <a:rPr lang="ru-RU" dirty="0" smtClean="0">
-                <a:solidFill>
-                  <a:schemeClr val="bg1"/>
-                </a:solidFill>
-              </a:rPr>
-              <a:t>	При сохранении такого сервера и повторном его запуске, он </a:t>
-            </a:r>
-            <a:r>
-              <a:rPr lang="ru-RU" dirty="0" err="1" smtClean="0">
-                <a:solidFill>
-                  <a:schemeClr val="bg1"/>
-                </a:solidFill>
-              </a:rPr>
-              <a:t>крашится</a:t>
-            </a:r>
-            <a:r>
-              <a:rPr lang="ru-RU" dirty="0" smtClean="0">
-                <a:solidFill>
-                  <a:schemeClr val="bg1"/>
-                </a:solidFill>
-              </a:rPr>
-              <a:t>, не давая пользователю подключиться. </a:t>
-            </a:r>
-          </a:p>
-          <a:p>
-            <a:r>
-              <a:rPr lang="ru-RU" dirty="0" smtClean="0">
-                <a:solidFill>
-                  <a:schemeClr val="bg1"/>
-                </a:solidFill>
-              </a:rPr>
-              <a:t>Всё дело в том стеке, который скорее всего работает не так, как хотелось бы.</a:t>
-            </a:r>
-          </a:p>
-          <a:p>
-            <a:r>
-              <a:rPr lang="ru-RU" dirty="0" smtClean="0">
-                <a:solidFill>
-                  <a:schemeClr val="bg1"/>
-                </a:solidFill>
-              </a:rPr>
-              <a:t>	Заменим стек</a:t>
-            </a:r>
-            <a:r>
-              <a:rPr lang="en-US" dirty="0" smtClean="0">
-                <a:solidFill>
-                  <a:schemeClr val="bg1"/>
-                </a:solidFill>
-              </a:rPr>
-              <a:t> EBX</a:t>
-            </a:r>
-            <a:r>
-              <a:rPr lang="ru-RU" dirty="0" smtClean="0">
-                <a:solidFill>
-                  <a:schemeClr val="bg1"/>
-                </a:solidFill>
-              </a:rPr>
-              <a:t> снова на </a:t>
-            </a:r>
-            <a:r>
-              <a:rPr lang="en-US" dirty="0" smtClean="0">
-                <a:solidFill>
-                  <a:schemeClr val="bg1"/>
-                </a:solidFill>
-              </a:rPr>
-              <a:t>EAX, </a:t>
-            </a:r>
-            <a:r>
-              <a:rPr lang="ru-RU" dirty="0" smtClean="0">
-                <a:solidFill>
-                  <a:schemeClr val="bg1"/>
-                </a:solidFill>
-              </a:rPr>
-              <a:t>но изменим строчку, где идет функция </a:t>
-            </a:r>
-            <a:r>
-              <a:rPr lang="en-US" dirty="0" smtClean="0">
-                <a:solidFill>
-                  <a:schemeClr val="bg1"/>
-                </a:solidFill>
-              </a:rPr>
-              <a:t>LEA, </a:t>
-            </a:r>
-            <a:r>
-              <a:rPr lang="ru-RU" dirty="0" smtClean="0">
-                <a:solidFill>
-                  <a:schemeClr val="bg1"/>
-                </a:solidFill>
-              </a:rPr>
-              <a:t>просто уберем вычитание, итоговый результат должен поменяться.</a:t>
-            </a:r>
-            <a:endParaRPr lang="ru-RU" dirty="0">
-              <a:solidFill>
-                <a:schemeClr val="bg1"/>
-              </a:solidFill>
-            </a:endParaRPr>
-          </a:p>
-        </p:txBody>
-      </p:sp>
-      <p:pic>
-        <p:nvPicPr>
-          <p:cNvPr id="7" name="Рисунок 6"/>
-          <p:cNvPicPr/>
-          <p:nvPr/>
-        </p:nvPicPr>
-        <p:blipFill>
-          <a:blip r:embed="rId2" cstate="print"/>
-          <a:srcRect/>
-          <a:stretch>
-            <a:fillRect/>
-          </a:stretch>
-        </p:blipFill>
-        <p:spPr bwMode="auto">
-          <a:xfrm>
-            <a:off x="7694790" y="0"/>
-            <a:ext cx="4497210" cy="3069771"/>
-          </a:xfrm>
-          <a:prstGeom prst="rect">
-            <a:avLst/>
-          </a:prstGeom>
-          <a:noFill/>
-          <a:ln w="28575">
-            <a:solidFill>
-              <a:schemeClr val="bg1"/>
-            </a:solidFill>
-            <a:miter lim="800000"/>
-            <a:headEnd/>
-            <a:tailEnd/>
-          </a:ln>
-        </p:spPr>
-      </p:pic>
-      <p:pic>
-        <p:nvPicPr>
-          <p:cNvPr id="8" name="Рисунок 7"/>
-          <p:cNvPicPr/>
-          <p:nvPr/>
-        </p:nvPicPr>
-        <p:blipFill>
-          <a:blip r:embed="rId3" cstate="print"/>
-          <a:srcRect/>
-          <a:stretch>
-            <a:fillRect/>
-          </a:stretch>
-        </p:blipFill>
-        <p:spPr bwMode="auto">
-          <a:xfrm>
-            <a:off x="326572" y="2373327"/>
-            <a:ext cx="4688129" cy="2612329"/>
-          </a:xfrm>
-          <a:prstGeom prst="rect">
-            <a:avLst/>
-          </a:prstGeom>
-          <a:noFill/>
-          <a:ln w="28575">
-            <a:solidFill>
-              <a:schemeClr val="bg1"/>
-            </a:solidFill>
-            <a:miter lim="800000"/>
-            <a:headEnd/>
-            <a:tailEnd/>
-          </a:ln>
-        </p:spPr>
-      </p:pic>
-      <p:sp>
-        <p:nvSpPr>
-          <p:cNvPr id="9" name="Прямоугольник 8"/>
-          <p:cNvSpPr/>
-          <p:nvPr/>
-        </p:nvSpPr>
-        <p:spPr>
-          <a:xfrm>
-            <a:off x="5429250" y="3342305"/>
-            <a:ext cx="6762750" cy="923330"/>
-          </a:xfrm>
-          <a:prstGeom prst="rect">
-            <a:avLst/>
-          </a:prstGeom>
-        </p:spPr>
-        <p:txBody>
-          <a:bodyPr wrap="square">
-            <a:spAutoFit/>
-          </a:bodyPr>
-          <a:lstStyle/>
-          <a:p>
-            <a:r>
-              <a:rPr lang="ru-RU" dirty="0" smtClean="0">
-                <a:solidFill>
-                  <a:schemeClr val="bg1"/>
-                </a:solidFill>
-              </a:rPr>
-              <a:t>Сохранив сервер и запустив его ошибка, случившаяся в тот раз исчезла. Подключение к серверу возможно при вводе любого пароля.</a:t>
-            </a:r>
-            <a:endParaRPr lang="ru-RU" dirty="0">
-              <a:solidFill>
-                <a:schemeClr val="bg1"/>
-              </a:solidFill>
-            </a:endParaRPr>
-          </a:p>
-        </p:txBody>
-      </p:sp>
-      <p:pic>
-        <p:nvPicPr>
-          <p:cNvPr id="10" name="Рисунок 9"/>
-          <p:cNvPicPr/>
-          <p:nvPr/>
-        </p:nvPicPr>
-        <p:blipFill>
-          <a:blip r:embed="rId4" cstate="print"/>
-          <a:srcRect/>
-          <a:stretch>
-            <a:fillRect/>
-          </a:stretch>
-        </p:blipFill>
-        <p:spPr bwMode="auto">
-          <a:xfrm>
-            <a:off x="6841660" y="4192524"/>
-            <a:ext cx="5350340" cy="2665476"/>
-          </a:xfrm>
-          <a:prstGeom prst="rect">
-            <a:avLst/>
-          </a:prstGeom>
-          <a:noFill/>
-          <a:ln w="28575">
-            <a:solidFill>
-              <a:schemeClr val="bg1"/>
-            </a:solidFill>
-            <a:miter lim="800000"/>
-            <a:headEnd/>
-            <a:tailEnd/>
-          </a:ln>
-        </p:spPr>
-      </p:pic>
-      <p:sp>
-        <p:nvSpPr>
-          <p:cNvPr id="11" name="Прямоугольник 10"/>
-          <p:cNvSpPr/>
-          <p:nvPr/>
-        </p:nvSpPr>
-        <p:spPr>
-          <a:xfrm>
-            <a:off x="1371600" y="5720081"/>
-            <a:ext cx="6096000" cy="461665"/>
-          </a:xfrm>
-          <a:prstGeom prst="rect">
-            <a:avLst/>
-          </a:prstGeom>
-        </p:spPr>
-        <p:txBody>
-          <a:bodyPr>
-            <a:spAutoFit/>
-          </a:bodyPr>
-          <a:lstStyle/>
-          <a:p>
-            <a:r>
-              <a:rPr lang="ru-RU" sz="2400" dirty="0" smtClean="0">
-                <a:solidFill>
-                  <a:schemeClr val="bg1"/>
-                </a:solidFill>
-              </a:rPr>
-              <a:t>Спасибо за внимание!</a:t>
-            </a:r>
-            <a:endParaRPr lang="ru-RU" sz="2400" dirty="0"/>
+          <p:cNvPr id="2" name="Заголовок 1"/>
+          <p:cNvSpPr>
+            <a:spLocks noGrp="1"/>
+          </p:cNvSpPr>
+          <p:nvPr>
+            <p:ph type="ctrTitle"/>
+          </p:nvPr>
+        </p:nvSpPr>
+        <p:spPr/>
+        <p:txBody>
+          <a:bodyPr/>
+          <a:lstStyle/>
+          <a:p>
+            <a:endParaRPr lang="ru-RU"/>
+          </a:p>
+        </p:txBody>
+      </p:sp>
+      <p:sp>
+        <p:nvSpPr>
+          <p:cNvPr id="3" name="Подзаголовок 2"/>
+          <p:cNvSpPr>
+            <a:spLocks noGrp="1"/>
+          </p:cNvSpPr>
+          <p:nvPr>
+            <p:ph type="subTitle" idx="1"/>
+          </p:nvPr>
+        </p:nvSpPr>
+        <p:spPr/>
+        <p:txBody>
+          <a:bodyPr/>
+          <a:lstStyle/>
+          <a:p>
+            <a:endParaRPr lang="ru-RU"/>
           </a:p>
         </p:txBody>
       </p:sp>
@@ -5237,13 +4552,172 @@
             <a:spLocks noGrp="1"/>
           </p:cNvSpPr>
           <p:nvPr>
-            <p:ph type="title"/>
+            <p:ph type="ctrTitle"/>
+          </p:nvPr>
+        </p:nvSpPr>
+        <p:spPr>
+          <a:xfrm>
+            <a:off x="572084" y="1457864"/>
+            <a:ext cx="11619915" cy="5400136"/>
+          </a:xfrm>
+        </p:spPr>
+        <p:txBody>
+          <a:bodyPr>
+            <a:normAutofit/>
+          </a:bodyPr>
+          <a:lstStyle/>
+          <a:p>
+            <a:pPr algn="l"/>
+            <a:r>
+              <a:rPr lang="ru-RU" sz="3100" dirty="0" smtClean="0">
+                <a:solidFill>
+                  <a:schemeClr val="tx1">
+                    <a:lumMod val="50000"/>
+                  </a:schemeClr>
+                </a:solidFill>
+                <a:effectLst/>
+                <a:latin typeface="Times New Roman" panose="02020603050405020304" pitchFamily="18" charset="0"/>
+                <a:cs typeface="Times New Roman" panose="02020603050405020304" pitchFamily="18" charset="0"/>
+              </a:rPr>
+              <a:t>1. Требования к разработке</a:t>
+            </a:r>
+            <a:br>
+              <a:rPr lang="ru-RU" sz="3100" dirty="0" smtClean="0">
+                <a:solidFill>
+                  <a:schemeClr val="tx1">
+                    <a:lumMod val="50000"/>
+                  </a:schemeClr>
+                </a:solidFill>
+                <a:effectLst/>
+                <a:latin typeface="Times New Roman" panose="02020603050405020304" pitchFamily="18" charset="0"/>
+                <a:cs typeface="Times New Roman" panose="02020603050405020304" pitchFamily="18" charset="0"/>
+              </a:rPr>
+            </a:br>
+            <a:r>
+              <a:rPr lang="ru-RU" sz="3100" dirty="0" smtClean="0">
+                <a:solidFill>
+                  <a:schemeClr val="tx1">
+                    <a:lumMod val="50000"/>
+                  </a:schemeClr>
+                </a:solidFill>
+                <a:effectLst/>
+                <a:latin typeface="Times New Roman" panose="02020603050405020304" pitchFamily="18" charset="0"/>
+                <a:cs typeface="Times New Roman" panose="02020603050405020304" pitchFamily="18" charset="0"/>
+              </a:rPr>
+              <a:t>2. Лексический анализатор</a:t>
+            </a:r>
+            <a:br>
+              <a:rPr lang="ru-RU" sz="3100" dirty="0" smtClean="0">
+                <a:solidFill>
+                  <a:schemeClr val="tx1">
+                    <a:lumMod val="50000"/>
+                  </a:schemeClr>
+                </a:solidFill>
+                <a:effectLst/>
+                <a:latin typeface="Times New Roman" panose="02020603050405020304" pitchFamily="18" charset="0"/>
+                <a:cs typeface="Times New Roman" panose="02020603050405020304" pitchFamily="18" charset="0"/>
+              </a:rPr>
+            </a:br>
+            <a:r>
+              <a:rPr lang="ru-RU" sz="3100" dirty="0" smtClean="0">
+                <a:solidFill>
+                  <a:schemeClr val="tx1">
+                    <a:lumMod val="50000"/>
+                  </a:schemeClr>
+                </a:solidFill>
+                <a:effectLst/>
+                <a:latin typeface="Times New Roman" panose="02020603050405020304" pitchFamily="18" charset="0"/>
+                <a:cs typeface="Times New Roman" panose="02020603050405020304" pitchFamily="18" charset="0"/>
+              </a:rPr>
+              <a:t>3. Синтаксический анализатор</a:t>
+            </a:r>
+            <a:br>
+              <a:rPr lang="ru-RU" sz="3100" dirty="0" smtClean="0">
+                <a:solidFill>
+                  <a:schemeClr val="tx1">
+                    <a:lumMod val="50000"/>
+                  </a:schemeClr>
+                </a:solidFill>
+                <a:effectLst/>
+                <a:latin typeface="Times New Roman" panose="02020603050405020304" pitchFamily="18" charset="0"/>
+                <a:cs typeface="Times New Roman" panose="02020603050405020304" pitchFamily="18" charset="0"/>
+              </a:rPr>
+            </a:br>
+            <a:r>
+              <a:rPr lang="ru-RU" sz="3100" dirty="0" smtClean="0">
+                <a:solidFill>
+                  <a:schemeClr val="tx1">
+                    <a:lumMod val="50000"/>
+                  </a:schemeClr>
+                </a:solidFill>
+                <a:effectLst/>
+                <a:latin typeface="Times New Roman" panose="02020603050405020304" pitchFamily="18" charset="0"/>
+                <a:cs typeface="Times New Roman" panose="02020603050405020304" pitchFamily="18" charset="0"/>
+              </a:rPr>
+              <a:t>4. Генерация объектного кода</a:t>
+            </a:r>
+            <a:br>
+              <a:rPr lang="ru-RU" sz="3100" dirty="0" smtClean="0">
+                <a:solidFill>
+                  <a:schemeClr val="tx1">
+                    <a:lumMod val="50000"/>
+                  </a:schemeClr>
+                </a:solidFill>
+                <a:effectLst/>
+                <a:latin typeface="Times New Roman" panose="02020603050405020304" pitchFamily="18" charset="0"/>
+                <a:cs typeface="Times New Roman" panose="02020603050405020304" pitchFamily="18" charset="0"/>
+              </a:rPr>
+            </a:br>
+            <a:r>
+              <a:rPr lang="ru-RU" sz="3100" dirty="0" smtClean="0">
+                <a:solidFill>
+                  <a:schemeClr val="tx1">
+                    <a:lumMod val="50000"/>
+                  </a:schemeClr>
+                </a:solidFill>
+                <a:effectLst/>
+                <a:latin typeface="Times New Roman" panose="02020603050405020304" pitchFamily="18" charset="0"/>
+                <a:cs typeface="Times New Roman" panose="02020603050405020304" pitchFamily="18" charset="0"/>
+              </a:rPr>
+              <a:t>5. Тестирование на соответствие требованиям</a:t>
+            </a:r>
+            <a:r>
+              <a:rPr lang="ru-RU" dirty="0" smtClean="0">
+                <a:solidFill>
+                  <a:schemeClr val="tx1"/>
+                </a:solidFill>
+                <a:latin typeface="Times New Roman" panose="02020603050405020304" pitchFamily="18" charset="0"/>
+                <a:cs typeface="Times New Roman" panose="02020603050405020304" pitchFamily="18" charset="0"/>
+              </a:rPr>
+              <a:t/>
+            </a:r>
+            <a:br>
+              <a:rPr lang="ru-RU" dirty="0" smtClean="0">
+                <a:solidFill>
+                  <a:schemeClr val="tx1"/>
+                </a:solidFill>
+                <a:latin typeface="Times New Roman" panose="02020603050405020304" pitchFamily="18" charset="0"/>
+                <a:cs typeface="Times New Roman" panose="02020603050405020304" pitchFamily="18" charset="0"/>
+              </a:rPr>
+            </a:br>
+            <a:endParaRPr lang="ru-RU" dirty="0"/>
+          </a:p>
+        </p:txBody>
+      </p:sp>
+      <p:sp>
+        <p:nvSpPr>
+          <p:cNvPr id="3" name="Подзаголовок 2"/>
+          <p:cNvSpPr>
+            <a:spLocks noGrp="1"/>
+          </p:cNvSpPr>
+          <p:nvPr>
+            <p:ph type="subTitle" idx="1"/>
           </p:nvPr>
         </p:nvSpPr>
         <p:spPr>
           <a:xfrm>
             <a:off x="0" y="0"/>
-            <a:ext cx="10515600" cy="1088571"/>
+            <a:ext cx="12192000" cy="1380226"/>
           </a:xfrm>
         </p:spPr>
         <p:txBody>
@@ -5252,15 +4726,18 @@
           </a:bodyPr>
           <a:lstStyle/>
           <a:p>
-            <a:r>
-              <a:rPr lang="ru-RU" sz="4800" dirty="0" smtClean="0">
-                <a:solidFill>
-                  <a:schemeClr val="bg1"/>
-                </a:solidFill>
-              </a:rPr>
-              <a:t>Общие сведения</a:t>
-            </a:r>
-            <a:endParaRPr lang="ru-RU" sz="4800" dirty="0">
+            <a:pPr algn="ctr"/>
+            <a:r>
+              <a:rPr lang="ru-RU" sz="5400" dirty="0" smtClean="0">
+                <a:solidFill>
+                  <a:schemeClr val="bg1"/>
+                </a:solidFill>
+                <a:latin typeface="Times New Roman" panose="02020603050405020304" pitchFamily="18" charset="0"/>
+                <a:cs typeface="Times New Roman" panose="02020603050405020304" pitchFamily="18" charset="0"/>
+              </a:rPr>
+              <a:t>План</a:t>
+            </a:r>
+            <a:endParaRPr lang="ru-RU" sz="5400" dirty="0">
               <a:solidFill>
                 <a:schemeClr val="bg1"/>
               </a:solidFill>
@@ -5268,423 +4745,11 @@
           </a:p>
         </p:txBody>
       </p:sp>
-      <p:sp>
-        <p:nvSpPr>
-          <p:cNvPr id="3" name="Объект 2"/>
-          <p:cNvSpPr>
-            <a:spLocks noGrp="1"/>
-          </p:cNvSpPr>
-          <p:nvPr>
-            <p:ph idx="1"/>
-          </p:nvPr>
-        </p:nvSpPr>
-        <p:spPr>
-          <a:xfrm>
-            <a:off x="320040" y="1337945"/>
-            <a:ext cx="5166360" cy="5135426"/>
-          </a:xfrm>
-        </p:spPr>
-        <p:txBody>
-          <a:bodyPr>
-            <a:normAutofit/>
-          </a:bodyPr>
-          <a:lstStyle/>
-          <a:p>
-            <a:pPr>
-              <a:buNone/>
-            </a:pPr>
-            <a:r>
-              <a:rPr lang="en-US" sz="1800" dirty="0" smtClean="0"/>
-              <a:t>-</a:t>
-            </a:r>
-            <a:r>
-              <a:rPr lang="ru-RU" sz="1800" dirty="0" smtClean="0">
-                <a:solidFill>
-                  <a:schemeClr val="bg1"/>
-                </a:solidFill>
-              </a:rPr>
-              <a:t>Программа</a:t>
-            </a:r>
-            <a:r>
-              <a:rPr lang="en-US" sz="1800" dirty="0" smtClean="0">
-                <a:solidFill>
-                  <a:schemeClr val="bg1"/>
-                </a:solidFill>
-              </a:rPr>
-              <a:t> </a:t>
-            </a:r>
-            <a:r>
-              <a:rPr lang="en-US" sz="1800" dirty="0" smtClean="0">
-                <a:solidFill>
-                  <a:schemeClr val="bg1"/>
-                </a:solidFill>
-                <a:latin typeface="Times New Roman" pitchFamily="18" charset="0"/>
-                <a:cs typeface="Times New Roman" pitchFamily="18" charset="0"/>
-              </a:rPr>
-              <a:t>TAHC-CHAT</a:t>
-            </a:r>
-            <a:r>
-              <a:rPr lang="en-US" sz="1800" dirty="0" smtClean="0">
-                <a:solidFill>
-                  <a:schemeClr val="bg1"/>
-                </a:solidFill>
-              </a:rPr>
-              <a:t> </a:t>
-            </a:r>
-            <a:r>
-              <a:rPr lang="ru-RU" sz="1800" dirty="0" smtClean="0">
-                <a:solidFill>
-                  <a:schemeClr val="bg1"/>
-                </a:solidFill>
-              </a:rPr>
-              <a:t>предназначена для</a:t>
-            </a:r>
-            <a:endParaRPr lang="en-US" sz="1800" dirty="0" smtClean="0">
-              <a:solidFill>
-                <a:schemeClr val="bg1"/>
-              </a:solidFill>
-            </a:endParaRPr>
-          </a:p>
-          <a:p>
-            <a:pPr>
-              <a:buNone/>
-            </a:pPr>
-            <a:r>
-              <a:rPr lang="ru-RU" sz="1800" dirty="0" smtClean="0">
-                <a:solidFill>
-                  <a:schemeClr val="bg1"/>
-                </a:solidFill>
-              </a:rPr>
-              <a:t>обмена сообщениями между пользователями.</a:t>
-            </a:r>
-            <a:endParaRPr lang="en-US" sz="1800" dirty="0" smtClean="0">
-              <a:solidFill>
-                <a:schemeClr val="bg1"/>
-              </a:solidFill>
-            </a:endParaRPr>
-          </a:p>
-          <a:p>
-            <a:pPr>
-              <a:buNone/>
-            </a:pPr>
-            <a:endParaRPr lang="ru-RU" sz="1800" dirty="0" smtClean="0">
-              <a:solidFill>
-                <a:schemeClr val="bg1"/>
-              </a:solidFill>
-            </a:endParaRPr>
-          </a:p>
-          <a:p>
-            <a:pPr>
-              <a:buNone/>
-            </a:pPr>
-            <a:r>
-              <a:rPr lang="en-US" sz="1800" dirty="0" smtClean="0">
-                <a:solidFill>
-                  <a:schemeClr val="bg1"/>
-                </a:solidFill>
-              </a:rPr>
-              <a:t>-</a:t>
-            </a:r>
-            <a:r>
-              <a:rPr lang="ru-RU" sz="1800" dirty="0" smtClean="0">
-                <a:solidFill>
-                  <a:schemeClr val="bg1"/>
-                </a:solidFill>
-              </a:rPr>
-              <a:t>Исходный код программы написан на языке</a:t>
-            </a:r>
-            <a:endParaRPr lang="en-US" sz="1800" dirty="0" smtClean="0">
-              <a:solidFill>
-                <a:schemeClr val="bg1"/>
-              </a:solidFill>
-            </a:endParaRPr>
-          </a:p>
-          <a:p>
-            <a:pPr>
-              <a:buNone/>
-            </a:pPr>
-            <a:r>
-              <a:rPr lang="ru-RU" sz="1800" dirty="0" smtClean="0">
-                <a:solidFill>
-                  <a:schemeClr val="bg1"/>
-                </a:solidFill>
-              </a:rPr>
-              <a:t>С++</a:t>
-            </a:r>
-            <a:endParaRPr lang="en-US" sz="1800" dirty="0" smtClean="0">
-              <a:solidFill>
-                <a:schemeClr val="bg1"/>
-              </a:solidFill>
-            </a:endParaRPr>
-          </a:p>
-          <a:p>
-            <a:pPr>
-              <a:buNone/>
-            </a:pPr>
-            <a:endParaRPr lang="ru-RU" sz="1800" dirty="0" smtClean="0">
-              <a:solidFill>
-                <a:schemeClr val="bg1"/>
-              </a:solidFill>
-            </a:endParaRPr>
-          </a:p>
-          <a:p>
-            <a:pPr lvl="0">
-              <a:buNone/>
-            </a:pPr>
-            <a:r>
-              <a:rPr lang="en-US" sz="1800" dirty="0" smtClean="0">
-                <a:solidFill>
-                  <a:schemeClr val="bg1"/>
-                </a:solidFill>
-              </a:rPr>
-              <a:t>-</a:t>
-            </a:r>
-            <a:r>
-              <a:rPr lang="ru-RU" sz="1800" dirty="0" smtClean="0">
-                <a:solidFill>
-                  <a:schemeClr val="bg1"/>
-                </a:solidFill>
-              </a:rPr>
-              <a:t>Подключение происходит по каналу </a:t>
-            </a:r>
-            <a:r>
-              <a:rPr lang="en-US" sz="1800" dirty="0" smtClean="0">
-                <a:solidFill>
-                  <a:schemeClr val="bg1"/>
-                </a:solidFill>
-              </a:rPr>
-              <a:t>TCP</a:t>
-            </a:r>
-          </a:p>
-          <a:p>
-            <a:pPr lvl="0">
-              <a:buNone/>
-            </a:pPr>
-            <a:endParaRPr lang="en-US" sz="1800" dirty="0" smtClean="0">
-              <a:solidFill>
-                <a:schemeClr val="bg1"/>
-              </a:solidFill>
-            </a:endParaRPr>
-          </a:p>
-          <a:p>
-            <a:pPr lvl="0">
-              <a:buNone/>
-            </a:pPr>
-            <a:r>
-              <a:rPr lang="en-US" sz="1800" dirty="0" smtClean="0">
-                <a:solidFill>
-                  <a:schemeClr val="bg1"/>
-                </a:solidFill>
-              </a:rPr>
-              <a:t>-</a:t>
-            </a:r>
-            <a:r>
-              <a:rPr lang="ru-RU" sz="1800" dirty="0" smtClean="0">
-                <a:solidFill>
-                  <a:schemeClr val="bg1"/>
-                </a:solidFill>
-              </a:rPr>
-              <a:t>Исполняемые файлы:</a:t>
-            </a:r>
-          </a:p>
-          <a:p>
-            <a:pPr lvl="0">
-              <a:buNone/>
-            </a:pPr>
-            <a:r>
-              <a:rPr lang="en-US" sz="1800" dirty="0" smtClean="0">
-                <a:solidFill>
-                  <a:schemeClr val="bg1"/>
-                </a:solidFill>
-                <a:latin typeface="Times New Roman" pitchFamily="18" charset="0"/>
-                <a:cs typeface="Times New Roman" pitchFamily="18" charset="0"/>
-              </a:rPr>
-              <a:t>Server.exe</a:t>
-            </a:r>
-            <a:endParaRPr lang="ru-RU" sz="1800" dirty="0" smtClean="0">
-              <a:solidFill>
-                <a:schemeClr val="bg1"/>
-              </a:solidFill>
-              <a:latin typeface="Times New Roman" pitchFamily="18" charset="0"/>
-              <a:cs typeface="Times New Roman" pitchFamily="18" charset="0"/>
-            </a:endParaRPr>
-          </a:p>
-          <a:p>
-            <a:pPr lvl="0">
-              <a:buNone/>
-            </a:pPr>
-            <a:r>
-              <a:rPr lang="en-US" sz="1800" dirty="0" smtClean="0">
-                <a:solidFill>
-                  <a:schemeClr val="bg1"/>
-                </a:solidFill>
-                <a:latin typeface="Times New Roman" pitchFamily="18" charset="0"/>
-                <a:cs typeface="Times New Roman" pitchFamily="18" charset="0"/>
-              </a:rPr>
-              <a:t>Client.exe</a:t>
-            </a:r>
-            <a:r>
-              <a:rPr lang="ru-RU" sz="1800" dirty="0" smtClean="0">
-                <a:solidFill>
-                  <a:schemeClr val="bg1"/>
-                </a:solidFill>
-                <a:latin typeface="Times New Roman" pitchFamily="18" charset="0"/>
-                <a:cs typeface="Times New Roman" pitchFamily="18" charset="0"/>
-              </a:rPr>
-              <a:t>.</a:t>
-            </a:r>
-            <a:endParaRPr lang="ru-RU" dirty="0" smtClean="0">
-              <a:solidFill>
-                <a:schemeClr val="bg1"/>
-              </a:solidFill>
-            </a:endParaRPr>
-          </a:p>
-          <a:p>
-            <a:pPr lvl="0">
-              <a:buNone/>
-            </a:pPr>
-            <a:endParaRPr lang="ru-RU" sz="1800" dirty="0" smtClean="0">
-              <a:solidFill>
-                <a:schemeClr val="bg1"/>
-              </a:solidFill>
-              <a:latin typeface="Times New Roman" pitchFamily="18" charset="0"/>
-              <a:cs typeface="Times New Roman" pitchFamily="18" charset="0"/>
-            </a:endParaRPr>
-          </a:p>
-          <a:p>
-            <a:pPr>
-              <a:buNone/>
-            </a:pPr>
-            <a:r>
-              <a:rPr lang="en-US" sz="1800" dirty="0" smtClean="0">
-                <a:solidFill>
-                  <a:schemeClr val="bg1"/>
-                </a:solidFill>
-              </a:rPr>
-              <a:t>-</a:t>
-            </a:r>
-            <a:r>
-              <a:rPr lang="ru-RU" sz="1800" dirty="0" smtClean="0">
-                <a:solidFill>
-                  <a:schemeClr val="bg1"/>
-                </a:solidFill>
-              </a:rPr>
-              <a:t>Для включения сервера или клиента необходимо</a:t>
-            </a:r>
-          </a:p>
-          <a:p>
-            <a:pPr>
-              <a:buNone/>
-            </a:pPr>
-            <a:r>
-              <a:rPr lang="ru-RU" sz="1800" dirty="0" smtClean="0">
-                <a:solidFill>
-                  <a:schemeClr val="bg1"/>
-                </a:solidFill>
-              </a:rPr>
-              <a:t>знать пароль.</a:t>
-            </a:r>
-            <a:endParaRPr lang="en-US" sz="1800" dirty="0" smtClean="0">
-              <a:solidFill>
-                <a:schemeClr val="bg1"/>
-              </a:solidFill>
-            </a:endParaRPr>
-          </a:p>
-          <a:p>
-            <a:pPr lvl="0">
-              <a:buNone/>
-            </a:pPr>
-            <a:endParaRPr lang="ru-RU" sz="1800" dirty="0">
-              <a:solidFill>
-                <a:schemeClr val="bg1"/>
-              </a:solidFill>
-              <a:latin typeface="Times New Roman" pitchFamily="18" charset="0"/>
-              <a:cs typeface="Times New Roman" pitchFamily="18" charset="0"/>
-            </a:endParaRPr>
-          </a:p>
-        </p:txBody>
-      </p:sp>
-      <p:pic>
-        <p:nvPicPr>
-          <p:cNvPr id="5" name="Рисунок 4"/>
-          <p:cNvPicPr/>
-          <p:nvPr/>
-        </p:nvPicPr>
-        <p:blipFill>
-          <a:blip r:embed="rId2" cstate="print"/>
-          <a:srcRect/>
-          <a:stretch>
-            <a:fillRect/>
-          </a:stretch>
-        </p:blipFill>
-        <p:spPr bwMode="auto">
-          <a:xfrm>
-            <a:off x="6038193" y="1304783"/>
-            <a:ext cx="5602014" cy="2321286"/>
-          </a:xfrm>
-          <a:prstGeom prst="rect">
-            <a:avLst/>
-          </a:prstGeom>
-          <a:noFill/>
-          <a:ln w="28575">
-            <a:solidFill>
-              <a:schemeClr val="bg1"/>
-            </a:solidFill>
-            <a:miter lim="800000"/>
-            <a:headEnd/>
-            <a:tailEnd/>
-          </a:ln>
-        </p:spPr>
-      </p:pic>
-      <p:pic>
-        <p:nvPicPr>
-          <p:cNvPr id="6" name="Рисунок 5"/>
-          <p:cNvPicPr/>
-          <p:nvPr/>
-        </p:nvPicPr>
-        <p:blipFill>
-          <a:blip r:embed="rId3" cstate="print"/>
-          <a:srcRect/>
-          <a:stretch>
-            <a:fillRect/>
-          </a:stretch>
-        </p:blipFill>
-        <p:spPr bwMode="auto">
-          <a:xfrm>
-            <a:off x="6326407" y="3814472"/>
-            <a:ext cx="4962525" cy="2743984"/>
-          </a:xfrm>
-          <a:prstGeom prst="rect">
-            <a:avLst/>
-          </a:prstGeom>
-          <a:noFill/>
-          <a:ln w="28575">
-            <a:solidFill>
-              <a:schemeClr val="bg1"/>
-            </a:solidFill>
-            <a:miter lim="800000"/>
-            <a:headEnd/>
-            <a:tailEnd/>
-          </a:ln>
-        </p:spPr>
-      </p:pic>
     </p:spTree>
-    <p:extLst>
-      <p:ext uri="{BB962C8B-B14F-4D97-AF65-F5344CB8AC3E}">
-        <p14:creationId xmlns:p14="http://schemas.microsoft.com/office/powerpoint/2010/main" xmlns="" val="2536059836"/>
-      </p:ext>
-    </p:extLst>
   </p:cSld>
   <p:clrMapOvr>
     <a:masterClrMapping/>
   </p:clrMapOvr>
-  <p:timing>
-    <p:tnLst>
-      <p:par>
-        <p:cTn id="1" dur="indefinite" restart="never" nodeType="tmRoot"/>
-      </p:par>
-    </p:tnLst>
-  </p:timing>
 </p:sld>
 </file>
 
@@ -5707,7 +4772,13 @@
       </p:grpSpPr>
       <p:sp>
         <p:nvSpPr>
-          <p:cNvPr id="2" name="Заголовок 1"/>
+          <p:cNvPr id="2" name="Заголовок 1">
+            <a:extLst>
+              <a:ext uri="{FF2B5EF4-FFF2-40B4-BE49-F238E27FC236}">
+                <a16:creationId xmlns:a16="http://schemas.microsoft.com/office/drawing/2014/main" xmlns="" id="{E4271D08-B8C8-4622-9405-573E26A8C89A}"/>
+              </a:ext>
+            </a:extLst>
+          </p:cNvPr>
           <p:cNvSpPr>
             <a:spLocks noGrp="1"/>
           </p:cNvSpPr>
@@ -5717,481 +4788,942 @@
         </p:nvSpPr>
         <p:spPr>
           <a:xfrm>
-            <a:off x="0" y="0"/>
-            <a:ext cx="9956800" cy="957943"/>
+            <a:off x="1097280" y="286603"/>
+            <a:ext cx="9165306" cy="702303"/>
           </a:xfrm>
         </p:spPr>
         <p:txBody>
           <a:bodyPr>
-            <a:normAutofit/>
+            <a:normAutofit fontScale="90000"/>
           </a:bodyPr>
           <a:lstStyle/>
           <a:p>
             <a:r>
-              <a:rPr lang="ru-RU" sz="4800" dirty="0" smtClean="0">
-                <a:solidFill>
-                  <a:schemeClr val="bg1"/>
-                </a:solidFill>
-              </a:rPr>
-              <a:t>Защита приложения</a:t>
-            </a:r>
-            <a:endParaRPr lang="ru-RU" sz="4800" dirty="0">
+              <a:rPr lang="ru-RU" dirty="0">
+                <a:solidFill>
+                  <a:schemeClr val="bg1"/>
+                </a:solidFill>
+                <a:effectLst>
+                  <a:outerShdw blurRad="38100" dist="38100" dir="2700000" algn="tl">
+                    <a:srgbClr val="000000">
+                      <a:alpha val="43137"/>
+                    </a:srgbClr>
+                  </a:outerShdw>
+                </a:effectLst>
+              </a:rPr>
+              <a:t>Требования к разработке</a:t>
+            </a:r>
+          </a:p>
+        </p:txBody>
+      </p:sp>
+      <p:sp>
+        <p:nvSpPr>
+          <p:cNvPr id="3" name="Объект 2">
+            <a:extLst>
+              <a:ext uri="{FF2B5EF4-FFF2-40B4-BE49-F238E27FC236}">
+                <a16:creationId xmlns:a16="http://schemas.microsoft.com/office/drawing/2014/main" xmlns="" id="{AFCA33D7-3944-44DF-90E5-0A0BAFAED58B}"/>
+              </a:ext>
+            </a:extLst>
+          </p:cNvPr>
+          <p:cNvSpPr>
+            <a:spLocks noGrp="1"/>
+          </p:cNvSpPr>
+          <p:nvPr>
+            <p:ph idx="1"/>
+          </p:nvPr>
+        </p:nvSpPr>
+        <p:spPr>
+          <a:xfrm>
+            <a:off x="1097280" y="988906"/>
+            <a:ext cx="10058400" cy="4880188"/>
+          </a:xfrm>
+        </p:spPr>
+        <p:txBody>
+          <a:bodyPr>
+            <a:normAutofit fontScale="77500" lnSpcReduction="20000"/>
+          </a:bodyPr>
+          <a:lstStyle/>
+          <a:p>
+            <a:r>
+              <a:rPr lang="ru-RU" sz="2200" u="sng" dirty="0">
+                <a:solidFill>
+                  <a:schemeClr val="bg1"/>
+                </a:solidFill>
+                <a:latin typeface="Times New Roman" panose="02020603050405020304" pitchFamily="18" charset="0"/>
+                <a:cs typeface="Times New Roman" panose="02020603050405020304" pitchFamily="18" charset="0"/>
+              </a:rPr>
+              <a:t>Разработанный проект должен соответствовать следующим требованиям:</a:t>
+            </a:r>
+          </a:p>
+          <a:p>
+            <a:pPr lvl="0"/>
+            <a:r>
+              <a:rPr lang="ru-RU" sz="2200" dirty="0">
+                <a:solidFill>
+                  <a:schemeClr val="bg1"/>
+                </a:solidFill>
+                <a:latin typeface="Times New Roman" panose="02020603050405020304" pitchFamily="18" charset="0"/>
+                <a:cs typeface="Times New Roman" panose="02020603050405020304" pitchFamily="18" charset="0"/>
+              </a:rPr>
+              <a:t>1. Требования к входному языку:</a:t>
+            </a:r>
+          </a:p>
+          <a:p>
+            <a:pPr lvl="0"/>
+            <a:r>
+              <a:rPr lang="ru-RU" sz="2200" dirty="0" smtClean="0">
+                <a:solidFill>
+                  <a:schemeClr val="bg1"/>
+                </a:solidFill>
+                <a:latin typeface="Times New Roman" panose="02020603050405020304" pitchFamily="18" charset="0"/>
+                <a:cs typeface="Times New Roman" panose="02020603050405020304" pitchFamily="18" charset="0"/>
+              </a:rPr>
+              <a:t> - </a:t>
+            </a:r>
+            <a:r>
+              <a:rPr lang="en-US" sz="2200" dirty="0" err="1" smtClean="0">
+                <a:solidFill>
+                  <a:schemeClr val="bg1"/>
+                </a:solidFill>
+                <a:latin typeface="Times New Roman" panose="02020603050405020304" pitchFamily="18" charset="0"/>
+                <a:cs typeface="Times New Roman" panose="02020603050405020304" pitchFamily="18" charset="0"/>
+              </a:rPr>
+              <a:t>Должны</a:t>
+            </a:r>
+            <a:r>
+              <a:rPr lang="en-US" sz="2200" dirty="0" smtClean="0">
+                <a:solidFill>
+                  <a:schemeClr val="bg1"/>
+                </a:solidFill>
+                <a:latin typeface="Times New Roman" panose="02020603050405020304" pitchFamily="18" charset="0"/>
+                <a:cs typeface="Times New Roman" panose="02020603050405020304" pitchFamily="18" charset="0"/>
+              </a:rPr>
+              <a:t> </a:t>
+            </a:r>
+            <a:r>
+              <a:rPr lang="en-US" sz="2200" dirty="0" err="1" smtClean="0">
+                <a:solidFill>
+                  <a:schemeClr val="bg1"/>
+                </a:solidFill>
+                <a:latin typeface="Times New Roman" panose="02020603050405020304" pitchFamily="18" charset="0"/>
+                <a:cs typeface="Times New Roman" panose="02020603050405020304" pitchFamily="18" charset="0"/>
+              </a:rPr>
+              <a:t>присутствовать</a:t>
+            </a:r>
+            <a:r>
+              <a:rPr lang="en-US" sz="2200" dirty="0" smtClean="0">
+                <a:solidFill>
+                  <a:schemeClr val="bg1"/>
+                </a:solidFill>
+                <a:latin typeface="Times New Roman" panose="02020603050405020304" pitchFamily="18" charset="0"/>
+                <a:cs typeface="Times New Roman" panose="02020603050405020304" pitchFamily="18" charset="0"/>
+              </a:rPr>
+              <a:t> </a:t>
+            </a:r>
+            <a:r>
+              <a:rPr lang="en-US" sz="2200" dirty="0" err="1" smtClean="0">
+                <a:solidFill>
+                  <a:schemeClr val="bg1"/>
+                </a:solidFill>
+                <a:latin typeface="Times New Roman" panose="02020603050405020304" pitchFamily="18" charset="0"/>
+                <a:cs typeface="Times New Roman" panose="02020603050405020304" pitchFamily="18" charset="0"/>
+              </a:rPr>
+              <a:t>операторные</a:t>
+            </a:r>
+            <a:r>
+              <a:rPr lang="en-US" sz="2200" dirty="0" smtClean="0">
+                <a:solidFill>
+                  <a:schemeClr val="bg1"/>
+                </a:solidFill>
+                <a:latin typeface="Times New Roman" panose="02020603050405020304" pitchFamily="18" charset="0"/>
+                <a:cs typeface="Times New Roman" panose="02020603050405020304" pitchFamily="18" charset="0"/>
+              </a:rPr>
+              <a:t> </a:t>
+            </a:r>
+            <a:r>
+              <a:rPr lang="en-US" sz="2200" dirty="0" err="1" smtClean="0">
+                <a:solidFill>
+                  <a:schemeClr val="bg1"/>
+                </a:solidFill>
+                <a:latin typeface="Times New Roman" panose="02020603050405020304" pitchFamily="18" charset="0"/>
+                <a:cs typeface="Times New Roman" panose="02020603050405020304" pitchFamily="18" charset="0"/>
+              </a:rPr>
+              <a:t>скобки</a:t>
+            </a:r>
+            <a:r>
+              <a:rPr lang="en-US" sz="2200" dirty="0" smtClean="0">
+                <a:solidFill>
+                  <a:schemeClr val="bg1"/>
+                </a:solidFill>
+                <a:latin typeface="Times New Roman" panose="02020603050405020304" pitchFamily="18" charset="0"/>
+                <a:cs typeface="Times New Roman" panose="02020603050405020304" pitchFamily="18" charset="0"/>
+              </a:rPr>
+              <a:t>;</a:t>
+            </a:r>
+            <a:endParaRPr lang="ru-RU" sz="2200" dirty="0" smtClean="0">
               <a:solidFill>
                 <a:schemeClr val="bg1"/>
               </a:solidFill>
+              <a:latin typeface="Times New Roman" panose="02020603050405020304" pitchFamily="18" charset="0"/>
+              <a:cs typeface="Times New Roman" panose="02020603050405020304" pitchFamily="18" charset="0"/>
             </a:endParaRPr>
           </a:p>
-        </p:txBody>
-      </p:sp>
-      <p:sp>
-        <p:nvSpPr>
-          <p:cNvPr id="3" name="Объект 2"/>
-          <p:cNvSpPr>
-            <a:spLocks noGrp="1"/>
-          </p:cNvSpPr>
-          <p:nvPr>
-            <p:ph idx="1"/>
-          </p:nvPr>
-        </p:nvSpPr>
-        <p:spPr>
-          <a:xfrm>
-            <a:off x="533400" y="1320801"/>
-            <a:ext cx="9956800" cy="4525963"/>
-          </a:xfrm>
-        </p:spPr>
-        <p:txBody>
-          <a:bodyPr>
-            <a:normAutofit/>
-          </a:bodyPr>
-          <a:lstStyle/>
-          <a:p>
-            <a:pPr marL="0" indent="0">
-              <a:buNone/>
-            </a:pPr>
-            <a:r>
-              <a:rPr lang="ru-RU" sz="1800" dirty="0" smtClean="0">
-                <a:solidFill>
-                  <a:schemeClr val="bg1"/>
-                </a:solidFill>
-              </a:rPr>
-              <a:t>В программном продукте реализованы следующие элементы защиты:</a:t>
-            </a:r>
-          </a:p>
-          <a:p>
-            <a:pPr>
-              <a:buNone/>
-            </a:pPr>
-            <a:r>
-              <a:rPr lang="ru-RU" sz="1800" dirty="0" smtClean="0">
-                <a:solidFill>
-                  <a:schemeClr val="bg1"/>
-                </a:solidFill>
-              </a:rPr>
-              <a:t>	1</a:t>
-            </a:r>
-            <a:r>
-              <a:rPr lang="en-US" sz="1800" dirty="0" smtClean="0">
-                <a:solidFill>
-                  <a:schemeClr val="bg1"/>
-                </a:solidFill>
-              </a:rPr>
-              <a:t>)</a:t>
-            </a:r>
-            <a:r>
-              <a:rPr lang="ru-RU" sz="1800" dirty="0" smtClean="0">
-                <a:solidFill>
-                  <a:schemeClr val="bg1"/>
-                </a:solidFill>
-              </a:rPr>
-              <a:t> Защита от копирования</a:t>
-            </a:r>
-            <a:r>
-              <a:rPr lang="en-US" sz="1800" dirty="0" smtClean="0">
-                <a:solidFill>
-                  <a:schemeClr val="bg1"/>
-                </a:solidFill>
-              </a:rPr>
-              <a:t>:</a:t>
-            </a:r>
-            <a:endParaRPr lang="ru-RU" sz="1800" dirty="0" smtClean="0">
+          <a:p>
+            <a:pPr lvl="0"/>
+            <a:r>
+              <a:rPr lang="ru-RU" sz="2200" dirty="0" smtClean="0">
+                <a:solidFill>
+                  <a:schemeClr val="bg1"/>
+                </a:solidFill>
+                <a:latin typeface="Times New Roman" panose="02020603050405020304" pitchFamily="18" charset="0"/>
+                <a:cs typeface="Times New Roman" panose="02020603050405020304" pitchFamily="18" charset="0"/>
+              </a:rPr>
+              <a:t> - </a:t>
+            </a:r>
+            <a:r>
+              <a:rPr lang="en-US" sz="2200" dirty="0" err="1" smtClean="0">
+                <a:solidFill>
+                  <a:schemeClr val="bg1"/>
+                </a:solidFill>
+                <a:latin typeface="Times New Roman" panose="02020603050405020304" pitchFamily="18" charset="0"/>
+                <a:cs typeface="Times New Roman" panose="02020603050405020304" pitchFamily="18" charset="0"/>
+              </a:rPr>
+              <a:t>Должна</a:t>
+            </a:r>
+            <a:r>
+              <a:rPr lang="en-US" sz="2200" dirty="0" smtClean="0">
+                <a:solidFill>
+                  <a:schemeClr val="bg1"/>
+                </a:solidFill>
+                <a:latin typeface="Times New Roman" panose="02020603050405020304" pitchFamily="18" charset="0"/>
+                <a:cs typeface="Times New Roman" panose="02020603050405020304" pitchFamily="18" charset="0"/>
+              </a:rPr>
+              <a:t> </a:t>
+            </a:r>
+            <a:r>
+              <a:rPr lang="en-US" sz="2200" dirty="0" err="1" smtClean="0">
+                <a:solidFill>
+                  <a:schemeClr val="bg1"/>
+                </a:solidFill>
+                <a:latin typeface="Times New Roman" panose="02020603050405020304" pitchFamily="18" charset="0"/>
+                <a:cs typeface="Times New Roman" panose="02020603050405020304" pitchFamily="18" charset="0"/>
+              </a:rPr>
+              <a:t>игнорироваться</a:t>
+            </a:r>
+            <a:r>
+              <a:rPr lang="en-US" sz="2200" dirty="0" smtClean="0">
+                <a:solidFill>
+                  <a:schemeClr val="bg1"/>
+                </a:solidFill>
+                <a:latin typeface="Times New Roman" panose="02020603050405020304" pitchFamily="18" charset="0"/>
+                <a:cs typeface="Times New Roman" panose="02020603050405020304" pitchFamily="18" charset="0"/>
+              </a:rPr>
+              <a:t> </a:t>
+            </a:r>
+            <a:r>
+              <a:rPr lang="en-US" sz="2200" dirty="0" err="1" smtClean="0">
+                <a:solidFill>
+                  <a:schemeClr val="bg1"/>
+                </a:solidFill>
+                <a:latin typeface="Times New Roman" panose="02020603050405020304" pitchFamily="18" charset="0"/>
+                <a:cs typeface="Times New Roman" panose="02020603050405020304" pitchFamily="18" charset="0"/>
+              </a:rPr>
+              <a:t>идентация</a:t>
+            </a:r>
+            <a:r>
+              <a:rPr lang="en-US" sz="2200" dirty="0" smtClean="0">
+                <a:solidFill>
+                  <a:schemeClr val="bg1"/>
+                </a:solidFill>
+                <a:latin typeface="Times New Roman" panose="02020603050405020304" pitchFamily="18" charset="0"/>
+                <a:cs typeface="Times New Roman" panose="02020603050405020304" pitchFamily="18" charset="0"/>
+              </a:rPr>
+              <a:t> </a:t>
+            </a:r>
+            <a:r>
+              <a:rPr lang="en-US" sz="2200" dirty="0" err="1" smtClean="0">
+                <a:solidFill>
+                  <a:schemeClr val="bg1"/>
+                </a:solidFill>
+                <a:latin typeface="Times New Roman" panose="02020603050405020304" pitchFamily="18" charset="0"/>
+                <a:cs typeface="Times New Roman" panose="02020603050405020304" pitchFamily="18" charset="0"/>
+              </a:rPr>
+              <a:t>программы</a:t>
+            </a:r>
+            <a:r>
+              <a:rPr lang="en-US" sz="2200" dirty="0" smtClean="0">
+                <a:solidFill>
+                  <a:schemeClr val="bg1"/>
+                </a:solidFill>
+                <a:latin typeface="Times New Roman" panose="02020603050405020304" pitchFamily="18" charset="0"/>
+                <a:cs typeface="Times New Roman" panose="02020603050405020304" pitchFamily="18" charset="0"/>
+              </a:rPr>
+              <a:t>;</a:t>
+            </a:r>
+            <a:endParaRPr lang="ru-RU" sz="2200" dirty="0" smtClean="0">
               <a:solidFill>
                 <a:schemeClr val="bg1"/>
               </a:solidFill>
+              <a:latin typeface="Times New Roman" panose="02020603050405020304" pitchFamily="18" charset="0"/>
+              <a:cs typeface="Times New Roman" panose="02020603050405020304" pitchFamily="18" charset="0"/>
             </a:endParaRPr>
           </a:p>
           <a:p>
-            <a:pPr>
-              <a:buNone/>
-            </a:pPr>
-            <a:r>
-              <a:rPr lang="ru-RU" sz="1800" dirty="0" smtClean="0">
-                <a:solidFill>
-                  <a:schemeClr val="bg1"/>
-                </a:solidFill>
-              </a:rPr>
-              <a:t>		а) Использование пароля</a:t>
-            </a:r>
-          </a:p>
-          <a:p>
-            <a:pPr>
-              <a:buNone/>
-            </a:pPr>
-            <a:r>
-              <a:rPr lang="ru-RU" sz="1800" dirty="0" smtClean="0">
-                <a:solidFill>
-                  <a:schemeClr val="bg1"/>
-                </a:solidFill>
-              </a:rPr>
-              <a:t>	2) Защита от статического анализа</a:t>
-            </a:r>
-            <a:r>
-              <a:rPr lang="en-US" sz="1800" dirty="0" smtClean="0">
-                <a:solidFill>
-                  <a:schemeClr val="bg1"/>
-                </a:solidFill>
+            <a:pPr lvl="0"/>
+            <a:r>
+              <a:rPr lang="ru-RU" sz="2200" dirty="0" smtClean="0">
+                <a:solidFill>
+                  <a:schemeClr val="bg1"/>
+                </a:solidFill>
+                <a:latin typeface="Times New Roman" panose="02020603050405020304" pitchFamily="18" charset="0"/>
+                <a:cs typeface="Times New Roman" panose="02020603050405020304" pitchFamily="18" charset="0"/>
+              </a:rPr>
+              <a:t> </a:t>
+            </a:r>
+            <a:r>
+              <a:rPr lang="ru-RU" sz="2200" dirty="0">
+                <a:solidFill>
+                  <a:schemeClr val="bg1"/>
+                </a:solidFill>
+                <a:latin typeface="Times New Roman" panose="02020603050405020304" pitchFamily="18" charset="0"/>
+                <a:cs typeface="Times New Roman" panose="02020603050405020304" pitchFamily="18" charset="0"/>
+              </a:rPr>
+              <a:t>- Должны поддерживаться комментарии любой длины;</a:t>
+            </a:r>
+          </a:p>
+          <a:p>
+            <a:pPr lvl="0"/>
+            <a:r>
+              <a:rPr lang="ru-RU" sz="2200" dirty="0">
+                <a:solidFill>
+                  <a:schemeClr val="bg1"/>
+                </a:solidFill>
+                <a:latin typeface="Times New Roman" panose="02020603050405020304" pitchFamily="18" charset="0"/>
+                <a:cs typeface="Times New Roman" panose="02020603050405020304" pitchFamily="18" charset="0"/>
+              </a:rPr>
+              <a:t> - Входная программа должна представлять собой единый модуль, но поддерживать вызов функций.</a:t>
+            </a:r>
+          </a:p>
+          <a:p>
+            <a:pPr lvl="0"/>
+            <a:r>
+              <a:rPr lang="ru-RU" sz="2200" dirty="0">
+                <a:solidFill>
+                  <a:schemeClr val="bg1"/>
+                </a:solidFill>
+                <a:latin typeface="Times New Roman" panose="02020603050405020304" pitchFamily="18" charset="0"/>
+                <a:cs typeface="Times New Roman" panose="02020603050405020304" pitchFamily="18" charset="0"/>
+              </a:rPr>
+              <a:t>2. Требования к операторам</a:t>
+            </a:r>
+            <a:r>
+              <a:rPr lang="en-US" sz="2200" dirty="0">
+                <a:solidFill>
+                  <a:schemeClr val="bg1"/>
+                </a:solidFill>
+                <a:latin typeface="Times New Roman" panose="02020603050405020304" pitchFamily="18" charset="0"/>
+                <a:cs typeface="Times New Roman" panose="02020603050405020304" pitchFamily="18" charset="0"/>
               </a:rPr>
               <a:t>:</a:t>
             </a:r>
-            <a:endParaRPr lang="ru-RU" sz="1800" dirty="0" smtClean="0">
+            <a:endParaRPr lang="ru-RU" sz="2200" dirty="0">
               <a:solidFill>
                 <a:schemeClr val="bg1"/>
               </a:solidFill>
+              <a:latin typeface="Times New Roman" panose="02020603050405020304" pitchFamily="18" charset="0"/>
+              <a:cs typeface="Times New Roman" panose="02020603050405020304" pitchFamily="18" charset="0"/>
             </a:endParaRPr>
           </a:p>
           <a:p>
-            <a:pPr>
-              <a:buNone/>
-            </a:pPr>
-            <a:r>
-              <a:rPr lang="ru-RU" sz="1800" dirty="0" smtClean="0">
-                <a:solidFill>
-                  <a:schemeClr val="bg1"/>
-                </a:solidFill>
-              </a:rPr>
-              <a:t>		а)</a:t>
-            </a:r>
-            <a:r>
-              <a:rPr lang="en-US" sz="1800" dirty="0" smtClean="0">
-                <a:solidFill>
-                  <a:schemeClr val="bg1"/>
-                </a:solidFill>
+            <a:pPr lvl="0"/>
+            <a:r>
+              <a:rPr lang="ru-RU" sz="2200" dirty="0">
+                <a:solidFill>
+                  <a:schemeClr val="bg1"/>
+                </a:solidFill>
+                <a:latin typeface="Times New Roman" panose="02020603050405020304" pitchFamily="18" charset="0"/>
+                <a:cs typeface="Times New Roman" panose="02020603050405020304" pitchFamily="18" charset="0"/>
+              </a:rPr>
+              <a:t> - </a:t>
+            </a:r>
+            <a:r>
+              <a:rPr lang="en-US" sz="2200" dirty="0">
+                <a:solidFill>
+                  <a:schemeClr val="bg1"/>
+                </a:solidFill>
+                <a:latin typeface="Times New Roman" panose="02020603050405020304" pitchFamily="18" charset="0"/>
+                <a:cs typeface="Times New Roman" panose="02020603050405020304" pitchFamily="18" charset="0"/>
+              </a:rPr>
+              <a:t>Оператор </a:t>
+            </a:r>
+            <a:r>
+              <a:rPr lang="en-US" sz="2200" dirty="0" err="1">
+                <a:solidFill>
+                  <a:schemeClr val="bg1"/>
+                </a:solidFill>
+                <a:latin typeface="Times New Roman" panose="02020603050405020304" pitchFamily="18" charset="0"/>
+                <a:cs typeface="Times New Roman" panose="02020603050405020304" pitchFamily="18" charset="0"/>
+              </a:rPr>
+              <a:t>присваивания</a:t>
+            </a:r>
+            <a:r>
+              <a:rPr lang="en-US" sz="2200" dirty="0">
+                <a:solidFill>
+                  <a:schemeClr val="bg1"/>
+                </a:solidFill>
+                <a:latin typeface="Times New Roman" panose="02020603050405020304" pitchFamily="18" charset="0"/>
+                <a:cs typeface="Times New Roman" panose="02020603050405020304" pitchFamily="18" charset="0"/>
               </a:rPr>
               <a:t> </a:t>
             </a:r>
             <a:r>
-              <a:rPr lang="ru-RU" sz="1800" dirty="0" smtClean="0">
-                <a:solidFill>
-                  <a:schemeClr val="bg1"/>
-                </a:solidFill>
-              </a:rPr>
-              <a:t>Разнообразие путей к выходу из программы</a:t>
-            </a:r>
-          </a:p>
-          <a:p>
-            <a:pPr>
-              <a:buNone/>
-            </a:pPr>
-            <a:r>
-              <a:rPr lang="ru-RU" sz="1800" dirty="0" smtClean="0">
-                <a:solidFill>
-                  <a:schemeClr val="bg1"/>
-                </a:solidFill>
-              </a:rPr>
-              <a:t>		б)</a:t>
-            </a:r>
-            <a:r>
-              <a:rPr lang="en-US" sz="1800" dirty="0" smtClean="0">
-                <a:solidFill>
-                  <a:schemeClr val="bg1"/>
-                </a:solidFill>
-              </a:rPr>
-              <a:t> </a:t>
-            </a:r>
-            <a:r>
-              <a:rPr lang="ru-RU" sz="1800" dirty="0" smtClean="0">
-                <a:solidFill>
-                  <a:schemeClr val="bg1"/>
-                </a:solidFill>
-              </a:rPr>
-              <a:t>Множественные проверки </a:t>
-            </a:r>
-          </a:p>
-          <a:p>
-            <a:pPr>
-              <a:buNone/>
-            </a:pPr>
-            <a:r>
-              <a:rPr lang="ru-RU" sz="1800" dirty="0" smtClean="0">
-                <a:solidFill>
-                  <a:schemeClr val="bg1"/>
-                </a:solidFill>
-              </a:rPr>
-              <a:t>	3) Защита от динамического анализа</a:t>
-            </a:r>
-            <a:r>
-              <a:rPr lang="en-US" sz="1800" dirty="0" smtClean="0">
-                <a:solidFill>
-                  <a:schemeClr val="bg1"/>
-                </a:solidFill>
-              </a:rPr>
-              <a:t>:</a:t>
-            </a:r>
-          </a:p>
-          <a:p>
-            <a:pPr>
-              <a:buNone/>
-            </a:pPr>
-            <a:r>
-              <a:rPr lang="en-US" sz="1800" dirty="0" smtClean="0">
-                <a:solidFill>
-                  <a:schemeClr val="bg1"/>
-                </a:solidFill>
-              </a:rPr>
-              <a:t>		</a:t>
-            </a:r>
-            <a:r>
-              <a:rPr lang="ru-RU" sz="1800" dirty="0" smtClean="0">
-                <a:solidFill>
-                  <a:schemeClr val="bg1"/>
-                </a:solidFill>
-              </a:rPr>
-              <a:t>а) Пароль в виде </a:t>
-            </a:r>
-            <a:r>
-              <a:rPr lang="en-US" sz="1800" dirty="0" smtClean="0">
-                <a:solidFill>
-                  <a:schemeClr val="bg1"/>
-                </a:solidFill>
-              </a:rPr>
-              <a:t>Hash</a:t>
-            </a:r>
-            <a:endParaRPr lang="ru-RU" sz="1800" dirty="0" smtClean="0">
+              <a:rPr lang="en-US" sz="2200" dirty="0" smtClean="0">
+                <a:solidFill>
+                  <a:schemeClr val="bg1"/>
+                </a:solidFill>
+                <a:latin typeface="Times New Roman" panose="02020603050405020304" pitchFamily="18" charset="0"/>
+                <a:cs typeface="Times New Roman" panose="02020603050405020304" pitchFamily="18" charset="0"/>
+              </a:rPr>
+              <a:t>(:=);</a:t>
+            </a:r>
+            <a:endParaRPr lang="ru-RU" sz="2200" dirty="0">
               <a:solidFill>
                 <a:schemeClr val="bg1"/>
               </a:solidFill>
+              <a:latin typeface="Times New Roman" panose="02020603050405020304" pitchFamily="18" charset="0"/>
+              <a:cs typeface="Times New Roman" panose="02020603050405020304" pitchFamily="18" charset="0"/>
             </a:endParaRPr>
           </a:p>
           <a:p>
-            <a:pPr>
-              <a:buNone/>
-            </a:pPr>
-            <a:r>
-              <a:rPr lang="ru-RU" sz="1800" dirty="0" smtClean="0">
-                <a:solidFill>
-                  <a:schemeClr val="bg1"/>
-                </a:solidFill>
-              </a:rPr>
-              <a:t>		б) Проверка на запуск программы дизассемблирования</a:t>
-            </a:r>
-          </a:p>
-          <a:p>
-            <a:pPr>
-              <a:buNone/>
-            </a:pPr>
-            <a:r>
-              <a:rPr lang="ru-RU" sz="1800" dirty="0" smtClean="0">
-                <a:solidFill>
-                  <a:schemeClr val="bg1"/>
-                </a:solidFill>
-              </a:rPr>
-              <a:t>		в) Таймеры на протяжении всей программы</a:t>
-            </a:r>
-            <a:endParaRPr lang="en-US" sz="1800" dirty="0" smtClean="0">
+            <a:pPr lvl="0"/>
+            <a:r>
+              <a:rPr lang="ru-RU" sz="2200" dirty="0">
+                <a:solidFill>
+                  <a:schemeClr val="bg1"/>
+                </a:solidFill>
+                <a:latin typeface="Times New Roman" panose="02020603050405020304" pitchFamily="18" charset="0"/>
+                <a:cs typeface="Times New Roman" panose="02020603050405020304" pitchFamily="18" charset="0"/>
+              </a:rPr>
+              <a:t> - Арифметические операторы и операторы сравнения (+, -, *, /, &gt;, &lt;, </a:t>
+            </a:r>
+            <a:r>
+              <a:rPr lang="en-US" sz="2200" dirty="0" smtClean="0">
+                <a:solidFill>
+                  <a:schemeClr val="bg1"/>
+                </a:solidFill>
+                <a:latin typeface="Times New Roman" panose="02020603050405020304" pitchFamily="18" charset="0"/>
+                <a:cs typeface="Times New Roman" panose="02020603050405020304" pitchFamily="18" charset="0"/>
+              </a:rPr>
+              <a:t>&lt;&gt;, &lt;=, &gt;=</a:t>
+            </a:r>
+            <a:r>
+              <a:rPr lang="ru-RU" sz="2200" dirty="0" smtClean="0">
+                <a:solidFill>
+                  <a:schemeClr val="bg1"/>
+                </a:solidFill>
+                <a:latin typeface="Times New Roman" panose="02020603050405020304" pitchFamily="18" charset="0"/>
+                <a:cs typeface="Times New Roman" panose="02020603050405020304" pitchFamily="18" charset="0"/>
+              </a:rPr>
+              <a:t>);</a:t>
+            </a:r>
+            <a:endParaRPr lang="ru-RU" sz="2200" dirty="0">
               <a:solidFill>
                 <a:schemeClr val="bg1"/>
               </a:solidFill>
+              <a:latin typeface="Times New Roman" panose="02020603050405020304" pitchFamily="18" charset="0"/>
+              <a:cs typeface="Times New Roman" panose="02020603050405020304" pitchFamily="18" charset="0"/>
             </a:endParaRPr>
           </a:p>
           <a:p>
-            <a:pPr>
-              <a:buNone/>
-            </a:pPr>
-            <a:r>
-              <a:rPr lang="ru-RU" sz="1800" dirty="0" smtClean="0">
-                <a:solidFill>
-                  <a:schemeClr val="bg1"/>
-                </a:solidFill>
-              </a:rPr>
-              <a:t>	4) Контроль целостности продукта</a:t>
-            </a:r>
-            <a:r>
-              <a:rPr lang="en-US" sz="1800" dirty="0" smtClean="0">
-                <a:solidFill>
-                  <a:schemeClr val="bg1"/>
-                </a:solidFill>
-              </a:rPr>
-              <a:t>:</a:t>
-            </a:r>
-            <a:endParaRPr lang="ru-RU" sz="1800" dirty="0" smtClean="0">
+            <a:pPr lvl="0"/>
+            <a:r>
+              <a:rPr lang="ru-RU" sz="2200" dirty="0">
+                <a:solidFill>
+                  <a:schemeClr val="bg1"/>
+                </a:solidFill>
+                <a:latin typeface="Times New Roman" panose="02020603050405020304" pitchFamily="18" charset="0"/>
+                <a:cs typeface="Times New Roman" panose="02020603050405020304" pitchFamily="18" charset="0"/>
+              </a:rPr>
+              <a:t> - Логические операторы </a:t>
+            </a:r>
+            <a:r>
+              <a:rPr lang="ru-RU" sz="2200" dirty="0" smtClean="0">
+                <a:solidFill>
+                  <a:schemeClr val="bg1"/>
+                </a:solidFill>
+                <a:latin typeface="Times New Roman" panose="02020603050405020304" pitchFamily="18" charset="0"/>
+                <a:cs typeface="Times New Roman" panose="02020603050405020304" pitchFamily="18" charset="0"/>
+              </a:rPr>
+              <a:t>(</a:t>
+            </a:r>
+            <a:r>
+              <a:rPr lang="en-US" sz="2200" dirty="0" smtClean="0">
+                <a:solidFill>
+                  <a:schemeClr val="bg1"/>
+                </a:solidFill>
+                <a:latin typeface="Times New Roman" panose="02020603050405020304" pitchFamily="18" charset="0"/>
+                <a:cs typeface="Times New Roman" panose="02020603050405020304" pitchFamily="18" charset="0"/>
+              </a:rPr>
+              <a:t>and</a:t>
+            </a:r>
+            <a:r>
+              <a:rPr lang="ru-RU" sz="2200" dirty="0" smtClean="0">
+                <a:solidFill>
+                  <a:schemeClr val="bg1"/>
+                </a:solidFill>
+                <a:latin typeface="Times New Roman" panose="02020603050405020304" pitchFamily="18" charset="0"/>
+                <a:cs typeface="Times New Roman" panose="02020603050405020304" pitchFamily="18" charset="0"/>
+              </a:rPr>
+              <a:t>, </a:t>
+            </a:r>
+            <a:r>
+              <a:rPr lang="en-US" sz="2200" dirty="0" smtClean="0">
+                <a:solidFill>
+                  <a:schemeClr val="bg1"/>
+                </a:solidFill>
+                <a:latin typeface="Times New Roman" panose="02020603050405020304" pitchFamily="18" charset="0"/>
+                <a:cs typeface="Times New Roman" panose="02020603050405020304" pitchFamily="18" charset="0"/>
+              </a:rPr>
+              <a:t>or</a:t>
+            </a:r>
+            <a:r>
+              <a:rPr lang="ru-RU" sz="2200" dirty="0" smtClean="0">
+                <a:solidFill>
+                  <a:schemeClr val="bg1"/>
+                </a:solidFill>
+                <a:latin typeface="Times New Roman" panose="02020603050405020304" pitchFamily="18" charset="0"/>
+                <a:cs typeface="Times New Roman" panose="02020603050405020304" pitchFamily="18" charset="0"/>
+              </a:rPr>
+              <a:t>, </a:t>
+            </a:r>
+            <a:r>
+              <a:rPr lang="en-US" sz="2200" dirty="0">
+                <a:solidFill>
+                  <a:schemeClr val="bg1"/>
+                </a:solidFill>
+                <a:latin typeface="Times New Roman" panose="02020603050405020304" pitchFamily="18" charset="0"/>
+                <a:cs typeface="Times New Roman" panose="02020603050405020304" pitchFamily="18" charset="0"/>
+              </a:rPr>
+              <a:t>!</a:t>
+            </a:r>
+            <a:r>
+              <a:rPr lang="ru-RU" sz="2200" dirty="0">
+                <a:solidFill>
+                  <a:schemeClr val="bg1"/>
+                </a:solidFill>
+                <a:latin typeface="Times New Roman" panose="02020603050405020304" pitchFamily="18" charset="0"/>
+                <a:cs typeface="Times New Roman" panose="02020603050405020304" pitchFamily="18" charset="0"/>
+              </a:rPr>
+              <a:t>)</a:t>
+            </a:r>
+            <a:r>
+              <a:rPr lang="en-US" sz="2200" dirty="0">
+                <a:solidFill>
+                  <a:schemeClr val="bg1"/>
+                </a:solidFill>
+                <a:latin typeface="Times New Roman" panose="02020603050405020304" pitchFamily="18" charset="0"/>
+                <a:cs typeface="Times New Roman" panose="02020603050405020304" pitchFamily="18" charset="0"/>
+              </a:rPr>
+              <a:t>;</a:t>
+            </a:r>
+            <a:endParaRPr lang="ru-RU" sz="2200" dirty="0">
               <a:solidFill>
                 <a:schemeClr val="bg1"/>
               </a:solidFill>
+              <a:latin typeface="Times New Roman" panose="02020603050405020304" pitchFamily="18" charset="0"/>
+              <a:cs typeface="Times New Roman" panose="02020603050405020304" pitchFamily="18" charset="0"/>
             </a:endParaRPr>
           </a:p>
           <a:p>
-            <a:pPr>
-              <a:buNone/>
-            </a:pPr>
-            <a:r>
-              <a:rPr lang="ru-RU" sz="1800" dirty="0" smtClean="0">
-                <a:solidFill>
-                  <a:schemeClr val="bg1"/>
-                </a:solidFill>
-              </a:rPr>
-              <a:t>		а) Проверка </a:t>
-            </a:r>
-            <a:r>
-              <a:rPr lang="en-US" sz="1800" dirty="0" smtClean="0">
-                <a:solidFill>
-                  <a:schemeClr val="bg1"/>
-                </a:solidFill>
-              </a:rPr>
-              <a:t>Hash </a:t>
-            </a:r>
-            <a:r>
-              <a:rPr lang="ru-RU" sz="1800" dirty="0" smtClean="0">
-                <a:solidFill>
-                  <a:schemeClr val="bg1"/>
-                </a:solidFill>
-              </a:rPr>
-              <a:t>суммы файла</a:t>
-            </a:r>
-          </a:p>
-          <a:p>
-            <a:pPr>
-              <a:buNone/>
-            </a:pPr>
-            <a:r>
-              <a:rPr lang="en-US" sz="1800" dirty="0" smtClean="0">
-                <a:solidFill>
-                  <a:schemeClr val="bg1"/>
-                </a:solidFill>
-              </a:rPr>
-              <a:t>		</a:t>
-            </a:r>
-            <a:endParaRPr lang="ru-RU" sz="1800" dirty="0" smtClean="0">
+            <a:pPr lvl="0"/>
+            <a:r>
+              <a:rPr lang="ru-RU" sz="2200" dirty="0">
+                <a:solidFill>
+                  <a:schemeClr val="bg1"/>
+                </a:solidFill>
+                <a:latin typeface="Times New Roman" panose="02020603050405020304" pitchFamily="18" charset="0"/>
+                <a:cs typeface="Times New Roman" panose="02020603050405020304" pitchFamily="18" charset="0"/>
+              </a:rPr>
+              <a:t> - </a:t>
+            </a:r>
+            <a:r>
+              <a:rPr lang="en-US" sz="2200" dirty="0" err="1">
+                <a:solidFill>
+                  <a:schemeClr val="bg1"/>
+                </a:solidFill>
+                <a:latin typeface="Times New Roman" panose="02020603050405020304" pitchFamily="18" charset="0"/>
+                <a:cs typeface="Times New Roman" panose="02020603050405020304" pitchFamily="18" charset="0"/>
+              </a:rPr>
+              <a:t>Условный</a:t>
+            </a:r>
+            <a:r>
+              <a:rPr lang="en-US" sz="2200" dirty="0">
+                <a:solidFill>
+                  <a:schemeClr val="bg1"/>
+                </a:solidFill>
+                <a:latin typeface="Times New Roman" panose="02020603050405020304" pitchFamily="18" charset="0"/>
+                <a:cs typeface="Times New Roman" panose="02020603050405020304" pitchFamily="18" charset="0"/>
+              </a:rPr>
+              <a:t> оператор (if);</a:t>
+            </a:r>
+            <a:endParaRPr lang="ru-RU" sz="2200" dirty="0">
               <a:solidFill>
                 <a:schemeClr val="bg1"/>
               </a:solidFill>
+              <a:latin typeface="Times New Roman" panose="02020603050405020304" pitchFamily="18" charset="0"/>
+              <a:cs typeface="Times New Roman" panose="02020603050405020304" pitchFamily="18" charset="0"/>
             </a:endParaRPr>
           </a:p>
-        </p:txBody>
-      </p:sp>
-      <p:pic>
-        <p:nvPicPr>
-          <p:cNvPr id="4" name="Рисунок 3"/>
-          <p:cNvPicPr/>
-          <p:nvPr/>
-        </p:nvPicPr>
-        <p:blipFill>
-          <a:blip r:embed="rId2" cstate="print"/>
-          <a:srcRect/>
-          <a:stretch>
-            <a:fillRect/>
-          </a:stretch>
-        </p:blipFill>
-        <p:spPr bwMode="auto">
+          <a:p>
+            <a:pPr lvl="0"/>
+            <a:r>
+              <a:rPr lang="ru-RU" sz="2200" dirty="0">
+                <a:solidFill>
+                  <a:schemeClr val="bg1"/>
+                </a:solidFill>
+                <a:latin typeface="Times New Roman" panose="02020603050405020304" pitchFamily="18" charset="0"/>
+                <a:cs typeface="Times New Roman" panose="02020603050405020304" pitchFamily="18" charset="0"/>
+              </a:rPr>
+              <a:t> - </a:t>
+            </a:r>
+            <a:r>
+              <a:rPr lang="en-US" sz="2200" dirty="0" err="1">
+                <a:solidFill>
+                  <a:schemeClr val="bg1"/>
+                </a:solidFill>
+                <a:latin typeface="Times New Roman" panose="02020603050405020304" pitchFamily="18" charset="0"/>
+                <a:cs typeface="Times New Roman" panose="02020603050405020304" pitchFamily="18" charset="0"/>
+              </a:rPr>
+              <a:t>Операторы</a:t>
+            </a:r>
+            <a:r>
+              <a:rPr lang="en-US" sz="2200" dirty="0">
+                <a:solidFill>
+                  <a:schemeClr val="bg1"/>
+                </a:solidFill>
+                <a:latin typeface="Times New Roman" panose="02020603050405020304" pitchFamily="18" charset="0"/>
+                <a:cs typeface="Times New Roman" panose="02020603050405020304" pitchFamily="18" charset="0"/>
+              </a:rPr>
+              <a:t> </a:t>
+            </a:r>
+            <a:r>
+              <a:rPr lang="en-US" sz="2200" dirty="0" err="1">
+                <a:solidFill>
+                  <a:schemeClr val="bg1"/>
+                </a:solidFill>
+                <a:latin typeface="Times New Roman" panose="02020603050405020304" pitchFamily="18" charset="0"/>
+                <a:cs typeface="Times New Roman" panose="02020603050405020304" pitchFamily="18" charset="0"/>
+              </a:rPr>
+              <a:t>цикла</a:t>
+            </a:r>
+            <a:r>
+              <a:rPr lang="en-US" sz="2200" dirty="0">
+                <a:solidFill>
+                  <a:schemeClr val="bg1"/>
+                </a:solidFill>
+                <a:latin typeface="Times New Roman" panose="02020603050405020304" pitchFamily="18" charset="0"/>
+                <a:cs typeface="Times New Roman" panose="02020603050405020304" pitchFamily="18" charset="0"/>
+              </a:rPr>
+              <a:t> (while</a:t>
+            </a:r>
+            <a:r>
+              <a:rPr lang="en-US" sz="2200" dirty="0" smtClean="0">
+                <a:solidFill>
+                  <a:schemeClr val="bg1"/>
+                </a:solidFill>
+                <a:latin typeface="Times New Roman" panose="02020603050405020304" pitchFamily="18" charset="0"/>
+                <a:cs typeface="Times New Roman" panose="02020603050405020304" pitchFamily="18" charset="0"/>
+              </a:rPr>
+              <a:t>, for, </a:t>
+            </a:r>
+            <a:r>
+              <a:rPr lang="en-US" sz="2200" dirty="0">
+                <a:solidFill>
+                  <a:schemeClr val="bg1"/>
+                </a:solidFill>
+                <a:latin typeface="Times New Roman" panose="02020603050405020304" pitchFamily="18" charset="0"/>
+                <a:cs typeface="Times New Roman" panose="02020603050405020304" pitchFamily="18" charset="0"/>
+              </a:rPr>
+              <a:t>break, continue);</a:t>
+            </a:r>
+            <a:endParaRPr lang="ru-RU" sz="2200" dirty="0">
+              <a:solidFill>
+                <a:schemeClr val="bg1"/>
+              </a:solidFill>
+              <a:latin typeface="Times New Roman" panose="02020603050405020304" pitchFamily="18" charset="0"/>
+              <a:cs typeface="Times New Roman" panose="02020603050405020304" pitchFamily="18" charset="0"/>
+            </a:endParaRPr>
+          </a:p>
+          <a:p>
+            <a:pPr lvl="0"/>
+            <a:r>
+              <a:rPr lang="ru-RU" sz="2200" dirty="0">
+                <a:solidFill>
+                  <a:schemeClr val="bg1"/>
+                </a:solidFill>
+                <a:latin typeface="Times New Roman" panose="02020603050405020304" pitchFamily="18" charset="0"/>
+                <a:cs typeface="Times New Roman" panose="02020603050405020304" pitchFamily="18" charset="0"/>
+              </a:rPr>
+              <a:t> - Базовый вывод (строковый литерал, переменная);</a:t>
+            </a:r>
+          </a:p>
+          <a:p>
+            <a:pPr lvl="0"/>
+            <a:r>
+              <a:rPr lang="ru-RU" sz="2200" dirty="0">
+                <a:solidFill>
+                  <a:schemeClr val="bg1"/>
+                </a:solidFill>
+                <a:latin typeface="Times New Roman" panose="02020603050405020304" pitchFamily="18" charset="0"/>
+                <a:cs typeface="Times New Roman" panose="02020603050405020304" pitchFamily="18" charset="0"/>
+              </a:rPr>
+              <a:t> - Типы (целочисленный 32 бита, с плавающей запятой 32 бита).</a:t>
+            </a:r>
+          </a:p>
+          <a:p>
+            <a:pPr lvl="0"/>
+            <a:r>
+              <a:rPr lang="ru-RU" sz="2200" dirty="0">
+                <a:solidFill>
+                  <a:schemeClr val="bg1"/>
+                </a:solidFill>
+                <a:latin typeface="Times New Roman" panose="02020603050405020304" pitchFamily="18" charset="0"/>
+                <a:cs typeface="Times New Roman" panose="02020603050405020304" pitchFamily="18" charset="0"/>
+              </a:rPr>
+              <a:t>3. </a:t>
+            </a:r>
+            <a:r>
+              <a:rPr lang="en-US" sz="2200" dirty="0" err="1">
+                <a:solidFill>
+                  <a:schemeClr val="bg1"/>
+                </a:solidFill>
+                <a:latin typeface="Times New Roman" panose="02020603050405020304" pitchFamily="18" charset="0"/>
+                <a:cs typeface="Times New Roman" panose="02020603050405020304" pitchFamily="18" charset="0"/>
+              </a:rPr>
+              <a:t>Требования</a:t>
+            </a:r>
+            <a:r>
+              <a:rPr lang="en-US" sz="2200" dirty="0">
+                <a:solidFill>
+                  <a:schemeClr val="bg1"/>
+                </a:solidFill>
+                <a:latin typeface="Times New Roman" panose="02020603050405020304" pitchFamily="18" charset="0"/>
+                <a:cs typeface="Times New Roman" panose="02020603050405020304" pitchFamily="18" charset="0"/>
+              </a:rPr>
+              <a:t> к </a:t>
+            </a:r>
+            <a:r>
+              <a:rPr lang="en-US" sz="2200" dirty="0" err="1">
+                <a:solidFill>
+                  <a:schemeClr val="bg1"/>
+                </a:solidFill>
+                <a:latin typeface="Times New Roman" panose="02020603050405020304" pitchFamily="18" charset="0"/>
+                <a:cs typeface="Times New Roman" panose="02020603050405020304" pitchFamily="18" charset="0"/>
+              </a:rPr>
+              <a:t>выходному</a:t>
+            </a:r>
+            <a:r>
+              <a:rPr lang="en-US" sz="2200" dirty="0">
+                <a:solidFill>
+                  <a:schemeClr val="bg1"/>
+                </a:solidFill>
+                <a:latin typeface="Times New Roman" panose="02020603050405020304" pitchFamily="18" charset="0"/>
+                <a:cs typeface="Times New Roman" panose="02020603050405020304" pitchFamily="18" charset="0"/>
+              </a:rPr>
+              <a:t> </a:t>
+            </a:r>
+            <a:r>
+              <a:rPr lang="en-US" sz="2200" dirty="0" err="1">
+                <a:solidFill>
+                  <a:schemeClr val="bg1"/>
+                </a:solidFill>
+                <a:latin typeface="Times New Roman" panose="02020603050405020304" pitchFamily="18" charset="0"/>
+                <a:cs typeface="Times New Roman" panose="02020603050405020304" pitchFamily="18" charset="0"/>
+              </a:rPr>
+              <a:t>языку</a:t>
+            </a:r>
+            <a:r>
+              <a:rPr lang="en-US" sz="2200" dirty="0">
+                <a:solidFill>
+                  <a:schemeClr val="bg1"/>
+                </a:solidFill>
+                <a:latin typeface="Times New Roman" panose="02020603050405020304" pitchFamily="18" charset="0"/>
+                <a:cs typeface="Times New Roman" panose="02020603050405020304" pitchFamily="18" charset="0"/>
+              </a:rPr>
+              <a:t>:</a:t>
+            </a:r>
+            <a:endParaRPr lang="ru-RU" sz="2200" dirty="0">
+              <a:solidFill>
+                <a:schemeClr val="bg1"/>
+              </a:solidFill>
+              <a:latin typeface="Times New Roman" panose="02020603050405020304" pitchFamily="18" charset="0"/>
+              <a:cs typeface="Times New Roman" panose="02020603050405020304" pitchFamily="18" charset="0"/>
+            </a:endParaRPr>
+          </a:p>
+          <a:p>
+            <a:pPr lvl="0"/>
+            <a:r>
+              <a:rPr lang="ru-RU" sz="2200" dirty="0">
+                <a:solidFill>
+                  <a:schemeClr val="bg1"/>
+                </a:solidFill>
+                <a:latin typeface="Times New Roman" panose="02020603050405020304" pitchFamily="18" charset="0"/>
+                <a:cs typeface="Times New Roman" panose="02020603050405020304" pitchFamily="18" charset="0"/>
+              </a:rPr>
+              <a:t> - А</a:t>
+            </a:r>
+            <a:r>
+              <a:rPr lang="en-US" sz="2200" dirty="0" err="1">
+                <a:solidFill>
+                  <a:schemeClr val="bg1"/>
+                </a:solidFill>
+                <a:latin typeface="Times New Roman" panose="02020603050405020304" pitchFamily="18" charset="0"/>
+                <a:cs typeface="Times New Roman" panose="02020603050405020304" pitchFamily="18" charset="0"/>
+              </a:rPr>
+              <a:t>ссемблер</a:t>
+            </a:r>
+            <a:r>
+              <a:rPr lang="ru-RU" sz="2200" dirty="0">
+                <a:solidFill>
+                  <a:schemeClr val="bg1"/>
+                </a:solidFill>
+                <a:latin typeface="Times New Roman" panose="02020603050405020304" pitchFamily="18" charset="0"/>
+                <a:cs typeface="Times New Roman" panose="02020603050405020304" pitchFamily="18" charset="0"/>
+              </a:rPr>
+              <a:t> </a:t>
+            </a:r>
+            <a:r>
+              <a:rPr lang="ru-RU" sz="2200" dirty="0" smtClean="0">
+                <a:solidFill>
+                  <a:schemeClr val="bg1"/>
+                </a:solidFill>
+                <a:latin typeface="Times New Roman" panose="02020603050405020304" pitchFamily="18" charset="0"/>
+                <a:cs typeface="Times New Roman" panose="02020603050405020304" pitchFamily="18" charset="0"/>
+              </a:rPr>
+              <a:t>или </a:t>
+            </a:r>
+            <a:r>
+              <a:rPr lang="ru-RU" sz="2200" dirty="0" smtClean="0">
+                <a:solidFill>
+                  <a:schemeClr val="bg1"/>
+                </a:solidFill>
+                <a:latin typeface="Times New Roman" panose="02020603050405020304" pitchFamily="18" charset="0"/>
+                <a:cs typeface="Times New Roman" panose="02020603050405020304" pitchFamily="18" charset="0"/>
+              </a:rPr>
+              <a:t>байт-код</a:t>
+            </a:r>
+            <a:r>
+              <a:rPr lang="en-US" sz="2200" dirty="0" smtClean="0">
+                <a:solidFill>
+                  <a:schemeClr val="bg1"/>
+                </a:solidFill>
+                <a:latin typeface="Times New Roman" panose="02020603050405020304" pitchFamily="18" charset="0"/>
+                <a:cs typeface="Times New Roman" panose="02020603050405020304" pitchFamily="18" charset="0"/>
+              </a:rPr>
+              <a:t>.</a:t>
+            </a:r>
+            <a:endParaRPr lang="ru-RU" sz="2200" dirty="0">
+              <a:solidFill>
+                <a:schemeClr val="bg1"/>
+              </a:solidFill>
+              <a:latin typeface="Times New Roman" panose="02020603050405020304" pitchFamily="18" charset="0"/>
+              <a:cs typeface="Times New Roman" panose="02020603050405020304" pitchFamily="18" charset="0"/>
+            </a:endParaRPr>
+          </a:p>
+          <a:p>
+            <a:endParaRPr lang="ru-RU" dirty="0">
+              <a:solidFill>
+                <a:schemeClr val="tx1"/>
+              </a:solidFill>
+            </a:endParaRPr>
+          </a:p>
+        </p:txBody>
+      </p:sp>
+      <p:sp>
+        <p:nvSpPr>
+          <p:cNvPr id="4" name="Нижний колонтитул 3">
+            <a:extLst>
+              <a:ext uri="{FF2B5EF4-FFF2-40B4-BE49-F238E27FC236}">
+                <a16:creationId xmlns:a16="http://schemas.microsoft.com/office/drawing/2014/main" xmlns="" id="{BC64F103-FA5D-44F1-8FCD-D776E68B94C3}"/>
+              </a:ext>
+            </a:extLst>
+          </p:cNvPr>
+          <p:cNvSpPr>
+            <a:spLocks noGrp="1"/>
+          </p:cNvSpPr>
+          <p:nvPr>
+            <p:ph type="ftr" sz="quarter" idx="11"/>
+          </p:nvPr>
+        </p:nvSpPr>
+        <p:spPr>
           <a:xfrm>
-            <a:off x="9568171" y="1291441"/>
-            <a:ext cx="2217429" cy="4788366"/>
+            <a:off x="3686184" y="6459785"/>
+            <a:ext cx="6214273" cy="365125"/>
           </a:xfrm>
-          <a:prstGeom prst="rect">
-            <a:avLst/>
-          </a:prstGeom>
-          <a:noFill/>
-          <a:ln w="28575">
-            <a:solidFill>
-              <a:schemeClr val="bg1"/>
-            </a:solidFill>
-            <a:miter lim="800000"/>
-            <a:headEnd/>
-            <a:tailEnd/>
-          </a:ln>
         </p:spPr>
-      </p:pic>
-      <p:pic>
-        <p:nvPicPr>
-          <p:cNvPr id="8" name="Рисунок 7"/>
-          <p:cNvPicPr/>
-          <p:nvPr/>
-        </p:nvPicPr>
-        <p:blipFill>
-          <a:blip r:embed="rId3" cstate="print"/>
-          <a:srcRect/>
-          <a:stretch>
-            <a:fillRect/>
-          </a:stretch>
-        </p:blipFill>
-        <p:spPr bwMode="auto">
-          <a:xfrm>
-            <a:off x="5302935" y="4846321"/>
-            <a:ext cx="3857575" cy="1343342"/>
-          </a:xfrm>
-          <a:prstGeom prst="rect">
-            <a:avLst/>
-          </a:prstGeom>
-          <a:noFill/>
-          <a:ln w="28575">
-            <a:solidFill>
-              <a:schemeClr val="bg1"/>
-            </a:solidFill>
-            <a:miter lim="800000"/>
-            <a:headEnd/>
-            <a:tailEnd/>
-          </a:ln>
-        </p:spPr>
-      </p:pic>
-      <p:pic>
-        <p:nvPicPr>
-          <p:cNvPr id="1026" name="Picture 2"/>
-          <p:cNvPicPr>
-            <a:picLocks noChangeAspect="1" noChangeArrowheads="1"/>
-          </p:cNvPicPr>
-          <p:nvPr/>
-        </p:nvPicPr>
-        <p:blipFill>
-          <a:blip r:embed="rId4" cstate="print"/>
-          <a:srcRect/>
-          <a:stretch>
-            <a:fillRect/>
-          </a:stretch>
-        </p:blipFill>
-        <p:spPr bwMode="auto">
-          <a:xfrm>
-            <a:off x="6357938" y="1943099"/>
-            <a:ext cx="2747961" cy="1971247"/>
-          </a:xfrm>
-          <a:prstGeom prst="rect">
-            <a:avLst/>
-          </a:prstGeom>
-          <a:noFill/>
-          <a:ln w="28575">
-            <a:solidFill>
-              <a:schemeClr val="bg1"/>
-            </a:solidFill>
-            <a:miter lim="800000"/>
-            <a:headEnd/>
-            <a:tailEnd/>
-          </a:ln>
-        </p:spPr>
-      </p:pic>
+        <p:txBody>
+          <a:bodyPr/>
+          <a:lstStyle/>
+          <a:p>
+            <a:r>
+              <a:rPr lang="ru-RU">
+                <a:solidFill>
+                  <a:schemeClr val="tx1"/>
+                </a:solidFill>
+              </a:rPr>
+              <a:t>Леткова Н.С. ИСБ-116 «Разработка компилятора подмножества процедурно-ориентированного языка» </a:t>
+            </a:r>
+          </a:p>
+        </p:txBody>
+      </p:sp>
+      <p:sp>
+        <p:nvSpPr>
+          <p:cNvPr id="5" name="Номер слайда 4">
+            <a:extLst>
+              <a:ext uri="{FF2B5EF4-FFF2-40B4-BE49-F238E27FC236}">
+                <a16:creationId xmlns:a16="http://schemas.microsoft.com/office/drawing/2014/main" xmlns="" id="{C48B008A-4D10-4E73-9813-9BDB03DC599B}"/>
+              </a:ext>
+            </a:extLst>
+          </p:cNvPr>
+          <p:cNvSpPr>
+            <a:spLocks noGrp="1"/>
+          </p:cNvSpPr>
+          <p:nvPr>
+            <p:ph type="sldNum" sz="quarter" idx="12"/>
+          </p:nvPr>
+        </p:nvSpPr>
+        <p:spPr/>
+        <p:txBody>
+          <a:bodyPr/>
+          <a:lstStyle/>
+          <a:p>
+            <a:fld id="{7D8D2A66-1F83-4828-BFE0-87500F93A9E5}" type="slidenum">
+              <a:rPr lang="ru-RU" smtClean="0">
+                <a:solidFill>
+                  <a:schemeClr val="tx1"/>
+                </a:solidFill>
+              </a:rPr>
+              <a:pPr/>
+              <a:t>3</a:t>
+            </a:fld>
+            <a:endParaRPr lang="ru-RU">
+              <a:solidFill>
+                <a:schemeClr val="tx1"/>
+              </a:solidFill>
+            </a:endParaRPr>
+          </a:p>
+        </p:txBody>
+      </p:sp>
     </p:spTree>
     <p:extLst>
       <p:ext uri="{BB962C8B-B14F-4D97-AF65-F5344CB8AC3E}">
-        <p14:creationId xmlns:p14="http://schemas.microsoft.com/office/powerpoint/2010/main" xmlns="" val="2545666138"/>
+        <p14:creationId xmlns:p14="http://schemas.microsoft.com/office/powerpoint/2010/main" xmlns="" val="1184433512"/>
       </p:ext>
     </p:extLst>
   </p:cSld>
   <p:clrMapOvr>
     <a:masterClrMapping/>
   </p:clrMapOvr>
-  <p:timing>
-    <p:tnLst>
-      <p:par>
-        <p:cTn id="1" dur="indefinite" restart="never" nodeType="tmRoot"/>
-      </p:par>
-    </p:tnLst>
-  </p:timing>
 </p:sld>
 </file>
 
@@ -6214,251 +5746,47 @@
       </p:grpSpPr>
       <p:sp>
         <p:nvSpPr>
-          <p:cNvPr id="7" name="Прямоугольник 6"/>
-          <p:cNvSpPr/>
-          <p:nvPr/>
-        </p:nvSpPr>
-        <p:spPr>
-          <a:xfrm>
-            <a:off x="365029" y="1292998"/>
-            <a:ext cx="11826971" cy="3508653"/>
-          </a:xfrm>
-          <a:prstGeom prst="rect">
-            <a:avLst/>
-          </a:prstGeom>
-        </p:spPr>
-        <p:txBody>
-          <a:bodyPr wrap="square">
-            <a:spAutoFit/>
-          </a:bodyPr>
-          <a:lstStyle/>
-          <a:p>
-            <a:r>
-              <a:rPr lang="ru-RU" sz="2400" dirty="0" smtClean="0">
-                <a:solidFill>
-                  <a:schemeClr val="bg1"/>
-                </a:solidFill>
-              </a:rPr>
-              <a:t>	</a:t>
-            </a:r>
-            <a:r>
-              <a:rPr lang="ru-RU" dirty="0" smtClean="0">
-                <a:solidFill>
-                  <a:schemeClr val="bg1"/>
-                </a:solidFill>
-              </a:rPr>
-              <a:t>Что сервер, что клиент защищены паролем на вход. При включении сервера происходит проверка пароля на подлинность. При неверном пароле программа выключается. Проверка на клиенте происходит в два этапа. Первый этап – отправка пароля на сервер, его проверка на подлинность. Второй этап – получение ответа от сервера. Если пароль верный, то сервер дает добро на подключение, если пароль неверный, то сервер закрывает соединение с этим клиентом.</a:t>
-            </a:r>
-          </a:p>
-          <a:p>
-            <a:r>
-              <a:rPr lang="ru-RU" dirty="0" smtClean="0">
-                <a:solidFill>
-                  <a:schemeClr val="bg1"/>
-                </a:solidFill>
-              </a:rPr>
-              <a:t>	Генерация пароля осуществляется другой программой, доступ к которой злоумышленник не умеет. Для сервера пароль зависит от введенных данных </a:t>
-            </a:r>
-            <a:r>
-              <a:rPr lang="en-US" dirty="0" err="1" smtClean="0">
-                <a:solidFill>
-                  <a:schemeClr val="bg1"/>
-                </a:solidFill>
-              </a:rPr>
-              <a:t>ip</a:t>
-            </a:r>
-            <a:r>
-              <a:rPr lang="en-US" dirty="0" smtClean="0">
-                <a:solidFill>
-                  <a:schemeClr val="bg1"/>
-                </a:solidFill>
-              </a:rPr>
-              <a:t> </a:t>
-            </a:r>
-            <a:r>
-              <a:rPr lang="ru-RU" dirty="0" smtClean="0">
-                <a:solidFill>
-                  <a:schemeClr val="bg1"/>
-                </a:solidFill>
-              </a:rPr>
-              <a:t>адреса и порта. Для клиента пароль зависит от введенного логина.</a:t>
-            </a:r>
-          </a:p>
-          <a:p>
-            <a:r>
-              <a:rPr lang="ru-RU" dirty="0" smtClean="0">
-                <a:solidFill>
-                  <a:schemeClr val="bg1"/>
-                </a:solidFill>
-              </a:rPr>
-              <a:t>	Алгоритм создания пароля довольно сложен, именно из-за этого подобрать пароль не зная точного алгоритма его создания практически невозможно.</a:t>
-            </a:r>
-            <a:endParaRPr lang="en-US" dirty="0" smtClean="0">
-              <a:solidFill>
-                <a:schemeClr val="bg1"/>
-              </a:solidFill>
-            </a:endParaRPr>
-          </a:p>
-          <a:p>
-            <a:r>
-              <a:rPr lang="en-US" dirty="0" smtClean="0">
-                <a:solidFill>
-                  <a:schemeClr val="bg1"/>
-                </a:solidFill>
-              </a:rPr>
-              <a:t>	</a:t>
-            </a:r>
-            <a:endParaRPr lang="ru-RU" dirty="0" smtClean="0">
-              <a:solidFill>
-                <a:schemeClr val="bg1"/>
-              </a:solidFill>
-            </a:endParaRPr>
-          </a:p>
-          <a:p>
-            <a:r>
-              <a:rPr lang="ru-RU" dirty="0" smtClean="0">
-                <a:solidFill>
-                  <a:schemeClr val="bg1"/>
-                </a:solidFill>
-              </a:rPr>
-              <a:t>	</a:t>
-            </a:r>
-          </a:p>
-          <a:p>
-            <a:endParaRPr lang="ru-RU" dirty="0">
-              <a:solidFill>
-                <a:schemeClr val="bg1"/>
-              </a:solidFill>
-            </a:endParaRPr>
-          </a:p>
-        </p:txBody>
-      </p:sp>
-      <p:sp>
-        <p:nvSpPr>
-          <p:cNvPr id="12" name="Заголовок 1"/>
-          <p:cNvSpPr>
-            <a:spLocks noGrp="1"/>
-          </p:cNvSpPr>
-          <p:nvPr>
-            <p:ph type="title"/>
-          </p:nvPr>
-        </p:nvSpPr>
-        <p:spPr>
-          <a:xfrm>
-            <a:off x="0" y="0"/>
-            <a:ext cx="9856893" cy="936171"/>
-          </a:xfrm>
-        </p:spPr>
-        <p:txBody>
-          <a:bodyPr>
-            <a:normAutofit/>
-          </a:bodyPr>
-          <a:lstStyle/>
-          <a:p>
-            <a:r>
-              <a:rPr lang="ru-RU" sz="4800" dirty="0" smtClean="0">
-                <a:solidFill>
-                  <a:schemeClr val="bg1"/>
-                </a:solidFill>
-              </a:rPr>
-              <a:t>Защита от копирования</a:t>
-            </a:r>
-            <a:endParaRPr lang="ru-RU" sz="4800" dirty="0">
-              <a:solidFill>
-                <a:schemeClr val="bg1"/>
-              </a:solidFill>
-            </a:endParaRPr>
-          </a:p>
-        </p:txBody>
-      </p:sp>
-      <p:pic>
-        <p:nvPicPr>
-          <p:cNvPr id="3074" name="Picture 2"/>
-          <p:cNvPicPr>
-            <a:picLocks noChangeAspect="1" noChangeArrowheads="1"/>
-          </p:cNvPicPr>
-          <p:nvPr/>
-        </p:nvPicPr>
-        <p:blipFill>
-          <a:blip r:embed="rId2" cstate="print"/>
-          <a:srcRect/>
-          <a:stretch>
-            <a:fillRect/>
-          </a:stretch>
-        </p:blipFill>
-        <p:spPr bwMode="auto">
-          <a:xfrm>
-            <a:off x="5489121" y="4349524"/>
-            <a:ext cx="5825794" cy="679676"/>
-          </a:xfrm>
-          <a:prstGeom prst="rect">
-            <a:avLst/>
-          </a:prstGeom>
-          <a:noFill/>
-          <a:ln w="28575">
-            <a:solidFill>
-              <a:schemeClr val="bg1"/>
-            </a:solidFill>
-            <a:miter lim="800000"/>
-            <a:headEnd/>
-            <a:tailEnd/>
-          </a:ln>
-        </p:spPr>
-      </p:pic>
-      <p:sp>
-        <p:nvSpPr>
-          <p:cNvPr id="10" name="Прямоугольник 9"/>
-          <p:cNvSpPr/>
-          <p:nvPr/>
-        </p:nvSpPr>
-        <p:spPr>
-          <a:xfrm>
-            <a:off x="7469867" y="5181991"/>
-            <a:ext cx="1807098" cy="369332"/>
-          </a:xfrm>
-          <a:prstGeom prst="rect">
-            <a:avLst/>
-          </a:prstGeom>
-        </p:spPr>
-        <p:txBody>
-          <a:bodyPr wrap="none">
-            <a:spAutoFit/>
-          </a:bodyPr>
-          <a:lstStyle/>
-          <a:p>
-            <a:r>
-              <a:rPr lang="ru-RU" dirty="0" smtClean="0">
-                <a:solidFill>
-                  <a:schemeClr val="bg1"/>
-                </a:solidFill>
-              </a:rPr>
-              <a:t>Пример паролей</a:t>
-            </a:r>
-            <a:endParaRPr lang="ru-RU" dirty="0">
-              <a:solidFill>
-                <a:schemeClr val="bg1"/>
-              </a:solidFill>
-            </a:endParaRPr>
+          <p:cNvPr id="2" name="Заголовок 1"/>
+          <p:cNvSpPr>
+            <a:spLocks noGrp="1"/>
+          </p:cNvSpPr>
+          <p:nvPr>
+            <p:ph type="ctrTitle"/>
+          </p:nvPr>
+        </p:nvSpPr>
+        <p:spPr/>
+        <p:txBody>
+          <a:bodyPr/>
+          <a:lstStyle/>
+          <a:p>
+            <a:endParaRPr lang="ru-RU"/>
+          </a:p>
+        </p:txBody>
+      </p:sp>
+      <p:sp>
+        <p:nvSpPr>
+          <p:cNvPr id="3" name="Подзаголовок 2"/>
+          <p:cNvSpPr>
+            <a:spLocks noGrp="1"/>
+          </p:cNvSpPr>
+          <p:nvPr>
+            <p:ph type="subTitle" idx="1"/>
+          </p:nvPr>
+        </p:nvSpPr>
+        <p:spPr/>
+        <p:txBody>
+          <a:bodyPr/>
+          <a:lstStyle/>
+          <a:p>
+            <a:endParaRPr lang="ru-RU"/>
           </a:p>
         </p:txBody>
       </p:sp>
     </p:spTree>
-    <p:extLst>
-      <p:ext uri="{BB962C8B-B14F-4D97-AF65-F5344CB8AC3E}">
-        <p14:creationId xmlns:p14="http://schemas.microsoft.com/office/powerpoint/2010/main" xmlns="" val="1477595779"/>
-      </p:ext>
-    </p:extLst>
   </p:cSld>
   <p:clrMapOvr>
     <a:masterClrMapping/>
   </p:clrMapOvr>
-  <p:timing>
-    <p:tnLst>
-      <p:par>
-        <p:cTn id="1" dur="indefinite" restart="never" nodeType="tmRoot"/>
-      </p:par>
-    </p:tnLst>
-  </p:timing>
 </p:sld>
 </file>
 
@@ -6481,224 +5809,47 @@
       </p:grpSpPr>
       <p:sp>
         <p:nvSpPr>
-          <p:cNvPr id="7" name="Прямоугольник 6"/>
-          <p:cNvSpPr/>
-          <p:nvPr/>
-        </p:nvSpPr>
-        <p:spPr>
-          <a:xfrm>
-            <a:off x="0" y="895669"/>
-            <a:ext cx="6879771" cy="5632311"/>
-          </a:xfrm>
-          <a:prstGeom prst="rect">
-            <a:avLst/>
-          </a:prstGeom>
-        </p:spPr>
-        <p:txBody>
-          <a:bodyPr wrap="square">
-            <a:spAutoFit/>
-          </a:bodyPr>
-          <a:lstStyle/>
-          <a:p>
-            <a:pPr>
-              <a:buNone/>
-            </a:pPr>
-            <a:r>
-              <a:rPr lang="ru-RU" dirty="0" smtClean="0">
-                <a:solidFill>
-                  <a:schemeClr val="bg1"/>
-                </a:solidFill>
-              </a:rPr>
-              <a:t>	</a:t>
-            </a:r>
-            <a:r>
-              <a:rPr lang="en-US" dirty="0" smtClean="0">
-                <a:solidFill>
-                  <a:schemeClr val="bg1"/>
-                </a:solidFill>
-              </a:rPr>
-              <a:t> </a:t>
-            </a:r>
-            <a:r>
-              <a:rPr lang="ru-RU" dirty="0" smtClean="0">
-                <a:solidFill>
-                  <a:schemeClr val="bg1"/>
-                </a:solidFill>
-              </a:rPr>
-              <a:t>Использование дюжины функций для выхода из программы дает неплохую прибавку к усложнению статического анализа. При различных ошибках, будь то неправильный пароль, или изменение целостности программы, выполняется одна функций, отвечающая за выход из программы. Все они имеют одинаковую структуру, но имеют небольшие различия в коде. Отличия нужны для того, чтобы компилятор не упрощал выполнение той или  иной функции, тем самым усложняя процесс статического и динамического анализа. </a:t>
-            </a:r>
-          </a:p>
-          <a:p>
-            <a:r>
-              <a:rPr lang="ru-RU" dirty="0" smtClean="0">
-                <a:solidFill>
-                  <a:schemeClr val="bg1"/>
-                </a:solidFill>
-              </a:rPr>
-              <a:t>	Для запутывания хакера также использовалось неправильное отображение информации о запуске программы. Например выводом сообщения “</a:t>
-            </a:r>
-            <a:r>
-              <a:rPr lang="en-US" dirty="0" smtClean="0">
-                <a:solidFill>
-                  <a:schemeClr val="bg1"/>
-                </a:solidFill>
-              </a:rPr>
-              <a:t>Open server on</a:t>
-            </a:r>
-            <a:r>
-              <a:rPr lang="ru-RU" dirty="0" smtClean="0">
-                <a:solidFill>
-                  <a:schemeClr val="bg1"/>
-                </a:solidFill>
-              </a:rPr>
-              <a:t>”. На самом же деле вся эта функция ведет прямиком к выходу из программы.</a:t>
-            </a:r>
-          </a:p>
-          <a:p>
-            <a:endParaRPr lang="ru-RU" dirty="0" smtClean="0">
-              <a:solidFill>
-                <a:schemeClr val="bg1"/>
-              </a:solidFill>
-            </a:endParaRPr>
-          </a:p>
-          <a:p>
-            <a:r>
-              <a:rPr lang="ru-RU" dirty="0" smtClean="0">
-                <a:solidFill>
-                  <a:schemeClr val="bg1"/>
-                </a:solidFill>
-              </a:rPr>
-              <a:t>	Взломщик, даже если и обнаружит участок кода, который отвечает за закрытие приложения, всё равно не сможет добиться работоспособности чата. На протяжении всей программы абсолютно все способы защиты проверяются по два, а то и по три раза. Это явно создаст проблему для взломщика ПО.</a:t>
-            </a:r>
-          </a:p>
-          <a:p>
-            <a:endParaRPr lang="ru-RU" dirty="0" smtClean="0">
-              <a:solidFill>
-                <a:schemeClr val="bg1"/>
-              </a:solidFill>
-            </a:endParaRPr>
-          </a:p>
-        </p:txBody>
-      </p:sp>
-      <p:sp>
-        <p:nvSpPr>
-          <p:cNvPr id="12" name="Заголовок 1"/>
-          <p:cNvSpPr>
-            <a:spLocks noGrp="1"/>
-          </p:cNvSpPr>
-          <p:nvPr>
-            <p:ph type="title"/>
-          </p:nvPr>
-        </p:nvSpPr>
-        <p:spPr>
-          <a:xfrm>
-            <a:off x="0" y="1"/>
-            <a:ext cx="9856893" cy="979714"/>
-          </a:xfrm>
-        </p:spPr>
-        <p:txBody>
-          <a:bodyPr>
-            <a:normAutofit/>
-          </a:bodyPr>
-          <a:lstStyle/>
-          <a:p>
-            <a:r>
-              <a:rPr lang="ru-RU" sz="4800" dirty="0" smtClean="0">
-                <a:solidFill>
-                  <a:schemeClr val="bg1"/>
-                </a:solidFill>
-              </a:rPr>
-              <a:t>Защита от статического анализа</a:t>
-            </a:r>
-            <a:endParaRPr lang="ru-RU" sz="4800" dirty="0">
-              <a:solidFill>
-                <a:schemeClr val="bg1"/>
-              </a:solidFill>
-            </a:endParaRPr>
-          </a:p>
-        </p:txBody>
-      </p:sp>
-      <p:pic>
-        <p:nvPicPr>
-          <p:cNvPr id="10" name="Рисунок 9"/>
-          <p:cNvPicPr/>
-          <p:nvPr/>
-        </p:nvPicPr>
-        <p:blipFill>
-          <a:blip r:embed="rId2" cstate="print"/>
-          <a:srcRect/>
-          <a:stretch>
-            <a:fillRect/>
-          </a:stretch>
-        </p:blipFill>
-        <p:spPr bwMode="auto">
-          <a:xfrm>
-            <a:off x="10167983" y="1051955"/>
-            <a:ext cx="1906503" cy="4116945"/>
-          </a:xfrm>
-          <a:prstGeom prst="rect">
-            <a:avLst/>
-          </a:prstGeom>
-          <a:noFill/>
-          <a:ln w="28575">
-            <a:solidFill>
-              <a:schemeClr val="bg1"/>
-            </a:solidFill>
-            <a:miter lim="800000"/>
-            <a:headEnd/>
-            <a:tailEnd/>
-          </a:ln>
-        </p:spPr>
-      </p:pic>
-      <p:pic>
-        <p:nvPicPr>
-          <p:cNvPr id="11" name="Рисунок 10"/>
-          <p:cNvPicPr/>
-          <p:nvPr/>
-        </p:nvPicPr>
-        <p:blipFill>
-          <a:blip r:embed="rId3" cstate="print"/>
-          <a:srcRect/>
-          <a:stretch>
-            <a:fillRect/>
-          </a:stretch>
-        </p:blipFill>
-        <p:spPr bwMode="auto">
-          <a:xfrm>
-            <a:off x="7102975" y="1070290"/>
-            <a:ext cx="2998968" cy="3889959"/>
-          </a:xfrm>
-          <a:prstGeom prst="rect">
-            <a:avLst/>
-          </a:prstGeom>
-          <a:noFill/>
-          <a:ln w="28575">
-            <a:solidFill>
-              <a:schemeClr val="bg1"/>
-            </a:solidFill>
-            <a:miter lim="800000"/>
-            <a:headEnd/>
-            <a:tailEnd/>
-          </a:ln>
-        </p:spPr>
-      </p:pic>
+          <p:cNvPr id="2" name="Заголовок 1"/>
+          <p:cNvSpPr>
+            <a:spLocks noGrp="1"/>
+          </p:cNvSpPr>
+          <p:nvPr>
+            <p:ph type="ctrTitle"/>
+          </p:nvPr>
+        </p:nvSpPr>
+        <p:spPr/>
+        <p:txBody>
+          <a:bodyPr/>
+          <a:lstStyle/>
+          <a:p>
+            <a:endParaRPr lang="ru-RU"/>
+          </a:p>
+        </p:txBody>
+      </p:sp>
+      <p:sp>
+        <p:nvSpPr>
+          <p:cNvPr id="3" name="Подзаголовок 2"/>
+          <p:cNvSpPr>
+            <a:spLocks noGrp="1"/>
+          </p:cNvSpPr>
+          <p:nvPr>
+            <p:ph type="subTitle" idx="1"/>
+          </p:nvPr>
+        </p:nvSpPr>
+        <p:spPr/>
+        <p:txBody>
+          <a:bodyPr/>
+          <a:lstStyle/>
+          <a:p>
+            <a:endParaRPr lang="ru-RU"/>
+          </a:p>
+        </p:txBody>
+      </p:sp>
     </p:spTree>
-    <p:extLst>
-      <p:ext uri="{BB962C8B-B14F-4D97-AF65-F5344CB8AC3E}">
-        <p14:creationId xmlns:p14="http://schemas.microsoft.com/office/powerpoint/2010/main" xmlns="" val="1477595779"/>
-      </p:ext>
-    </p:extLst>
   </p:cSld>
   <p:clrMapOvr>
     <a:masterClrMapping/>
   </p:clrMapOvr>
-  <p:timing>
-    <p:tnLst>
-      <p:par>
-        <p:cTn id="1" dur="indefinite" restart="never" nodeType="tmRoot"/>
-      </p:par>
-    </p:tnLst>
-  </p:timing>
 </p:sld>
 </file>
 
@@ -6721,406 +5872,47 @@
       </p:grpSpPr>
       <p:sp>
         <p:nvSpPr>
-          <p:cNvPr id="10" name="Прямоугольник 9"/>
-          <p:cNvSpPr/>
-          <p:nvPr/>
-        </p:nvSpPr>
-        <p:spPr>
-          <a:xfrm>
-            <a:off x="250182" y="1175657"/>
-            <a:ext cx="9176847" cy="3416320"/>
-          </a:xfrm>
-          <a:prstGeom prst="rect">
-            <a:avLst/>
-          </a:prstGeom>
-        </p:spPr>
-        <p:txBody>
-          <a:bodyPr wrap="square">
-            <a:spAutoFit/>
-          </a:bodyPr>
-          <a:lstStyle/>
-          <a:p>
-            <a:pPr>
-              <a:buNone/>
-            </a:pPr>
-            <a:r>
-              <a:rPr lang="ru-RU" dirty="0" smtClean="0">
-                <a:solidFill>
-                  <a:schemeClr val="bg1"/>
-                </a:solidFill>
-              </a:rPr>
-              <a:t>	Использование </a:t>
-            </a:r>
-            <a:r>
-              <a:rPr lang="en-US" dirty="0" smtClean="0">
-                <a:solidFill>
-                  <a:schemeClr val="bg1"/>
-                </a:solidFill>
-              </a:rPr>
-              <a:t>hash </a:t>
-            </a:r>
-            <a:r>
-              <a:rPr lang="ru-RU" dirty="0" smtClean="0">
-                <a:solidFill>
-                  <a:schemeClr val="bg1"/>
-                </a:solidFill>
-              </a:rPr>
-              <a:t>пароля усложняет процесс динамического анализа. У клиента, введенный в текстовый файл пароль, отправляется на сервер, переводится в </a:t>
-            </a:r>
-            <a:r>
-              <a:rPr lang="en-US" dirty="0" smtClean="0">
-                <a:solidFill>
-                  <a:schemeClr val="bg1"/>
-                </a:solidFill>
-              </a:rPr>
-              <a:t>hash</a:t>
-            </a:r>
-            <a:r>
-              <a:rPr lang="ru-RU" dirty="0" smtClean="0">
-                <a:solidFill>
-                  <a:schemeClr val="bg1"/>
-                </a:solidFill>
-              </a:rPr>
-              <a:t> и сверяется, подходит ли он под критерии. </a:t>
-            </a:r>
-            <a:r>
-              <a:rPr lang="en-US" dirty="0" smtClean="0">
-                <a:solidFill>
-                  <a:schemeClr val="bg1"/>
-                </a:solidFill>
-              </a:rPr>
-              <a:t>Hash</a:t>
-            </a:r>
-            <a:r>
-              <a:rPr lang="ru-RU" dirty="0" smtClean="0">
-                <a:solidFill>
-                  <a:schemeClr val="bg1"/>
-                </a:solidFill>
-              </a:rPr>
-              <a:t> создается на основе логина пользователя. Сам алгоритм берет поочередно каждую букву </a:t>
-            </a:r>
-            <a:r>
-              <a:rPr lang="ru-RU" dirty="0" err="1" smtClean="0">
-                <a:solidFill>
-                  <a:schemeClr val="bg1"/>
-                </a:solidFill>
-              </a:rPr>
-              <a:t>логина+логина</a:t>
-            </a:r>
-            <a:r>
-              <a:rPr lang="ru-RU" dirty="0" smtClean="0">
-                <a:solidFill>
-                  <a:schemeClr val="bg1"/>
-                </a:solidFill>
-              </a:rPr>
-              <a:t>, преобразует его в </a:t>
-            </a:r>
-            <a:r>
-              <a:rPr lang="en-US" dirty="0" smtClean="0">
-                <a:solidFill>
-                  <a:schemeClr val="bg1"/>
-                </a:solidFill>
-              </a:rPr>
-              <a:t>ASCII</a:t>
-            </a:r>
-            <a:r>
-              <a:rPr lang="ru-RU" dirty="0" smtClean="0">
-                <a:solidFill>
-                  <a:schemeClr val="bg1"/>
-                </a:solidFill>
-              </a:rPr>
-              <a:t>, а затем умножает на одно из простых чисел массива. К конечному результату добавляется фиксированное число, созданное тем же алгоритмом, оно нужно для усложнения </a:t>
-            </a:r>
-            <a:r>
-              <a:rPr lang="en-US" dirty="0" smtClean="0">
-                <a:solidFill>
-                  <a:schemeClr val="bg1"/>
-                </a:solidFill>
-              </a:rPr>
-              <a:t>hash</a:t>
-            </a:r>
-            <a:r>
-              <a:rPr lang="ru-RU" dirty="0" smtClean="0">
-                <a:solidFill>
-                  <a:schemeClr val="bg1"/>
-                </a:solidFill>
-              </a:rPr>
-              <a:t> суммы. Серверный пароль преобразуется в </a:t>
-            </a:r>
-            <a:r>
-              <a:rPr lang="en-US" dirty="0" smtClean="0">
-                <a:solidFill>
-                  <a:schemeClr val="bg1"/>
-                </a:solidFill>
-              </a:rPr>
-              <a:t>hash </a:t>
-            </a:r>
-            <a:r>
-              <a:rPr lang="ru-RU" dirty="0" smtClean="0">
-                <a:solidFill>
-                  <a:schemeClr val="bg1"/>
-                </a:solidFill>
-              </a:rPr>
-              <a:t>по тому же принципу, но вместо логина используется </a:t>
-            </a:r>
-            <a:r>
-              <a:rPr lang="en-US" dirty="0" err="1" smtClean="0">
-                <a:solidFill>
-                  <a:schemeClr val="bg1"/>
-                </a:solidFill>
-              </a:rPr>
-              <a:t>ip+port+ip</a:t>
-            </a:r>
-            <a:r>
-              <a:rPr lang="en-US" dirty="0" smtClean="0">
-                <a:solidFill>
-                  <a:schemeClr val="bg1"/>
-                </a:solidFill>
-              </a:rPr>
-              <a:t> </a:t>
-            </a:r>
-            <a:r>
-              <a:rPr lang="ru-RU" dirty="0" smtClean="0">
-                <a:solidFill>
-                  <a:schemeClr val="bg1"/>
-                </a:solidFill>
-              </a:rPr>
-              <a:t>добавляется другое фиксированное число.</a:t>
-            </a:r>
-          </a:p>
-          <a:p>
-            <a:pPr>
-              <a:buNone/>
-            </a:pPr>
-            <a:endParaRPr lang="ru-RU" dirty="0" smtClean="0">
-              <a:solidFill>
-                <a:schemeClr val="bg1"/>
-              </a:solidFill>
-            </a:endParaRPr>
-          </a:p>
-          <a:p>
-            <a:pPr>
-              <a:buNone/>
-            </a:pPr>
-            <a:r>
-              <a:rPr lang="ru-RU" dirty="0" smtClean="0">
-                <a:solidFill>
-                  <a:schemeClr val="bg1"/>
-                </a:solidFill>
-              </a:rPr>
-              <a:t>	Программы дизассемблирования – основная угроза для приложения, именно поэтому  была создана функция, которая проверяет, запущена ли та или иная программа дизассемблера. Если да, то приложение завершает работу.</a:t>
-            </a:r>
-          </a:p>
-        </p:txBody>
-      </p:sp>
-      <p:sp>
-        <p:nvSpPr>
-          <p:cNvPr id="8" name="Заголовок 1"/>
-          <p:cNvSpPr txBox="1">
-            <a:spLocks/>
-          </p:cNvSpPr>
-          <p:nvPr/>
-        </p:nvSpPr>
-        <p:spPr>
-          <a:xfrm>
-            <a:off x="0" y="1"/>
-            <a:ext cx="10276114" cy="979714"/>
-          </a:xfrm>
-          <a:prstGeom prst="rect">
-            <a:avLst/>
-          </a:prstGeom>
-        </p:spPr>
-        <p:txBody>
-          <a:bodyPr vert="horz" lIns="45720" rIns="45720" anchor="ctr">
-            <a:noAutofit/>
-          </a:bodyPr>
-          <a:lstStyle/>
-          <a:p>
-            <a:pPr marL="0" marR="0" lvl="0" indent="0" algn="l" defTabSz="914400" rtl="0" eaLnBrk="1" fontAlgn="auto" latinLnBrk="0" hangingPunct="1">
-              <a:lnSpc>
-                <a:spcPct val="100000"/>
-              </a:lnSpc>
-              <a:spcBef>
-                <a:spcPct val="0"/>
-              </a:spcBef>
-              <a:spcAft>
-                <a:spcPts val="0"/>
-              </a:spcAft>
-              <a:buClrTx/>
-              <a:buSzTx/>
-              <a:buFontTx/>
-              <a:buNone/>
-              <a:tabLst/>
-              <a:defRPr/>
-            </a:pPr>
-            <a:r>
-              <a:rPr kumimoji="0" lang="ru-RU" sz="4800" b="0" i="0" u="none" strike="noStrike" kern="1200" cap="none" spc="0" normalizeH="0" baseline="0" noProof="0" dirty="0" smtClean="0">
-                <a:ln>
-                  <a:noFill/>
-                </a:ln>
-                <a:solidFill>
-                  <a:schemeClr val="bg1"/>
-                </a:solidFill>
-                <a:effectLst/>
-                <a:uLnTx/>
-                <a:uFillTx/>
-                <a:latin typeface="+mj-lt"/>
-                <a:ea typeface="+mj-ea"/>
-                <a:cs typeface="+mj-cs"/>
-              </a:rPr>
-              <a:t>Защита от динамического анализа</a:t>
-            </a:r>
-            <a:endParaRPr kumimoji="0" lang="ru-RU" sz="4800" b="0" i="0" u="none" strike="noStrike" kern="1200" cap="none" spc="0" normalizeH="0" baseline="0" noProof="0" dirty="0">
-              <a:ln>
-                <a:noFill/>
-              </a:ln>
-              <a:solidFill>
-                <a:schemeClr val="bg1"/>
-              </a:solidFill>
-              <a:effectLst/>
-              <a:uLnTx/>
-              <a:uFillTx/>
-              <a:latin typeface="+mj-lt"/>
-              <a:ea typeface="+mj-ea"/>
-              <a:cs typeface="+mj-cs"/>
-            </a:endParaRPr>
-          </a:p>
-        </p:txBody>
-      </p:sp>
-      <p:pic>
-        <p:nvPicPr>
-          <p:cNvPr id="11" name="Рисунок 10"/>
-          <p:cNvPicPr/>
-          <p:nvPr/>
-        </p:nvPicPr>
-        <p:blipFill>
-          <a:blip r:embed="rId2" cstate="print"/>
-          <a:srcRect/>
-          <a:stretch>
-            <a:fillRect/>
-          </a:stretch>
-        </p:blipFill>
-        <p:spPr bwMode="auto">
-          <a:xfrm>
-            <a:off x="9501868" y="1655619"/>
-            <a:ext cx="2335191" cy="1740723"/>
-          </a:xfrm>
-          <a:prstGeom prst="rect">
-            <a:avLst/>
-          </a:prstGeom>
-          <a:noFill/>
-          <a:ln w="28575">
-            <a:solidFill>
-              <a:schemeClr val="bg1"/>
-            </a:solidFill>
-            <a:miter lim="800000"/>
-            <a:headEnd/>
-            <a:tailEnd/>
-          </a:ln>
-        </p:spPr>
-      </p:pic>
-      <p:pic>
-        <p:nvPicPr>
-          <p:cNvPr id="13" name="Рисунок 12"/>
-          <p:cNvPicPr/>
-          <p:nvPr/>
-        </p:nvPicPr>
-        <p:blipFill>
-          <a:blip r:embed="rId3" cstate="print"/>
-          <a:srcRect/>
-          <a:stretch>
-            <a:fillRect/>
-          </a:stretch>
-        </p:blipFill>
-        <p:spPr bwMode="auto">
-          <a:xfrm>
-            <a:off x="7968162" y="5161189"/>
-            <a:ext cx="3636010" cy="1266185"/>
-          </a:xfrm>
-          <a:prstGeom prst="rect">
-            <a:avLst/>
-          </a:prstGeom>
-          <a:noFill/>
-          <a:ln w="28575">
-            <a:solidFill>
-              <a:schemeClr val="bg1"/>
-            </a:solidFill>
-            <a:miter lim="800000"/>
-            <a:headEnd/>
-            <a:tailEnd/>
-          </a:ln>
-        </p:spPr>
-      </p:pic>
-      <p:sp>
-        <p:nvSpPr>
-          <p:cNvPr id="14" name="Прямоугольник 13"/>
-          <p:cNvSpPr/>
-          <p:nvPr/>
-        </p:nvSpPr>
-        <p:spPr>
-          <a:xfrm>
-            <a:off x="283028" y="5136608"/>
-            <a:ext cx="7598229" cy="1200329"/>
-          </a:xfrm>
-          <a:prstGeom prst="rect">
-            <a:avLst/>
-          </a:prstGeom>
-        </p:spPr>
-        <p:txBody>
-          <a:bodyPr wrap="square">
-            <a:spAutoFit/>
-          </a:bodyPr>
-          <a:lstStyle/>
-          <a:p>
-            <a:r>
-              <a:rPr lang="ru-RU" dirty="0" smtClean="0">
-                <a:solidFill>
-                  <a:schemeClr val="bg1"/>
-                </a:solidFill>
-              </a:rPr>
-              <a:t>	Любое проявление динамического анализа контролируется таймерами на всём участке кода. Все таймеры в коде взяты с запасом для того, чтобы </a:t>
-            </a:r>
-            <a:r>
-              <a:rPr lang="ru-RU" dirty="0" err="1" smtClean="0">
-                <a:solidFill>
-                  <a:schemeClr val="bg1"/>
-                </a:solidFill>
-              </a:rPr>
-              <a:t>слабопроизводительные</a:t>
-            </a:r>
-            <a:r>
-              <a:rPr lang="ru-RU" dirty="0" smtClean="0">
-                <a:solidFill>
-                  <a:schemeClr val="bg1"/>
-                </a:solidFill>
-              </a:rPr>
-              <a:t> компьютеры не вызывали ложного срабатывания таймера. </a:t>
-            </a:r>
-            <a:endParaRPr lang="ru-RU" dirty="0">
-              <a:solidFill>
-                <a:schemeClr val="bg1"/>
-              </a:solidFill>
-            </a:endParaRPr>
+          <p:cNvPr id="2" name="Заголовок 1"/>
+          <p:cNvSpPr>
+            <a:spLocks noGrp="1"/>
+          </p:cNvSpPr>
+          <p:nvPr>
+            <p:ph type="ctrTitle"/>
+          </p:nvPr>
+        </p:nvSpPr>
+        <p:spPr/>
+        <p:txBody>
+          <a:bodyPr/>
+          <a:lstStyle/>
+          <a:p>
+            <a:endParaRPr lang="ru-RU"/>
+          </a:p>
+        </p:txBody>
+      </p:sp>
+      <p:sp>
+        <p:nvSpPr>
+          <p:cNvPr id="3" name="Подзаголовок 2"/>
+          <p:cNvSpPr>
+            <a:spLocks noGrp="1"/>
+          </p:cNvSpPr>
+          <p:nvPr>
+            <p:ph type="subTitle" idx="1"/>
+          </p:nvPr>
+        </p:nvSpPr>
+        <p:spPr/>
+        <p:txBody>
+          <a:bodyPr/>
+          <a:lstStyle/>
+          <a:p>
+            <a:endParaRPr lang="ru-RU"/>
           </a:p>
         </p:txBody>
       </p:sp>
     </p:spTree>
-    <p:extLst>
-      <p:ext uri="{BB962C8B-B14F-4D97-AF65-F5344CB8AC3E}">
-        <p14:creationId xmlns:p14="http://schemas.microsoft.com/office/powerpoint/2010/main" xmlns="" val="1186865994"/>
-      </p:ext>
-    </p:extLst>
   </p:cSld>
   <p:clrMapOvr>
     <a:masterClrMapping/>
   </p:clrMapOvr>
-  <p:timing>
-    <p:tnLst>
-      <p:par>
-        <p:cTn id="1" dur="indefinite" restart="never" nodeType="tmRoot"/>
-      </p:par>
-    </p:tnLst>
-  </p:timing>
 </p:sld>
 </file>
 
@@ -7148,511 +5940,42 @@
             <a:spLocks noGrp="1"/>
           </p:cNvSpPr>
           <p:nvPr>
-            <p:ph type="title"/>
-          </p:nvPr>
-        </p:nvSpPr>
-        <p:spPr>
-          <a:xfrm>
-            <a:off x="0" y="0"/>
-            <a:ext cx="10515600" cy="1066800"/>
-          </a:xfrm>
-        </p:spPr>
-        <p:txBody>
-          <a:bodyPr>
-            <a:noAutofit/>
-          </a:bodyPr>
-          <a:lstStyle/>
-          <a:p>
-            <a:r>
-              <a:rPr lang="ru-RU" sz="4800" dirty="0" smtClean="0">
-                <a:solidFill>
-                  <a:schemeClr val="bg1"/>
-                </a:solidFill>
-              </a:rPr>
-              <a:t>Контроль целостности файла</a:t>
-            </a:r>
-            <a:endParaRPr lang="ru-RU" sz="4800" dirty="0">
-              <a:solidFill>
-                <a:schemeClr val="bg1"/>
-              </a:solidFill>
-            </a:endParaRPr>
-          </a:p>
-        </p:txBody>
-      </p:sp>
-      <p:sp>
-        <p:nvSpPr>
-          <p:cNvPr id="3" name="Объект 2"/>
-          <p:cNvSpPr>
-            <a:spLocks noGrp="1"/>
-          </p:cNvSpPr>
-          <p:nvPr>
-            <p:ph idx="1"/>
-          </p:nvPr>
-        </p:nvSpPr>
-        <p:spPr>
-          <a:xfrm>
-            <a:off x="419100" y="1301750"/>
-            <a:ext cx="11277600" cy="3060700"/>
-          </a:xfrm>
-        </p:spPr>
-        <p:txBody>
-          <a:bodyPr>
-            <a:noAutofit/>
-          </a:bodyPr>
-          <a:lstStyle/>
-          <a:p>
-            <a:pPr>
-              <a:buNone/>
-            </a:pPr>
-            <a:r>
-              <a:rPr lang="en-US" sz="1800" dirty="0" smtClean="0">
-                <a:solidFill>
-                  <a:schemeClr val="bg1"/>
-                </a:solidFill>
-              </a:rPr>
-              <a:t>	</a:t>
-            </a:r>
-            <a:r>
-              <a:rPr lang="ru-RU" sz="1800" dirty="0" smtClean="0">
-                <a:solidFill>
-                  <a:schemeClr val="bg1"/>
-                </a:solidFill>
-              </a:rPr>
-              <a:t>Реализация контроля целостности осуществляется вне основной программы. При запуске программы (сервера или клиента) она даёт команду другой программе, которая в целях усложнения её обнаружения замаскирована под базу данных (</a:t>
-            </a:r>
-            <a:r>
-              <a:rPr lang="en-US" sz="1800" dirty="0" smtClean="0">
-                <a:solidFill>
-                  <a:schemeClr val="bg1"/>
-                </a:solidFill>
-              </a:rPr>
-              <a:t>database</a:t>
-            </a:r>
-            <a:r>
-              <a:rPr lang="ru-RU" sz="1800" dirty="0" smtClean="0">
-                <a:solidFill>
-                  <a:schemeClr val="bg1"/>
-                </a:solidFill>
-              </a:rPr>
-              <a:t>.</a:t>
-            </a:r>
-            <a:r>
-              <a:rPr lang="en-US" sz="1800" dirty="0" err="1" smtClean="0">
-                <a:solidFill>
-                  <a:schemeClr val="bg1"/>
-                </a:solidFill>
-              </a:rPr>
-              <a:t>rar</a:t>
-            </a:r>
-            <a:r>
-              <a:rPr lang="ru-RU" sz="1800" dirty="0" smtClean="0">
-                <a:solidFill>
-                  <a:schemeClr val="bg1"/>
-                </a:solidFill>
-              </a:rPr>
-              <a:t>), на запуск. Проверка целостности проходит в несколько этапов</a:t>
-            </a:r>
-            <a:r>
-              <a:rPr lang="en-US" sz="1800" dirty="0" smtClean="0">
-                <a:solidFill>
-                  <a:schemeClr val="bg1"/>
-                </a:solidFill>
-              </a:rPr>
-              <a:t>:</a:t>
-            </a:r>
-            <a:r>
-              <a:rPr lang="ru-RU" sz="1800" dirty="0" smtClean="0">
-                <a:solidFill>
-                  <a:schemeClr val="bg1"/>
-                </a:solidFill>
-              </a:rPr>
-              <a:t> </a:t>
-            </a:r>
-          </a:p>
-          <a:p>
-            <a:pPr>
-              <a:buNone/>
-            </a:pPr>
-            <a:r>
-              <a:rPr lang="ru-RU" sz="1800" dirty="0" smtClean="0">
-                <a:solidFill>
-                  <a:schemeClr val="bg1"/>
-                </a:solidFill>
-              </a:rPr>
-              <a:t>		Первый этап – переименование </a:t>
-            </a:r>
-            <a:r>
-              <a:rPr lang="en-US" sz="1800" dirty="0" smtClean="0">
-                <a:solidFill>
-                  <a:schemeClr val="bg1"/>
-                </a:solidFill>
-              </a:rPr>
-              <a:t>database.rar </a:t>
-            </a:r>
-            <a:r>
-              <a:rPr lang="ru-RU" sz="1800" dirty="0" smtClean="0">
-                <a:solidFill>
-                  <a:schemeClr val="bg1"/>
-                </a:solidFill>
-              </a:rPr>
-              <a:t>в </a:t>
-            </a:r>
-            <a:r>
-              <a:rPr lang="en-US" sz="1800" dirty="0" smtClean="0">
-                <a:solidFill>
-                  <a:schemeClr val="bg1"/>
-                </a:solidFill>
-              </a:rPr>
-              <a:t>temp.exe</a:t>
-            </a:r>
-            <a:r>
-              <a:rPr lang="ru-RU" sz="1800" dirty="0" smtClean="0">
-                <a:solidFill>
-                  <a:schemeClr val="bg1"/>
-                </a:solidFill>
-              </a:rPr>
-              <a:t> и его запуск.</a:t>
-            </a:r>
-            <a:endParaRPr lang="en-US" sz="1800" dirty="0" smtClean="0">
-              <a:solidFill>
-                <a:schemeClr val="bg1"/>
-              </a:solidFill>
-            </a:endParaRPr>
-          </a:p>
-          <a:p>
-            <a:pPr>
-              <a:buNone/>
-            </a:pPr>
-            <a:r>
-              <a:rPr lang="en-US" sz="1800" dirty="0" smtClean="0">
-                <a:solidFill>
-                  <a:schemeClr val="bg1"/>
-                </a:solidFill>
-              </a:rPr>
-              <a:t>		</a:t>
-            </a:r>
-            <a:r>
-              <a:rPr lang="ru-RU" sz="1800" dirty="0" smtClean="0">
-                <a:solidFill>
-                  <a:schemeClr val="bg1"/>
-                </a:solidFill>
-              </a:rPr>
-              <a:t>Второй этап – нахождение всех присутствующих дисков на используемом компьютере.</a:t>
-            </a:r>
-            <a:endParaRPr lang="en-US" sz="1800" dirty="0" smtClean="0">
-              <a:solidFill>
-                <a:schemeClr val="bg1"/>
-              </a:solidFill>
-            </a:endParaRPr>
-          </a:p>
-          <a:p>
-            <a:pPr>
-              <a:buNone/>
-            </a:pPr>
-            <a:r>
-              <a:rPr lang="en-US" sz="1800" dirty="0" smtClean="0">
-                <a:solidFill>
-                  <a:schemeClr val="bg1"/>
-                </a:solidFill>
-              </a:rPr>
-              <a:t>		</a:t>
-            </a:r>
-            <a:r>
-              <a:rPr lang="ru-RU" sz="1800" dirty="0" smtClean="0">
-                <a:solidFill>
-                  <a:schemeClr val="bg1"/>
-                </a:solidFill>
-              </a:rPr>
-              <a:t>Третий этап – запись </a:t>
-            </a:r>
-            <a:r>
-              <a:rPr lang="en-US" sz="1800" dirty="0" smtClean="0">
-                <a:solidFill>
-                  <a:schemeClr val="bg1"/>
-                </a:solidFill>
-              </a:rPr>
-              <a:t>hash</a:t>
-            </a:r>
-            <a:r>
-              <a:rPr lang="ru-RU" sz="1800" dirty="0" smtClean="0">
-                <a:solidFill>
-                  <a:schemeClr val="bg1"/>
-                </a:solidFill>
-              </a:rPr>
-              <a:t> на первый доступный в системе диск, в папку </a:t>
-            </a:r>
-            <a:r>
-              <a:rPr lang="en-US" sz="1800" dirty="0" smtClean="0">
-                <a:solidFill>
-                  <a:schemeClr val="bg1"/>
-                </a:solidFill>
-              </a:rPr>
-              <a:t>temp</a:t>
-            </a:r>
-            <a:r>
-              <a:rPr lang="ru-RU" sz="1800" dirty="0" smtClean="0">
-                <a:solidFill>
-                  <a:schemeClr val="bg1"/>
-                </a:solidFill>
-              </a:rPr>
-              <a:t>, файла </a:t>
-            </a:r>
-            <a:r>
-              <a:rPr lang="en-US" sz="1800" dirty="0" smtClean="0">
-                <a:solidFill>
-                  <a:schemeClr val="bg1"/>
-                </a:solidFill>
-              </a:rPr>
-              <a:t>ultra</a:t>
-            </a:r>
-            <a:r>
-              <a:rPr lang="ru-RU" sz="1800" dirty="0" smtClean="0">
-                <a:solidFill>
-                  <a:schemeClr val="bg1"/>
-                </a:solidFill>
-              </a:rPr>
-              <a:t>.</a:t>
-            </a:r>
-            <a:r>
-              <a:rPr lang="en-US" sz="1800" dirty="0" err="1" smtClean="0">
-                <a:solidFill>
-                  <a:schemeClr val="bg1"/>
-                </a:solidFill>
-              </a:rPr>
-              <a:t>dll</a:t>
-            </a:r>
-            <a:r>
-              <a:rPr lang="ru-RU" sz="1800" dirty="0" smtClean="0">
-                <a:solidFill>
-                  <a:schemeClr val="bg1"/>
-                </a:solidFill>
-              </a:rPr>
-              <a:t>.</a:t>
-            </a:r>
-            <a:endParaRPr lang="en-US" sz="1800" dirty="0" smtClean="0">
-              <a:solidFill>
-                <a:schemeClr val="bg1"/>
-              </a:solidFill>
-            </a:endParaRPr>
-          </a:p>
-          <a:p>
-            <a:pPr>
-              <a:buNone/>
-            </a:pPr>
-            <a:r>
-              <a:rPr lang="en-US" sz="1800" dirty="0" smtClean="0">
-                <a:solidFill>
-                  <a:schemeClr val="bg1"/>
-                </a:solidFill>
-              </a:rPr>
-              <a:t>		</a:t>
-            </a:r>
-            <a:r>
-              <a:rPr lang="ru-RU" sz="1800" dirty="0" smtClean="0">
-                <a:solidFill>
-                  <a:schemeClr val="bg1"/>
-                </a:solidFill>
-              </a:rPr>
-              <a:t>Четвертый этап – удаление файла </a:t>
-            </a:r>
-            <a:r>
-              <a:rPr lang="en-US" sz="1800" dirty="0" smtClean="0">
-                <a:solidFill>
-                  <a:schemeClr val="bg1"/>
-                </a:solidFill>
-              </a:rPr>
-              <a:t>ultra.dll, </a:t>
-            </a:r>
-            <a:r>
-              <a:rPr lang="ru-RU" sz="1800" dirty="0" smtClean="0">
-                <a:solidFill>
-                  <a:schemeClr val="bg1"/>
-                </a:solidFill>
-              </a:rPr>
-              <a:t>закрытие программы</a:t>
-            </a:r>
-            <a:r>
-              <a:rPr lang="en-US" sz="1800" dirty="0" smtClean="0">
-                <a:solidFill>
-                  <a:schemeClr val="bg1"/>
-                </a:solidFill>
-              </a:rPr>
-              <a:t>, </a:t>
-            </a:r>
-            <a:r>
-              <a:rPr lang="ru-RU" sz="1800" dirty="0" smtClean="0">
-                <a:solidFill>
-                  <a:schemeClr val="bg1"/>
-                </a:solidFill>
-              </a:rPr>
-              <a:t>переименование программы подсчитывающей </a:t>
-            </a:r>
-            <a:r>
-              <a:rPr lang="en-US" sz="1800" dirty="0" smtClean="0">
-                <a:solidFill>
-                  <a:schemeClr val="bg1"/>
-                </a:solidFill>
-              </a:rPr>
-              <a:t>hash </a:t>
-            </a:r>
-            <a:r>
-              <a:rPr lang="ru-RU" sz="1800" dirty="0" smtClean="0">
-                <a:solidFill>
-                  <a:schemeClr val="bg1"/>
-                </a:solidFill>
-              </a:rPr>
-              <a:t>в </a:t>
-            </a:r>
-            <a:r>
-              <a:rPr lang="en-US" sz="1800" dirty="0" smtClean="0">
-                <a:solidFill>
-                  <a:schemeClr val="bg1"/>
-                </a:solidFill>
-              </a:rPr>
-              <a:t>database.rar</a:t>
-            </a:r>
-            <a:endParaRPr lang="ru-RU" sz="1800" dirty="0" smtClean="0">
-              <a:solidFill>
-                <a:schemeClr val="bg1"/>
-              </a:solidFill>
-            </a:endParaRPr>
-          </a:p>
-          <a:p>
-            <a:pPr>
-              <a:buNone/>
-            </a:pPr>
-            <a:endParaRPr lang="ru-RU" sz="1800" dirty="0" smtClean="0">
-              <a:solidFill>
-                <a:schemeClr val="bg1"/>
-              </a:solidFill>
-            </a:endParaRPr>
-          </a:p>
-          <a:p>
-            <a:pPr>
-              <a:buNone/>
-            </a:pPr>
-            <a:endParaRPr lang="ru-RU" sz="1800" dirty="0" smtClean="0">
-              <a:solidFill>
-                <a:schemeClr val="bg1"/>
-              </a:solidFill>
-            </a:endParaRPr>
-          </a:p>
-          <a:p>
-            <a:pPr>
-              <a:buNone/>
-            </a:pPr>
-            <a:endParaRPr lang="ru-RU" sz="1800" dirty="0" smtClean="0">
-              <a:solidFill>
-                <a:schemeClr val="bg1"/>
-              </a:solidFill>
-            </a:endParaRPr>
-          </a:p>
-        </p:txBody>
-      </p:sp>
-      <p:pic>
-        <p:nvPicPr>
-          <p:cNvPr id="2051" name="Picture 3"/>
-          <p:cNvPicPr>
-            <a:picLocks noChangeAspect="1" noChangeArrowheads="1"/>
-          </p:cNvPicPr>
-          <p:nvPr/>
-        </p:nvPicPr>
-        <p:blipFill>
-          <a:blip r:embed="rId2" cstate="print"/>
-          <a:srcRect/>
-          <a:stretch>
-            <a:fillRect/>
-          </a:stretch>
-        </p:blipFill>
-        <p:spPr bwMode="auto">
-          <a:xfrm>
-            <a:off x="7915275" y="4510088"/>
-            <a:ext cx="2152650" cy="1114425"/>
-          </a:xfrm>
-          <a:prstGeom prst="rect">
-            <a:avLst/>
-          </a:prstGeom>
-          <a:noFill/>
-          <a:ln w="28575">
-            <a:solidFill>
-              <a:schemeClr val="bg1"/>
-            </a:solidFill>
-            <a:miter lim="800000"/>
-            <a:headEnd/>
-            <a:tailEnd/>
-          </a:ln>
-        </p:spPr>
-      </p:pic>
-      <p:sp>
-        <p:nvSpPr>
-          <p:cNvPr id="11" name="Прямоугольник 10"/>
-          <p:cNvSpPr/>
-          <p:nvPr/>
-        </p:nvSpPr>
-        <p:spPr>
-          <a:xfrm>
-            <a:off x="514350" y="4400551"/>
-            <a:ext cx="8001000" cy="646331"/>
-          </a:xfrm>
-          <a:prstGeom prst="rect">
-            <a:avLst/>
-          </a:prstGeom>
-        </p:spPr>
-        <p:txBody>
-          <a:bodyPr wrap="square">
-            <a:spAutoFit/>
-          </a:bodyPr>
-          <a:lstStyle/>
-          <a:p>
-            <a:r>
-              <a:rPr lang="ru-RU" dirty="0" smtClean="0">
-                <a:solidFill>
-                  <a:schemeClr val="bg1"/>
-                </a:solidFill>
-              </a:rPr>
-              <a:t>	Обнаружить </a:t>
-            </a:r>
-            <a:r>
-              <a:rPr lang="en-US" dirty="0" smtClean="0">
-                <a:solidFill>
-                  <a:schemeClr val="bg1"/>
-                </a:solidFill>
-              </a:rPr>
-              <a:t>temp.exe </a:t>
-            </a:r>
-            <a:r>
-              <a:rPr lang="ru-RU" dirty="0" smtClean="0">
-                <a:solidFill>
-                  <a:schemeClr val="bg1"/>
-                </a:solidFill>
-              </a:rPr>
-              <a:t>можно лишь в диспетчере задач, так как программа открывается в невидимом режиме</a:t>
-            </a:r>
-            <a:endParaRPr lang="ru-RU" dirty="0">
-              <a:solidFill>
-                <a:schemeClr val="bg1"/>
-              </a:solidFill>
-            </a:endParaRPr>
+            <p:ph type="ctrTitle"/>
+          </p:nvPr>
+        </p:nvSpPr>
+        <p:spPr/>
+        <p:txBody>
+          <a:bodyPr/>
+          <a:lstStyle/>
+          <a:p>
+            <a:endParaRPr lang="ru-RU"/>
+          </a:p>
+        </p:txBody>
+      </p:sp>
+      <p:sp>
+        <p:nvSpPr>
+          <p:cNvPr id="3" name="Подзаголовок 2"/>
+          <p:cNvSpPr>
+            <a:spLocks noGrp="1"/>
+          </p:cNvSpPr>
+          <p:nvPr>
+            <p:ph type="subTitle" idx="1"/>
+          </p:nvPr>
+        </p:nvSpPr>
+        <p:spPr/>
+        <p:txBody>
+          <a:bodyPr/>
+          <a:lstStyle/>
+          <a:p>
+            <a:endParaRPr lang="ru-RU"/>
           </a:p>
         </p:txBody>
       </p:sp>
     </p:spTree>
-    <p:extLst>
-      <p:ext uri="{BB962C8B-B14F-4D97-AF65-F5344CB8AC3E}">
-        <p14:creationId xmlns:p14="http://schemas.microsoft.com/office/powerpoint/2010/main" xmlns="" val="1539953928"/>
-      </p:ext>
-    </p:extLst>
   </p:cSld>
   <p:clrMapOvr>
     <a:masterClrMapping/>
   </p:clrMapOvr>
-  <p:timing>
-    <p:tnLst>
-      <p:par>
-        <p:cTn id="1" dur="indefinite" restart="never" nodeType="tmRoot"/>
-      </p:par>
-    </p:tnLst>
-  </p:timing>
 </p:sld>
 </file>
 
@@ -7680,440 +6003,42 @@
             <a:spLocks noGrp="1"/>
           </p:cNvSpPr>
           <p:nvPr>
-            <p:ph type="title"/>
-          </p:nvPr>
-        </p:nvSpPr>
-        <p:spPr>
-          <a:xfrm>
-            <a:off x="0" y="-1"/>
-            <a:ext cx="11838432" cy="2024743"/>
-          </a:xfrm>
-        </p:spPr>
-        <p:txBody>
-          <a:bodyPr>
-            <a:noAutofit/>
-          </a:bodyPr>
-          <a:lstStyle/>
-          <a:p>
-            <a:r>
-              <a:rPr lang="ru-RU" sz="4400" dirty="0" smtClean="0">
-                <a:solidFill>
-                  <a:schemeClr val="bg1"/>
-                </a:solidFill>
-                <a:latin typeface="+mn-lt"/>
-                <a:ea typeface="Yu Gothic" panose="020B0400000000000000" pitchFamily="34" charset="-128"/>
-              </a:rPr>
-              <a:t>Аудит безопасности</a:t>
-            </a:r>
-            <a:r>
-              <a:rPr lang="en-US" sz="4400" dirty="0" smtClean="0">
-                <a:solidFill>
-                  <a:schemeClr val="bg1"/>
-                </a:solidFill>
-                <a:latin typeface="+mn-lt"/>
-                <a:ea typeface="Yu Gothic" panose="020B0400000000000000" pitchFamily="34" charset="-128"/>
-              </a:rPr>
-              <a:t> </a:t>
-            </a:r>
-            <a:r>
-              <a:rPr lang="ru-RU" sz="4400" dirty="0">
-                <a:solidFill>
-                  <a:schemeClr val="bg1"/>
-                </a:solidFill>
-                <a:latin typeface="+mn-lt"/>
-                <a:ea typeface="Yu Gothic" panose="020B0400000000000000" pitchFamily="34" charset="-128"/>
-              </a:rPr>
-              <a:t>программного продукта студента группы </a:t>
-            </a:r>
-            <a:r>
-              <a:rPr lang="ru-RU" sz="4400" dirty="0" smtClean="0">
-                <a:solidFill>
-                  <a:schemeClr val="bg1"/>
-                </a:solidFill>
-                <a:latin typeface="+mn-lt"/>
-                <a:ea typeface="Yu Gothic" panose="020B0400000000000000" pitchFamily="34" charset="-128"/>
-              </a:rPr>
-              <a:t>ИБ-116 </a:t>
-            </a:r>
-            <a:r>
-              <a:rPr lang="ru-RU" sz="4400" dirty="0" err="1" smtClean="0">
-                <a:solidFill>
-                  <a:schemeClr val="bg1"/>
-                </a:solidFill>
-                <a:latin typeface="+mn-lt"/>
-                <a:ea typeface="Yu Gothic" panose="020B0400000000000000" pitchFamily="34" charset="-128"/>
-              </a:rPr>
-              <a:t>Клименкова</a:t>
-            </a:r>
-            <a:r>
-              <a:rPr lang="ru-RU" sz="4400" dirty="0" smtClean="0">
-                <a:solidFill>
-                  <a:schemeClr val="bg1"/>
-                </a:solidFill>
-                <a:latin typeface="+mn-lt"/>
-                <a:ea typeface="Yu Gothic" panose="020B0400000000000000" pitchFamily="34" charset="-128"/>
-              </a:rPr>
-              <a:t> Д.П.</a:t>
-            </a:r>
-            <a:r>
-              <a:rPr lang="ru-RU" sz="4400" dirty="0">
-                <a:solidFill>
-                  <a:schemeClr val="bg1"/>
-                </a:solidFill>
-                <a:latin typeface="+mn-lt"/>
-              </a:rPr>
-              <a:t/>
-            </a:r>
-            <a:br>
-              <a:rPr lang="ru-RU" sz="4400" dirty="0">
-                <a:solidFill>
-                  <a:schemeClr val="bg1"/>
-                </a:solidFill>
-                <a:latin typeface="+mn-lt"/>
-              </a:rPr>
-            </a:br>
-            <a:r>
-              <a:rPr lang="ru-RU" sz="4800" dirty="0" smtClean="0">
-                <a:solidFill>
-                  <a:schemeClr val="bg1"/>
-                </a:solidFill>
-                <a:latin typeface="+mn-lt"/>
-              </a:rPr>
-              <a:t> </a:t>
-            </a:r>
-            <a:endParaRPr lang="ru-RU" sz="4800" dirty="0">
-              <a:solidFill>
-                <a:schemeClr val="bg1"/>
-              </a:solidFill>
-              <a:latin typeface="+mn-lt"/>
-            </a:endParaRPr>
-          </a:p>
-        </p:txBody>
-      </p:sp>
-      <p:sp>
-        <p:nvSpPr>
-          <p:cNvPr id="9" name="Прямоугольник 8"/>
-          <p:cNvSpPr/>
-          <p:nvPr/>
-        </p:nvSpPr>
-        <p:spPr>
-          <a:xfrm>
-            <a:off x="0" y="1607943"/>
-            <a:ext cx="11638437" cy="677108"/>
-          </a:xfrm>
-          <a:prstGeom prst="rect">
-            <a:avLst/>
-          </a:prstGeom>
-        </p:spPr>
-        <p:txBody>
-          <a:bodyPr wrap="square">
-            <a:spAutoFit/>
-          </a:bodyPr>
-          <a:lstStyle/>
-          <a:p>
-            <a:r>
-              <a:rPr lang="ru-RU" sz="2000" dirty="0" smtClean="0">
-                <a:solidFill>
-                  <a:schemeClr val="bg1"/>
-                </a:solidFill>
-                <a:ea typeface="Yu Gothic" panose="020B0400000000000000" pitchFamily="34" charset="-128"/>
-              </a:rPr>
-              <a:t>Цель: провести анализ защиты программного продукта.</a:t>
-            </a:r>
-          </a:p>
-          <a:p>
-            <a:endParaRPr lang="ru-RU" dirty="0">
-              <a:solidFill>
-                <a:schemeClr val="bg1"/>
-              </a:solidFill>
-            </a:endParaRPr>
-          </a:p>
-        </p:txBody>
-      </p:sp>
-      <p:sp>
-        <p:nvSpPr>
-          <p:cNvPr id="15" name="TextBox 14"/>
-          <p:cNvSpPr txBox="1"/>
-          <p:nvPr/>
-        </p:nvSpPr>
-        <p:spPr>
-          <a:xfrm>
-            <a:off x="0" y="2154804"/>
-            <a:ext cx="6096000" cy="1200329"/>
-          </a:xfrm>
-          <a:prstGeom prst="rect">
-            <a:avLst/>
-          </a:prstGeom>
-          <a:noFill/>
-        </p:spPr>
-        <p:txBody>
-          <a:bodyPr wrap="square" rtlCol="0">
-            <a:spAutoFit/>
-          </a:bodyPr>
-          <a:lstStyle/>
-          <a:p>
-            <a:r>
-              <a:rPr lang="ru-RU" dirty="0" smtClean="0">
-                <a:solidFill>
-                  <a:schemeClr val="bg1"/>
-                </a:solidFill>
-              </a:rPr>
-              <a:t>	Первое, на что нужно обратить внимание – какие данные хранят в себе приложения. Попытаться их как-то использовать. Если это не дало какие-либо результатов, то нужно посмотреть, какие функции имеет приложение.</a:t>
-            </a:r>
-          </a:p>
-        </p:txBody>
-      </p:sp>
-      <p:pic>
-        <p:nvPicPr>
-          <p:cNvPr id="7" name="Рисунок 6"/>
-          <p:cNvPicPr/>
-          <p:nvPr/>
-        </p:nvPicPr>
-        <p:blipFill>
-          <a:blip r:embed="rId2" cstate="print"/>
-          <a:srcRect/>
-          <a:stretch>
-            <a:fillRect/>
-          </a:stretch>
-        </p:blipFill>
-        <p:spPr bwMode="auto">
-          <a:xfrm>
-            <a:off x="5531914" y="3839793"/>
-            <a:ext cx="5563257" cy="1094814"/>
-          </a:xfrm>
-          <a:prstGeom prst="rect">
-            <a:avLst/>
-          </a:prstGeom>
-          <a:noFill/>
-          <a:ln w="28575">
-            <a:solidFill>
-              <a:schemeClr val="bg1"/>
-            </a:solidFill>
-            <a:miter lim="800000"/>
-            <a:headEnd/>
-            <a:tailEnd/>
-          </a:ln>
-        </p:spPr>
-      </p:pic>
-      <p:pic>
-        <p:nvPicPr>
-          <p:cNvPr id="8" name="Рисунок 7"/>
-          <p:cNvPicPr/>
-          <p:nvPr/>
-        </p:nvPicPr>
-        <p:blipFill>
-          <a:blip r:embed="rId3" cstate="print"/>
-          <a:srcRect/>
-          <a:stretch>
-            <a:fillRect/>
-          </a:stretch>
-        </p:blipFill>
-        <p:spPr bwMode="auto">
-          <a:xfrm>
-            <a:off x="6647768" y="2123394"/>
-            <a:ext cx="3519489" cy="1536935"/>
-          </a:xfrm>
-          <a:prstGeom prst="rect">
-            <a:avLst/>
-          </a:prstGeom>
-          <a:noFill/>
-          <a:ln w="28575">
-            <a:solidFill>
-              <a:schemeClr val="bg1"/>
-            </a:solidFill>
-            <a:miter lim="800000"/>
-            <a:headEnd/>
-            <a:tailEnd/>
-          </a:ln>
-        </p:spPr>
-      </p:pic>
-      <p:sp>
-        <p:nvSpPr>
-          <p:cNvPr id="10" name="Прямоугольник 9"/>
-          <p:cNvSpPr/>
-          <p:nvPr/>
-        </p:nvSpPr>
-        <p:spPr>
-          <a:xfrm>
-            <a:off x="0" y="3897476"/>
-            <a:ext cx="5312229" cy="923330"/>
-          </a:xfrm>
-          <a:prstGeom prst="rect">
-            <a:avLst/>
-          </a:prstGeom>
-        </p:spPr>
-        <p:txBody>
-          <a:bodyPr wrap="square">
-            <a:spAutoFit/>
-          </a:bodyPr>
-          <a:lstStyle/>
-          <a:p>
-            <a:r>
-              <a:rPr lang="ru-RU" dirty="0" smtClean="0">
-                <a:solidFill>
-                  <a:schemeClr val="bg1"/>
-                </a:solidFill>
-              </a:rPr>
-              <a:t>	Например сервер имеет функцию </a:t>
-            </a:r>
-            <a:r>
-              <a:rPr lang="en-US" dirty="0" err="1" smtClean="0">
-                <a:solidFill>
-                  <a:schemeClr val="bg1"/>
-                </a:solidFill>
-              </a:rPr>
-              <a:t>GetHash</a:t>
-            </a:r>
-            <a:r>
-              <a:rPr lang="en-US" dirty="0" smtClean="0">
-                <a:solidFill>
-                  <a:schemeClr val="bg1"/>
-                </a:solidFill>
-              </a:rPr>
-              <a:t>. </a:t>
-            </a:r>
-            <a:r>
-              <a:rPr lang="ru-RU" dirty="0" smtClean="0">
-                <a:solidFill>
-                  <a:schemeClr val="bg1"/>
-                </a:solidFill>
-              </a:rPr>
-              <a:t>А прямиком рядом с ней есть строчка, где выводится о создании сервера. </a:t>
-            </a:r>
-            <a:endParaRPr lang="ru-RU" sz="1400" dirty="0">
-              <a:solidFill>
-                <a:schemeClr val="bg1"/>
-              </a:solidFill>
-            </a:endParaRPr>
-          </a:p>
-        </p:txBody>
-      </p:sp>
-      <p:sp>
-        <p:nvSpPr>
-          <p:cNvPr id="11" name="Прямоугольник 10"/>
-          <p:cNvSpPr/>
-          <p:nvPr/>
-        </p:nvSpPr>
-        <p:spPr>
-          <a:xfrm>
-            <a:off x="0" y="5136608"/>
-            <a:ext cx="6096000" cy="1200329"/>
-          </a:xfrm>
-          <a:prstGeom prst="rect">
-            <a:avLst/>
-          </a:prstGeom>
-        </p:spPr>
-        <p:txBody>
-          <a:bodyPr>
-            <a:spAutoFit/>
-          </a:bodyPr>
-          <a:lstStyle/>
-          <a:p>
-            <a:r>
-              <a:rPr lang="ru-RU" dirty="0" smtClean="0">
-                <a:solidFill>
-                  <a:schemeClr val="bg1"/>
-                </a:solidFill>
-              </a:rPr>
-              <a:t>	Без правильного пароля мы не доходим до этой строчки. Команда </a:t>
-            </a:r>
-            <a:r>
-              <a:rPr lang="en-US" dirty="0" smtClean="0">
-                <a:solidFill>
-                  <a:schemeClr val="bg1"/>
-                </a:solidFill>
-              </a:rPr>
-              <a:t>JNZ</a:t>
-            </a:r>
-            <a:r>
-              <a:rPr lang="ru-RU" dirty="0" smtClean="0">
-                <a:solidFill>
-                  <a:schemeClr val="bg1"/>
-                </a:solidFill>
-              </a:rPr>
-              <a:t>, которая находится после функции </a:t>
-            </a:r>
-            <a:r>
-              <a:rPr lang="en-US" dirty="0" err="1" smtClean="0">
-                <a:solidFill>
-                  <a:schemeClr val="bg1"/>
-                </a:solidFill>
-              </a:rPr>
-              <a:t>GetHash</a:t>
-            </a:r>
-            <a:r>
-              <a:rPr lang="en-US" dirty="0" smtClean="0">
-                <a:solidFill>
-                  <a:schemeClr val="bg1"/>
-                </a:solidFill>
-              </a:rPr>
-              <a:t> </a:t>
-            </a:r>
-            <a:r>
-              <a:rPr lang="ru-RU" dirty="0" smtClean="0">
-                <a:solidFill>
-                  <a:schemeClr val="bg1"/>
-                </a:solidFill>
-              </a:rPr>
-              <a:t>ведет нас к выходу из программы. Избавимся от этого перехода.</a:t>
-            </a:r>
-            <a:endParaRPr lang="ru-RU" dirty="0">
-              <a:solidFill>
-                <a:schemeClr val="bg1"/>
-              </a:solidFill>
-            </a:endParaRPr>
-          </a:p>
-        </p:txBody>
-      </p:sp>
-      <p:pic>
-        <p:nvPicPr>
-          <p:cNvPr id="12" name="Рисунок 11"/>
-          <p:cNvPicPr/>
-          <p:nvPr/>
-        </p:nvPicPr>
-        <p:blipFill>
-          <a:blip r:embed="rId4" cstate="print"/>
-          <a:srcRect/>
-          <a:stretch>
-            <a:fillRect/>
-          </a:stretch>
-        </p:blipFill>
-        <p:spPr bwMode="auto">
-          <a:xfrm>
-            <a:off x="6233432" y="5275738"/>
-            <a:ext cx="4586968" cy="1228841"/>
-          </a:xfrm>
-          <a:prstGeom prst="rect">
-            <a:avLst/>
-          </a:prstGeom>
-          <a:noFill/>
-          <a:ln w="28575">
-            <a:solidFill>
-              <a:schemeClr val="bg1"/>
-            </a:solidFill>
-            <a:miter lim="800000"/>
-            <a:headEnd/>
-            <a:tailEnd/>
-          </a:ln>
-        </p:spPr>
-      </p:pic>
+            <p:ph type="ctrTitle"/>
+          </p:nvPr>
+        </p:nvSpPr>
+        <p:spPr/>
+        <p:txBody>
+          <a:bodyPr/>
+          <a:lstStyle/>
+          <a:p>
+            <a:endParaRPr lang="ru-RU"/>
+          </a:p>
+        </p:txBody>
+      </p:sp>
+      <p:sp>
+        <p:nvSpPr>
+          <p:cNvPr id="3" name="Подзаголовок 2"/>
+          <p:cNvSpPr>
+            <a:spLocks noGrp="1"/>
+          </p:cNvSpPr>
+          <p:nvPr>
+            <p:ph type="subTitle" idx="1"/>
+          </p:nvPr>
+        </p:nvSpPr>
+        <p:spPr/>
+        <p:txBody>
+          <a:bodyPr/>
+          <a:lstStyle/>
+          <a:p>
+            <a:endParaRPr lang="ru-RU"/>
+          </a:p>
+        </p:txBody>
+      </p:sp>
     </p:spTree>
-    <p:extLst>
-      <p:ext uri="{BB962C8B-B14F-4D97-AF65-F5344CB8AC3E}">
-        <p14:creationId xmlns:p14="http://schemas.microsoft.com/office/powerpoint/2010/main" xmlns="" val="4257821356"/>
-      </p:ext>
-    </p:extLst>
   </p:cSld>
   <p:clrMapOvr>
     <a:masterClrMapping/>
   </p:clrMapOvr>
-  <p:timing>
-    <p:tnLst>
-      <p:par>
-        <p:cTn id="1" dur="indefinite" restart="never" nodeType="tmRoot"/>
-      </p:par>
-    </p:tnLst>
-  </p:timing>
 </p:sld>
 </file>
 
@@ -8136,221 +6061,47 @@
       </p:grpSpPr>
       <p:sp>
         <p:nvSpPr>
-          <p:cNvPr id="3" name="Объект 2"/>
-          <p:cNvSpPr>
-            <a:spLocks noGrp="1"/>
-          </p:cNvSpPr>
-          <p:nvPr>
-            <p:ph idx="1"/>
-          </p:nvPr>
-        </p:nvSpPr>
-        <p:spPr>
-          <a:xfrm>
-            <a:off x="0" y="341096"/>
-            <a:ext cx="7943850" cy="2745004"/>
-          </a:xfrm>
-        </p:spPr>
-        <p:txBody>
-          <a:bodyPr>
-            <a:normAutofit/>
-          </a:bodyPr>
-          <a:lstStyle/>
-          <a:p>
-            <a:pPr marL="0" indent="0">
-              <a:buNone/>
-            </a:pPr>
-            <a:r>
-              <a:rPr lang="ru-RU" sz="1800" dirty="0" smtClean="0">
-                <a:solidFill>
-                  <a:schemeClr val="bg1"/>
-                </a:solidFill>
-              </a:rPr>
-              <a:t>	Теперь при вводе любого пароля сервер продолжает свою работу. </a:t>
-            </a:r>
-          </a:p>
-          <a:p>
-            <a:pPr marL="0" indent="0">
-              <a:buNone/>
-            </a:pPr>
-            <a:r>
-              <a:rPr lang="ru-RU" sz="1800" dirty="0" smtClean="0">
-                <a:solidFill>
-                  <a:schemeClr val="bg1"/>
-                </a:solidFill>
-              </a:rPr>
-              <a:t>	</a:t>
-            </a:r>
-          </a:p>
-          <a:p>
-            <a:pPr marL="0" indent="0">
-              <a:buNone/>
-            </a:pPr>
-            <a:r>
-              <a:rPr lang="ru-RU" sz="1800" dirty="0" smtClean="0">
-                <a:solidFill>
-                  <a:schemeClr val="bg1"/>
-                </a:solidFill>
-              </a:rPr>
-              <a:t>	Попробуем подключиться к серверу с помощью клиента. Программа клиента также просит пароль. При вводе спонтанного пароля клиент завершает свою работу. Если же ничего не вводить, то клиент выключается спустя 10 секунд, как и указано в приложении.</a:t>
-            </a:r>
-          </a:p>
-          <a:p>
-            <a:pPr marL="0" indent="0">
-              <a:buNone/>
-            </a:pPr>
-            <a:r>
-              <a:rPr lang="ru-RU" sz="1800" dirty="0" smtClean="0">
-                <a:solidFill>
-                  <a:schemeClr val="bg1"/>
-                </a:solidFill>
-              </a:rPr>
-              <a:t>	На сервере, если клиент ввел неправильный пароль отображается сообщение </a:t>
-            </a:r>
-            <a:r>
-              <a:rPr lang="en-US" sz="1800" dirty="0" smtClean="0">
-                <a:solidFill>
-                  <a:schemeClr val="bg1"/>
-                </a:solidFill>
-              </a:rPr>
-              <a:t>“Error password”, </a:t>
-            </a:r>
-            <a:r>
-              <a:rPr lang="ru-RU" sz="1800" dirty="0" smtClean="0">
-                <a:solidFill>
-                  <a:schemeClr val="bg1"/>
-                </a:solidFill>
-              </a:rPr>
-              <a:t>если же пользователь ничего не ввел, то </a:t>
-            </a:r>
-            <a:r>
-              <a:rPr lang="en-US" sz="1800" dirty="0" smtClean="0">
-                <a:solidFill>
-                  <a:schemeClr val="bg1"/>
-                </a:solidFill>
-              </a:rPr>
-              <a:t>“timeout client”</a:t>
-            </a:r>
-            <a:endParaRPr lang="ru-RU" dirty="0">
-              <a:solidFill>
-                <a:schemeClr val="bg1"/>
-              </a:solidFill>
-            </a:endParaRPr>
-          </a:p>
-        </p:txBody>
-      </p:sp>
-      <p:pic>
-        <p:nvPicPr>
-          <p:cNvPr id="4" name="Рисунок 3"/>
-          <p:cNvPicPr/>
-          <p:nvPr/>
-        </p:nvPicPr>
-        <p:blipFill>
-          <a:blip r:embed="rId2" cstate="print"/>
-          <a:srcRect/>
-          <a:stretch>
-            <a:fillRect/>
-          </a:stretch>
-        </p:blipFill>
-        <p:spPr bwMode="auto">
-          <a:xfrm>
-            <a:off x="8267700" y="281957"/>
-            <a:ext cx="3575957" cy="2972513"/>
-          </a:xfrm>
-          <a:prstGeom prst="rect">
-            <a:avLst/>
-          </a:prstGeom>
-          <a:noFill/>
-          <a:ln w="28575">
-            <a:solidFill>
-              <a:schemeClr val="bg1"/>
-            </a:solidFill>
-            <a:miter lim="800000"/>
-            <a:headEnd/>
-            <a:tailEnd/>
-          </a:ln>
-        </p:spPr>
-      </p:pic>
-      <p:pic>
-        <p:nvPicPr>
-          <p:cNvPr id="5" name="Рисунок 4"/>
-          <p:cNvPicPr/>
-          <p:nvPr/>
-        </p:nvPicPr>
-        <p:blipFill>
-          <a:blip r:embed="rId3" cstate="print"/>
-          <a:srcRect/>
-          <a:stretch>
-            <a:fillRect/>
-          </a:stretch>
-        </p:blipFill>
-        <p:spPr bwMode="auto">
-          <a:xfrm>
-            <a:off x="5724840" y="3464544"/>
-            <a:ext cx="5503097" cy="2522600"/>
-          </a:xfrm>
-          <a:prstGeom prst="rect">
-            <a:avLst/>
-          </a:prstGeom>
-          <a:noFill/>
-          <a:ln w="28575">
-            <a:solidFill>
-              <a:schemeClr val="bg1"/>
-            </a:solidFill>
-            <a:miter lim="800000"/>
-            <a:headEnd/>
-            <a:tailEnd/>
-          </a:ln>
-        </p:spPr>
-      </p:pic>
-      <p:pic>
-        <p:nvPicPr>
-          <p:cNvPr id="6" name="Рисунок 5"/>
-          <p:cNvPicPr/>
-          <p:nvPr/>
-        </p:nvPicPr>
-        <p:blipFill>
-          <a:blip r:embed="rId4" cstate="print"/>
-          <a:srcRect/>
-          <a:stretch>
-            <a:fillRect/>
-          </a:stretch>
-        </p:blipFill>
-        <p:spPr bwMode="auto">
-          <a:xfrm>
-            <a:off x="277112" y="3549145"/>
-            <a:ext cx="4273118" cy="3023848"/>
-          </a:xfrm>
-          <a:prstGeom prst="rect">
-            <a:avLst/>
-          </a:prstGeom>
-          <a:noFill/>
-          <a:ln w="28575">
-            <a:solidFill>
-              <a:schemeClr val="bg1"/>
-            </a:solidFill>
-            <a:miter lim="800000"/>
-            <a:headEnd/>
-            <a:tailEnd/>
-          </a:ln>
-        </p:spPr>
-      </p:pic>
+          <p:cNvPr id="2" name="Заголовок 1"/>
+          <p:cNvSpPr>
+            <a:spLocks noGrp="1"/>
+          </p:cNvSpPr>
+          <p:nvPr>
+            <p:ph type="ctrTitle"/>
+          </p:nvPr>
+        </p:nvSpPr>
+        <p:spPr/>
+        <p:txBody>
+          <a:bodyPr/>
+          <a:lstStyle/>
+          <a:p>
+            <a:endParaRPr lang="ru-RU"/>
+          </a:p>
+        </p:txBody>
+      </p:sp>
+      <p:sp>
+        <p:nvSpPr>
+          <p:cNvPr id="3" name="Подзаголовок 2"/>
+          <p:cNvSpPr>
+            <a:spLocks noGrp="1"/>
+          </p:cNvSpPr>
+          <p:nvPr>
+            <p:ph type="subTitle" idx="1"/>
+          </p:nvPr>
+        </p:nvSpPr>
+        <p:spPr/>
+        <p:txBody>
+          <a:bodyPr/>
+          <a:lstStyle/>
+          <a:p>
+            <a:endParaRPr lang="ru-RU"/>
+          </a:p>
+        </p:txBody>
+      </p:sp>
     </p:spTree>
-    <p:extLst>
-      <p:ext uri="{BB962C8B-B14F-4D97-AF65-F5344CB8AC3E}">
-        <p14:creationId xmlns:p14="http://schemas.microsoft.com/office/powerpoint/2010/main" xmlns="" val="1966555652"/>
-      </p:ext>
-    </p:extLst>
   </p:cSld>
   <p:clrMapOvr>
     <a:masterClrMapping/>
   </p:clrMapOvr>
-  <p:timing>
-    <p:tnLst>
-      <p:par>
-        <p:cTn id="1" dur="indefinite" restart="never" nodeType="tmRoot"/>
-      </p:par>
-    </p:tnLst>
-  </p:timing>
 </p:sld>
 </file>
 

--- a/Plakat_Kulikov.pptx
+++ b/Plakat_Kulikov.pptx
@@ -116,7 +116,7 @@
   </p:defaultTextStyle>
   <p:extLst>
     <p:ext uri="{EFAFB233-063F-42B5-8137-9DF3F51BA10A}">
-      <p15:sldGuideLst xmlns="" xmlns:p15="http://schemas.microsoft.com/office/powerpoint/2012/main"/>
+      <p15:sldGuideLst xmlns:p15="http://schemas.microsoft.com/office/powerpoint/2012/main" xmlns=""/>
     </p:ext>
   </p:extLst>
 </p:presentation>
@@ -502,7 +502,7 @@
             <a:fld id="{ECBF9312-44B4-4211-9B92-90372EFA7E5A}" type="datetimeFigureOut">
               <a:rPr lang="ru-RU" smtClean="0"/>
               <a:pPr/>
-              <a:t>10.06.2019</a:t>
+              <a:t>16.06.2019</a:t>
             </a:fld>
             <a:endParaRPr lang="ru-RU"/>
           </a:p>
@@ -669,7 +669,7 @@
             <a:fld id="{ECBF9312-44B4-4211-9B92-90372EFA7E5A}" type="datetimeFigureOut">
               <a:rPr lang="ru-RU" smtClean="0"/>
               <a:pPr/>
-              <a:t>10.06.2019</a:t>
+              <a:t>16.06.2019</a:t>
             </a:fld>
             <a:endParaRPr lang="ru-RU"/>
           </a:p>
@@ -846,7 +846,7 @@
             <a:fld id="{ECBF9312-44B4-4211-9B92-90372EFA7E5A}" type="datetimeFigureOut">
               <a:rPr lang="ru-RU" smtClean="0"/>
               <a:pPr/>
-              <a:t>10.06.2019</a:t>
+              <a:t>16.06.2019</a:t>
             </a:fld>
             <a:endParaRPr lang="ru-RU"/>
           </a:p>
@@ -1017,7 +1017,7 @@
             <a:fld id="{ECBF9312-44B4-4211-9B92-90372EFA7E5A}" type="datetimeFigureOut">
               <a:rPr lang="ru-RU" smtClean="0"/>
               <a:pPr/>
-              <a:t>10.06.2019</a:t>
+              <a:t>16.06.2019</a:t>
             </a:fld>
             <a:endParaRPr lang="ru-RU"/>
           </a:p>
@@ -1469,7 +1469,7 @@
             <a:fld id="{ECBF9312-44B4-4211-9B92-90372EFA7E5A}" type="datetimeFigureOut">
               <a:rPr lang="ru-RU" smtClean="0"/>
               <a:pPr/>
-              <a:t>10.06.2019</a:t>
+              <a:t>16.06.2019</a:t>
             </a:fld>
             <a:endParaRPr lang="ru-RU"/>
           </a:p>
@@ -1735,7 +1735,7 @@
             <a:fld id="{ECBF9312-44B4-4211-9B92-90372EFA7E5A}" type="datetimeFigureOut">
               <a:rPr lang="ru-RU" smtClean="0"/>
               <a:pPr/>
-              <a:t>10.06.2019</a:t>
+              <a:t>16.06.2019</a:t>
             </a:fld>
             <a:endParaRPr lang="ru-RU"/>
           </a:p>
@@ -2111,7 +2111,7 @@
             <a:fld id="{ECBF9312-44B4-4211-9B92-90372EFA7E5A}" type="datetimeFigureOut">
               <a:rPr lang="ru-RU" smtClean="0"/>
               <a:pPr/>
-              <a:t>10.06.2019</a:t>
+              <a:t>16.06.2019</a:t>
             </a:fld>
             <a:endParaRPr lang="ru-RU"/>
           </a:p>
@@ -2235,7 +2235,7 @@
             <a:fld id="{ECBF9312-44B4-4211-9B92-90372EFA7E5A}" type="datetimeFigureOut">
               <a:rPr lang="ru-RU" smtClean="0"/>
               <a:pPr/>
-              <a:t>10.06.2019</a:t>
+              <a:t>16.06.2019</a:t>
             </a:fld>
             <a:endParaRPr lang="ru-RU"/>
           </a:p>
@@ -2327,7 +2327,7 @@
             <a:fld id="{ECBF9312-44B4-4211-9B92-90372EFA7E5A}" type="datetimeFigureOut">
               <a:rPr lang="ru-RU" smtClean="0"/>
               <a:pPr/>
-              <a:t>10.06.2019</a:t>
+              <a:t>16.06.2019</a:t>
             </a:fld>
             <a:endParaRPr lang="ru-RU"/>
           </a:p>
@@ -2578,7 +2578,7 @@
             <a:fld id="{ECBF9312-44B4-4211-9B92-90372EFA7E5A}" type="datetimeFigureOut">
               <a:rPr lang="ru-RU" smtClean="0"/>
               <a:pPr/>
-              <a:t>10.06.2019</a:t>
+              <a:t>16.06.2019</a:t>
             </a:fld>
             <a:endParaRPr lang="ru-RU"/>
           </a:p>
@@ -2839,7 +2839,7 @@
             <a:fld id="{ECBF9312-44B4-4211-9B92-90372EFA7E5A}" type="datetimeFigureOut">
               <a:rPr lang="ru-RU" smtClean="0"/>
               <a:pPr/>
-              <a:t>10.06.2019</a:t>
+              <a:t>16.06.2019</a:t>
             </a:fld>
             <a:endParaRPr lang="ru-RU"/>
           </a:p>
@@ -3254,7 +3254,7 @@
             <a:fld id="{ECBF9312-44B4-4211-9B92-90372EFA7E5A}" type="datetimeFigureOut">
               <a:rPr lang="ru-RU" smtClean="0"/>
               <a:pPr/>
-              <a:t>10.06.2019</a:t>
+              <a:t>16.06.2019</a:t>
             </a:fld>
             <a:endParaRPr lang="ru-RU"/>
           </a:p>
@@ -4174,7 +4174,22 @@
                   </a:outerShdw>
                 </a:effectLst>
               </a:rPr>
-              <a:t> </a:t>
+              <a:t> «</a:t>
+            </a:r>
+            <a:r>
+              <a:rPr lang="ru-RU" sz="2400" dirty="0" smtClean="0">
+                <a:solidFill>
+                  <a:schemeClr val="accent6"/>
+                </a:solidFill>
+                <a:effectLst>
+                  <a:outerShdw blurRad="38100" dist="38100" dir="2700000" algn="tl">
+                    <a:srgbClr val="000000">
+                      <a:alpha val="43137"/>
+                    </a:srgbClr>
+                  </a:outerShdw>
+                </a:effectLst>
+              </a:rPr>
+              <a:t>ПРИКЛАДНЫЕ АЛГОРИТМЫ</a:t>
             </a:r>
             <a:r>
               <a:rPr lang="ru-RU" sz="2400" dirty="0" smtClean="0">
@@ -4186,23 +4201,11 @@
                   </a:outerShdw>
                 </a:effectLst>
               </a:rPr>
-              <a:t>«</a:t>
-            </a:r>
-            <a:r>
-              <a:rPr lang="ru-RU" sz="2400" dirty="0" smtClean="0">
-                <a:solidFill>
-                  <a:schemeClr val="accent6"/>
-                </a:solidFill>
-                <a:effectLst>
-                  <a:outerShdw blurRad="38100" dist="38100" dir="2700000" algn="tl">
-                    <a:srgbClr val="000000">
-                      <a:alpha val="43137"/>
-                    </a:srgbClr>
-                  </a:outerShdw>
-                </a:effectLst>
-              </a:rPr>
-              <a:t>ПРИКЛАДНЫЕ АЛГОРИТМЫ</a:t>
-            </a:r>
+              <a:t>»</a:t>
+            </a:r>
+          </a:p>
+          <a:p>
+            <a:pPr algn="ctr"/>
             <a:r>
               <a:rPr lang="ru-RU" sz="2400" dirty="0" smtClean="0">
                 <a:effectLst>
@@ -4213,43 +4216,7 @@
                   </a:outerShdw>
                 </a:effectLst>
               </a:rPr>
-              <a:t>»</a:t>
-            </a:r>
-            <a:endParaRPr lang="ru-RU" sz="2400" dirty="0" smtClean="0">
-              <a:effectLst>
-                <a:outerShdw blurRad="38100" dist="38100" dir="2700000" algn="tl">
-                  <a:srgbClr val="000000">
-                    <a:alpha val="43137"/>
-                  </a:srgbClr>
-                </a:outerShdw>
-              </a:effectLst>
-            </a:endParaRPr>
-          </a:p>
-          <a:p>
-            <a:pPr algn="ctr"/>
-            <a:r>
-              <a:rPr lang="ru-RU" sz="2400" dirty="0" smtClean="0">
-                <a:effectLst>
-                  <a:outerShdw blurRad="38100" dist="38100" dir="2700000" algn="tl">
-                    <a:srgbClr val="000000">
-                      <a:alpha val="43137"/>
-                    </a:srgbClr>
-                  </a:outerShdw>
-                </a:effectLst>
-              </a:rPr>
-              <a:t>ПО ТЕМЕ: </a:t>
-            </a:r>
-            <a:r>
-              <a:rPr lang="ru-RU" sz="2400" dirty="0" smtClean="0">
-                <a:effectLst>
-                  <a:outerShdw blurRad="38100" dist="38100" dir="2700000" algn="tl">
-                    <a:srgbClr val="000000">
-                      <a:alpha val="43137"/>
-                    </a:srgbClr>
-                  </a:outerShdw>
-                </a:effectLst>
-              </a:rPr>
-              <a:t>«</a:t>
+              <a:t>ПО ТЕМЕ: «</a:t>
             </a:r>
             <a:r>
               <a:rPr lang="ru-RU" sz="2400" dirty="0" smtClean="0">
@@ -4300,24 +4267,7 @@
                 <a:latin typeface="Times New Roman" panose="02020603050405020304" pitchFamily="18" charset="0"/>
                 <a:cs typeface="Times New Roman" panose="02020603050405020304" pitchFamily="18" charset="0"/>
               </a:rPr>
-              <a:t>процедурно-ориентированного </a:t>
-            </a:r>
-            <a:r>
-              <a:rPr lang="ru-RU" sz="2400" dirty="0" smtClean="0">
-                <a:solidFill>
-                  <a:schemeClr val="accent6"/>
-                </a:solidFill>
-                <a:effectLst>
-                  <a:outerShdw blurRad="38100" dist="38100" dir="2700000" algn="tl">
-                    <a:srgbClr val="000000">
-                      <a:alpha val="43137"/>
-                    </a:srgbClr>
-                  </a:outerShdw>
-                </a:effectLst>
-                <a:latin typeface="Times New Roman" panose="02020603050405020304" pitchFamily="18" charset="0"/>
-                <a:cs typeface="Times New Roman" panose="02020603050405020304" pitchFamily="18" charset="0"/>
-              </a:rPr>
-              <a:t>языка</a:t>
+              <a:t>процедурно-ориентированного языка</a:t>
             </a:r>
             <a:r>
               <a:rPr lang="ru-RU" sz="2400" dirty="0" smtClean="0">
@@ -4355,7 +4305,7 @@
           <a:blip r:embed="rId2" cstate="print">
             <a:extLst>
               <a:ext uri="{BEBA8EAE-BF5A-486C-A8C5-ECC9F3942E4B}">
-                <a14:imgProps xmlns="" xmlns:a14="http://schemas.microsoft.com/office/drawing/2010/main">
+                <a14:imgProps xmlns:a14="http://schemas.microsoft.com/office/drawing/2010/main" xmlns="">
                   <a14:imgLayer r:embed="rId3">
                     <a14:imgEffect>
                       <a14:sharpenSoften amount="100000"/>
@@ -4385,7 +4335,7 @@
     </p:spTree>
     <p:extLst>
       <p:ext uri="{BB962C8B-B14F-4D97-AF65-F5344CB8AC3E}">
-        <p14:creationId xmlns="" xmlns:p14="http://schemas.microsoft.com/office/powerpoint/2010/main" val="1926724595"/>
+        <p14:creationId xmlns:p14="http://schemas.microsoft.com/office/powerpoint/2010/main" xmlns="" val="1926724595"/>
       </p:ext>
     </p:extLst>
   </p:cSld>
@@ -4775,7 +4725,7 @@
           <p:cNvPr id="2" name="Заголовок 1">
             <a:extLst>
               <a:ext uri="{FF2B5EF4-FFF2-40B4-BE49-F238E27FC236}">
-                <a16:creationId xmlns:a16="http://schemas.microsoft.com/office/drawing/2014/main" xmlns="" id="{E4271D08-B8C8-4622-9405-573E26A8C89A}"/>
+                <a16:creationId xmlns="" xmlns:a16="http://schemas.microsoft.com/office/drawing/2014/main" id="{E4271D08-B8C8-4622-9405-573E26A8C89A}"/>
               </a:ext>
             </a:extLst>
           </p:cNvPr>
@@ -4821,7 +4771,7 @@
           <p:cNvPr id="3" name="Объект 2">
             <a:extLst>
               <a:ext uri="{FF2B5EF4-FFF2-40B4-BE49-F238E27FC236}">
-                <a16:creationId xmlns:a16="http://schemas.microsoft.com/office/drawing/2014/main" xmlns="" id="{AFCA33D7-3944-44DF-90E5-0A0BAFAED58B}"/>
+                <a16:creationId xmlns="" xmlns:a16="http://schemas.microsoft.com/office/drawing/2014/main" id="{AFCA33D7-3944-44DF-90E5-0A0BAFAED58B}"/>
               </a:ext>
             </a:extLst>
           </p:cNvPr>
@@ -5294,26 +5244,6 @@
                 <a:latin typeface="Times New Roman" panose="02020603050405020304" pitchFamily="18" charset="0"/>
                 <a:cs typeface="Times New Roman" panose="02020603050405020304" pitchFamily="18" charset="0"/>
               </a:rPr>
-              <a:t>, </a:t>
-            </a:r>
-            <a:r>
-              <a:rPr lang="en-US" sz="2200" dirty="0">
-                <a:solidFill>
-                  <a:schemeClr val="bg1"/>
-                </a:solidFill>
-                <a:latin typeface="Times New Roman" panose="02020603050405020304" pitchFamily="18" charset="0"/>
-                <a:cs typeface="Times New Roman" panose="02020603050405020304" pitchFamily="18" charset="0"/>
-              </a:rPr>
-              <a:t>!</a:t>
-            </a:r>
-            <a:r>
-              <a:rPr lang="ru-RU" sz="2200" dirty="0">
-                <a:solidFill>
-                  <a:schemeClr val="bg1"/>
-                </a:solidFill>
-                <a:latin typeface="Times New Roman" panose="02020603050405020304" pitchFamily="18" charset="0"/>
-                <a:cs typeface="Times New Roman" panose="02020603050405020304" pitchFamily="18" charset="0"/>
-              </a:rPr>
               <a:t>)</a:t>
             </a:r>
             <a:r>
@@ -5600,17 +5530,7 @@
                 <a:latin typeface="Times New Roman" panose="02020603050405020304" pitchFamily="18" charset="0"/>
                 <a:cs typeface="Times New Roman" panose="02020603050405020304" pitchFamily="18" charset="0"/>
               </a:rPr>
-              <a:t>или </a:t>
-            </a:r>
-            <a:r>
-              <a:rPr lang="ru-RU" sz="2200" dirty="0" smtClean="0">
-                <a:solidFill>
-                  <a:schemeClr val="bg1"/>
-                </a:solidFill>
-                <a:latin typeface="Times New Roman" panose="02020603050405020304" pitchFamily="18" charset="0"/>
-                <a:cs typeface="Times New Roman" panose="02020603050405020304" pitchFamily="18" charset="0"/>
-              </a:rPr>
-              <a:t>байт-код</a:t>
+              <a:t>или байт-код</a:t>
             </a:r>
             <a:r>
               <a:rPr lang="en-US" sz="2200" dirty="0" smtClean="0">
@@ -5641,10 +5561,10 @@
       </p:sp>
       <p:sp>
         <p:nvSpPr>
-          <p:cNvPr id="4" name="Нижний колонтитул 3">
+          <p:cNvPr id="5" name="Номер слайда 4">
             <a:extLst>
               <a:ext uri="{FF2B5EF4-FFF2-40B4-BE49-F238E27FC236}">
-                <a16:creationId xmlns:a16="http://schemas.microsoft.com/office/drawing/2014/main" xmlns="" id="{BC64F103-FA5D-44F1-8FCD-D776E68B94C3}"/>
+                <a16:creationId xmlns="" xmlns:a16="http://schemas.microsoft.com/office/drawing/2014/main" id="{C48B008A-4D10-4E73-9813-9BDB03DC599B}"/>
               </a:ext>
             </a:extLst>
           </p:cNvPr>
@@ -5652,43 +5572,6 @@
             <a:spLocks noGrp="1"/>
           </p:cNvSpPr>
           <p:nvPr>
-            <p:ph type="ftr" sz="quarter" idx="11"/>
-          </p:nvPr>
-        </p:nvSpPr>
-        <p:spPr>
-          <a:xfrm>
-            <a:off x="3686184" y="6459785"/>
-            <a:ext cx="6214273" cy="365125"/>
-          </a:xfrm>
-        </p:spPr>
-        <p:txBody>
-          <a:bodyPr/>
-          <a:lstStyle/>
-          <a:p>
-            <a:r>
-              <a:rPr lang="ru-RU">
-                <a:solidFill>
-                  <a:schemeClr val="tx1"/>
-                </a:solidFill>
-              </a:rPr>
-              <a:t>Леткова Н.С. ИСБ-116 «Разработка компилятора подмножества процедурно-ориентированного языка» </a:t>
-            </a:r>
-          </a:p>
-        </p:txBody>
-      </p:sp>
-      <p:sp>
-        <p:nvSpPr>
-          <p:cNvPr id="5" name="Номер слайда 4">
-            <a:extLst>
-              <a:ext uri="{FF2B5EF4-FFF2-40B4-BE49-F238E27FC236}">
-                <a16:creationId xmlns:a16="http://schemas.microsoft.com/office/drawing/2014/main" xmlns="" id="{C48B008A-4D10-4E73-9813-9BDB03DC599B}"/>
-              </a:ext>
-            </a:extLst>
-          </p:cNvPr>
-          <p:cNvSpPr>
-            <a:spLocks noGrp="1"/>
-          </p:cNvSpPr>
-          <p:nvPr>
             <p:ph type="sldNum" sz="quarter" idx="12"/>
           </p:nvPr>
         </p:nvSpPr>
@@ -5706,7 +5589,7 @@
               <a:pPr/>
               <a:t>3</a:t>
             </a:fld>
-            <a:endParaRPr lang="ru-RU">
+            <a:endParaRPr lang="ru-RU" dirty="0">
               <a:solidFill>
                 <a:schemeClr val="tx1"/>
               </a:solidFill>
@@ -5717,7 +5600,7 @@
     </p:spTree>
     <p:extLst>
       <p:ext uri="{BB962C8B-B14F-4D97-AF65-F5344CB8AC3E}">
-        <p14:creationId xmlns:p14="http://schemas.microsoft.com/office/powerpoint/2010/main" xmlns="" val="1184433512"/>
+        <p14:creationId xmlns="" xmlns:p14="http://schemas.microsoft.com/office/powerpoint/2010/main" val="1184433512"/>
       </p:ext>
     </p:extLst>
   </p:cSld>
